--- a/Impedance Spectroscopy/Presentation - Impedance Spectroscopy.pptx
+++ b/Impedance Spectroscopy/Presentation - Impedance Spectroscopy.pptx
@@ -122,7 +122,8 @@
 <file path=ppt/revisionInfo.xml><?xml version="1.0" encoding="utf-8"?>
 <p1510:revInfo xmlns:a="http://schemas.openxmlformats.org/drawingml/2006/main" xmlns:r="http://schemas.openxmlformats.org/officeDocument/2006/relationships" xmlns:p1510="http://schemas.microsoft.com/office/powerpoint/2015/10/main">
   <p1510:revLst>
-    <p1510:client id="{BE7A66B6-BF63-4F09-9A6F-8343E5F98863}" v="408" dt="2019-05-01T17:48:36.779"/>
+    <p1510:client id="{AB3E6A47-8BBB-EBF0-9C90-3D8BC1C7906B}" v="1" dt="2019-05-07T18:27:55.018"/>
+    <p1510:client id="{BE7A66B6-BF63-4F09-9A6F-8343E5F98863}" v="466" dt="2019-05-06T22:45:29.563"/>
   </p1510:revLst>
 </p1510:revInfo>
 </file>
@@ -131,13 +132,13 @@
 <pc:chgInfo xmlns:a="http://schemas.openxmlformats.org/drawingml/2006/main" xmlns:r="http://schemas.openxmlformats.org/officeDocument/2006/relationships" xmlns:ac="http://schemas.microsoft.com/office/drawing/2013/main/command" xmlns:pc="http://schemas.microsoft.com/office/powerpoint/2013/main/command">
   <pc:docChgLst>
     <pc:chgData name="Harris, Kathryn" userId="7b7550e7-05ec-4c83-a9a9-28c83af2e2f6" providerId="ADAL" clId="{BE7A66B6-BF63-4F09-9A6F-8343E5F98863}"/>
-    <pc:docChg chg="undo custSel addSld modSld">
-      <pc:chgData name="Harris, Kathryn" userId="7b7550e7-05ec-4c83-a9a9-28c83af2e2f6" providerId="ADAL" clId="{BE7A66B6-BF63-4F09-9A6F-8343E5F98863}" dt="2019-05-01T18:21:34.404" v="1464" actId="20577"/>
+    <pc:docChg chg="undo custSel addSld delSld modSld">
+      <pc:chgData name="Harris, Kathryn" userId="7b7550e7-05ec-4c83-a9a9-28c83af2e2f6" providerId="ADAL" clId="{BE7A66B6-BF63-4F09-9A6F-8343E5F98863}" dt="2019-05-06T22:45:34.588" v="3842" actId="6549"/>
       <pc:docMkLst>
         <pc:docMk/>
       </pc:docMkLst>
-      <pc:sldChg chg="modSp">
-        <pc:chgData name="Harris, Kathryn" userId="7b7550e7-05ec-4c83-a9a9-28c83af2e2f6" providerId="ADAL" clId="{BE7A66B6-BF63-4F09-9A6F-8343E5F98863}" dt="2019-04-30T19:23:08.550" v="14" actId="20577"/>
+      <pc:sldChg chg="modSp add del">
+        <pc:chgData name="Harris, Kathryn" userId="7b7550e7-05ec-4c83-a9a9-28c83af2e2f6" providerId="ADAL" clId="{BE7A66B6-BF63-4F09-9A6F-8343E5F98863}" dt="2019-05-06T22:45:20.741" v="3837" actId="2696"/>
         <pc:sldMkLst>
           <pc:docMk/>
           <pc:sldMk cId="798780466" sldId="257"/>
@@ -152,7 +153,7 @@
         </pc:spChg>
       </pc:sldChg>
       <pc:sldChg chg="addSp delSp modSp">
-        <pc:chgData name="Harris, Kathryn" userId="7b7550e7-05ec-4c83-a9a9-28c83af2e2f6" providerId="ADAL" clId="{BE7A66B6-BF63-4F09-9A6F-8343E5F98863}" dt="2019-04-30T23:11:26.845" v="1250" actId="14100"/>
+        <pc:chgData name="Harris, Kathryn" userId="7b7550e7-05ec-4c83-a9a9-28c83af2e2f6" providerId="ADAL" clId="{BE7A66B6-BF63-4F09-9A6F-8343E5F98863}" dt="2019-05-02T19:18:40.002" v="1743" actId="20577"/>
         <pc:sldMkLst>
           <pc:docMk/>
           <pc:sldMk cId="2050796765" sldId="258"/>
@@ -182,7 +183,7 @@
           </ac:spMkLst>
         </pc:spChg>
         <pc:spChg chg="add mod">
-          <ac:chgData name="Harris, Kathryn" userId="7b7550e7-05ec-4c83-a9a9-28c83af2e2f6" providerId="ADAL" clId="{BE7A66B6-BF63-4F09-9A6F-8343E5F98863}" dt="2019-04-30T23:11:26.845" v="1250" actId="14100"/>
+          <ac:chgData name="Harris, Kathryn" userId="7b7550e7-05ec-4c83-a9a9-28c83af2e2f6" providerId="ADAL" clId="{BE7A66B6-BF63-4F09-9A6F-8343E5F98863}" dt="2019-05-02T19:18:40.002" v="1743" actId="20577"/>
           <ac:spMkLst>
             <pc:docMk/>
             <pc:sldMk cId="2050796765" sldId="258"/>
@@ -206,8 +207,8 @@
           </ac:inkMkLst>
         </pc:inkChg>
       </pc:sldChg>
-      <pc:sldChg chg="modSp">
-        <pc:chgData name="Harris, Kathryn" userId="7b7550e7-05ec-4c83-a9a9-28c83af2e2f6" providerId="ADAL" clId="{BE7A66B6-BF63-4F09-9A6F-8343E5F98863}" dt="2019-04-30T19:28:10.399" v="31" actId="20577"/>
+      <pc:sldChg chg="modSp add del">
+        <pc:chgData name="Harris, Kathryn" userId="7b7550e7-05ec-4c83-a9a9-28c83af2e2f6" providerId="ADAL" clId="{BE7A66B6-BF63-4F09-9A6F-8343E5F98863}" dt="2019-05-06T22:45:20.158" v="3836" actId="2696"/>
         <pc:sldMkLst>
           <pc:docMk/>
           <pc:sldMk cId="322108982" sldId="259"/>
@@ -221,8 +222,8 @@
           </ac:spMkLst>
         </pc:spChg>
       </pc:sldChg>
-      <pc:sldChg chg="modSp">
-        <pc:chgData name="Harris, Kathryn" userId="7b7550e7-05ec-4c83-a9a9-28c83af2e2f6" providerId="ADAL" clId="{BE7A66B6-BF63-4F09-9A6F-8343E5F98863}" dt="2019-05-01T18:21:34.404" v="1464" actId="20577"/>
+      <pc:sldChg chg="addSp delSp modSp">
+        <pc:chgData name="Harris, Kathryn" userId="7b7550e7-05ec-4c83-a9a9-28c83af2e2f6" providerId="ADAL" clId="{BE7A66B6-BF63-4F09-9A6F-8343E5F98863}" dt="2019-05-02T22:31:07.945" v="2815" actId="1076"/>
         <pc:sldMkLst>
           <pc:docMk/>
           <pc:sldMk cId="1996422719" sldId="260"/>
@@ -236,31 +237,159 @@
           </ac:spMkLst>
         </pc:spChg>
         <pc:spChg chg="mod">
-          <ac:chgData name="Harris, Kathryn" userId="7b7550e7-05ec-4c83-a9a9-28c83af2e2f6" providerId="ADAL" clId="{BE7A66B6-BF63-4F09-9A6F-8343E5F98863}" dt="2019-05-01T18:21:34.404" v="1464" actId="20577"/>
+          <ac:chgData name="Harris, Kathryn" userId="7b7550e7-05ec-4c83-a9a9-28c83af2e2f6" providerId="ADAL" clId="{BE7A66B6-BF63-4F09-9A6F-8343E5F98863}" dt="2019-05-02T22:10:05.311" v="2222" actId="27636"/>
           <ac:spMkLst>
             <pc:docMk/>
             <pc:sldMk cId="1996422719" sldId="260"/>
             <ac:spMk id="3" creationId="{00000000-0000-0000-0000-000000000000}"/>
           </ac:spMkLst>
         </pc:spChg>
+        <pc:spChg chg="add del mod">
+          <ac:chgData name="Harris, Kathryn" userId="7b7550e7-05ec-4c83-a9a9-28c83af2e2f6" providerId="ADAL" clId="{BE7A66B6-BF63-4F09-9A6F-8343E5F98863}" dt="2019-05-02T22:12:49.666" v="2232" actId="478"/>
+          <ac:spMkLst>
+            <pc:docMk/>
+            <pc:sldMk cId="1996422719" sldId="260"/>
+            <ac:spMk id="7" creationId="{878C8455-9A0E-44B6-A994-6E2739F4BA58}"/>
+          </ac:spMkLst>
+        </pc:spChg>
+        <pc:spChg chg="add mod">
+          <ac:chgData name="Harris, Kathryn" userId="7b7550e7-05ec-4c83-a9a9-28c83af2e2f6" providerId="ADAL" clId="{BE7A66B6-BF63-4F09-9A6F-8343E5F98863}" dt="2019-05-02T22:10:00.101" v="2217"/>
+          <ac:spMkLst>
+            <pc:docMk/>
+            <pc:sldMk cId="1996422719" sldId="260"/>
+            <ac:spMk id="8" creationId="{F34F4385-3FF1-43CB-A039-7030BDC484C6}"/>
+          </ac:spMkLst>
+        </pc:spChg>
+        <pc:spChg chg="add del mod">
+          <ac:chgData name="Harris, Kathryn" userId="7b7550e7-05ec-4c83-a9a9-28c83af2e2f6" providerId="ADAL" clId="{BE7A66B6-BF63-4F09-9A6F-8343E5F98863}" dt="2019-05-02T22:09:44.055" v="2212" actId="478"/>
+          <ac:spMkLst>
+            <pc:docMk/>
+            <pc:sldMk cId="1996422719" sldId="260"/>
+            <ac:spMk id="9" creationId="{6C1131AB-8CF4-48C6-B13D-8C05EC3472AA}"/>
+          </ac:spMkLst>
+        </pc:spChg>
+        <pc:spChg chg="add mod">
+          <ac:chgData name="Harris, Kathryn" userId="7b7550e7-05ec-4c83-a9a9-28c83af2e2f6" providerId="ADAL" clId="{BE7A66B6-BF63-4F09-9A6F-8343E5F98863}" dt="2019-05-02T22:30:51.472" v="2812" actId="27636"/>
+          <ac:spMkLst>
+            <pc:docMk/>
+            <pc:sldMk cId="1996422719" sldId="260"/>
+            <ac:spMk id="12" creationId="{D1458126-1AA9-4F9F-9FC2-0CF7E1F87FF2}"/>
+          </ac:spMkLst>
+        </pc:spChg>
+        <pc:spChg chg="add mod">
+          <ac:chgData name="Harris, Kathryn" userId="7b7550e7-05ec-4c83-a9a9-28c83af2e2f6" providerId="ADAL" clId="{BE7A66B6-BF63-4F09-9A6F-8343E5F98863}" dt="2019-05-02T22:31:07.945" v="2815" actId="1076"/>
+          <ac:spMkLst>
+            <pc:docMk/>
+            <pc:sldMk cId="1996422719" sldId="260"/>
+            <ac:spMk id="13" creationId="{006AF862-74CE-412E-82C6-0F4828777551}"/>
+          </ac:spMkLst>
+        </pc:spChg>
+        <pc:picChg chg="add del mod">
+          <ac:chgData name="Harris, Kathryn" userId="7b7550e7-05ec-4c83-a9a9-28c83af2e2f6" providerId="ADAL" clId="{BE7A66B6-BF63-4F09-9A6F-8343E5F98863}" dt="2019-05-02T18:35:28.645" v="1525"/>
+          <ac:picMkLst>
+            <pc:docMk/>
+            <pc:sldMk cId="1996422719" sldId="260"/>
+            <ac:picMk id="5" creationId="{575410A7-C1E1-4936-A4FD-5198C2BA77DF}"/>
+          </ac:picMkLst>
+        </pc:picChg>
+        <pc:picChg chg="add del mod">
+          <ac:chgData name="Harris, Kathryn" userId="7b7550e7-05ec-4c83-a9a9-28c83af2e2f6" providerId="ADAL" clId="{BE7A66B6-BF63-4F09-9A6F-8343E5F98863}" dt="2019-05-02T22:09:09.634" v="2205" actId="478"/>
+          <ac:picMkLst>
+            <pc:docMk/>
+            <pc:sldMk cId="1996422719" sldId="260"/>
+            <ac:picMk id="6" creationId="{956B64B9-BAC0-4E1E-8E5A-EF4EA971C811}"/>
+          </ac:picMkLst>
+        </pc:picChg>
+        <pc:picChg chg="add mod">
+          <ac:chgData name="Harris, Kathryn" userId="7b7550e7-05ec-4c83-a9a9-28c83af2e2f6" providerId="ADAL" clId="{BE7A66B6-BF63-4F09-9A6F-8343E5F98863}" dt="2019-05-02T22:10:11.584" v="2223" actId="1076"/>
+          <ac:picMkLst>
+            <pc:docMk/>
+            <pc:sldMk cId="1996422719" sldId="260"/>
+            <ac:picMk id="11" creationId="{78CA68C0-C104-4A9A-AE4B-94F3ADB0C4D2}"/>
+          </ac:picMkLst>
+        </pc:picChg>
       </pc:sldChg>
-      <pc:sldChg chg="modSp">
-        <pc:chgData name="Harris, Kathryn" userId="7b7550e7-05ec-4c83-a9a9-28c83af2e2f6" providerId="ADAL" clId="{BE7A66B6-BF63-4F09-9A6F-8343E5F98863}" dt="2019-04-30T19:28:33.484" v="50" actId="20577"/>
+      <pc:sldChg chg="addSp delSp modSp">
+        <pc:chgData name="Harris, Kathryn" userId="7b7550e7-05ec-4c83-a9a9-28c83af2e2f6" providerId="ADAL" clId="{BE7A66B6-BF63-4F09-9A6F-8343E5F98863}" dt="2019-05-03T17:59:35.699" v="3806" actId="20577"/>
         <pc:sldMkLst>
           <pc:docMk/>
           <pc:sldMk cId="3633230944" sldId="261"/>
         </pc:sldMkLst>
         <pc:spChg chg="mod">
-          <ac:chgData name="Harris, Kathryn" userId="7b7550e7-05ec-4c83-a9a9-28c83af2e2f6" providerId="ADAL" clId="{BE7A66B6-BF63-4F09-9A6F-8343E5F98863}" dt="2019-04-30T19:28:33.484" v="50" actId="20577"/>
+          <ac:chgData name="Harris, Kathryn" userId="7b7550e7-05ec-4c83-a9a9-28c83af2e2f6" providerId="ADAL" clId="{BE7A66B6-BF63-4F09-9A6F-8343E5F98863}" dt="2019-05-02T23:09:54.568" v="2845" actId="1076"/>
           <ac:spMkLst>
             <pc:docMk/>
             <pc:sldMk cId="3633230944" sldId="261"/>
             <ac:spMk id="2" creationId="{00000000-0000-0000-0000-000000000000}"/>
           </ac:spMkLst>
         </pc:spChg>
+        <pc:spChg chg="add del mod">
+          <ac:chgData name="Harris, Kathryn" userId="7b7550e7-05ec-4c83-a9a9-28c83af2e2f6" providerId="ADAL" clId="{BE7A66B6-BF63-4F09-9A6F-8343E5F98863}" dt="2019-05-03T17:59:35.699" v="3806" actId="20577"/>
+          <ac:spMkLst>
+            <pc:docMk/>
+            <pc:sldMk cId="3633230944" sldId="261"/>
+            <ac:spMk id="3" creationId="{00000000-0000-0000-0000-000000000000}"/>
+          </ac:spMkLst>
+        </pc:spChg>
+        <pc:picChg chg="add del mod">
+          <ac:chgData name="Harris, Kathryn" userId="7b7550e7-05ec-4c83-a9a9-28c83af2e2f6" providerId="ADAL" clId="{BE7A66B6-BF63-4F09-9A6F-8343E5F98863}" dt="2019-05-02T23:08:36.072" v="2826" actId="478"/>
+          <ac:picMkLst>
+            <pc:docMk/>
+            <pc:sldMk cId="3633230944" sldId="261"/>
+            <ac:picMk id="4" creationId="{22D52466-21CC-4E0E-A0FD-14D3877C9CD7}"/>
+          </ac:picMkLst>
+        </pc:picChg>
+        <pc:picChg chg="add mod">
+          <ac:chgData name="Harris, Kathryn" userId="7b7550e7-05ec-4c83-a9a9-28c83af2e2f6" providerId="ADAL" clId="{BE7A66B6-BF63-4F09-9A6F-8343E5F98863}" dt="2019-05-03T17:58:37.898" v="3722" actId="1076"/>
+          <ac:picMkLst>
+            <pc:docMk/>
+            <pc:sldMk cId="3633230944" sldId="261"/>
+            <ac:picMk id="4" creationId="{702696ED-8B82-4174-9BCC-7CB610457E20}"/>
+          </ac:picMkLst>
+        </pc:picChg>
+        <pc:picChg chg="add del mod">
+          <ac:chgData name="Harris, Kathryn" userId="7b7550e7-05ec-4c83-a9a9-28c83af2e2f6" providerId="ADAL" clId="{BE7A66B6-BF63-4F09-9A6F-8343E5F98863}" dt="2019-05-02T23:08:22.930" v="2822"/>
+          <ac:picMkLst>
+            <pc:docMk/>
+            <pc:sldMk cId="3633230944" sldId="261"/>
+            <ac:picMk id="5" creationId="{6486DAA2-619F-4E06-9565-F441CD409697}"/>
+          </ac:picMkLst>
+        </pc:picChg>
+        <pc:picChg chg="add del mod">
+          <ac:chgData name="Harris, Kathryn" userId="7b7550e7-05ec-4c83-a9a9-28c83af2e2f6" providerId="ADAL" clId="{BE7A66B6-BF63-4F09-9A6F-8343E5F98863}" dt="2019-05-02T23:08:32.773" v="2824"/>
+          <ac:picMkLst>
+            <pc:docMk/>
+            <pc:sldMk cId="3633230944" sldId="261"/>
+            <ac:picMk id="6" creationId="{67F51F69-A476-4AB2-A45C-EF267E7FA3CC}"/>
+          </ac:picMkLst>
+        </pc:picChg>
+        <pc:picChg chg="add mod">
+          <ac:chgData name="Harris, Kathryn" userId="7b7550e7-05ec-4c83-a9a9-28c83af2e2f6" providerId="ADAL" clId="{BE7A66B6-BF63-4F09-9A6F-8343E5F98863}" dt="2019-05-02T23:09:39.874" v="2841" actId="14100"/>
+          <ac:picMkLst>
+            <pc:docMk/>
+            <pc:sldMk cId="3633230944" sldId="261"/>
+            <ac:picMk id="7" creationId="{44CC60C5-6B08-4A95-BE31-8A87EF98FB1D}"/>
+          </ac:picMkLst>
+        </pc:picChg>
+        <pc:picChg chg="add mod">
+          <ac:chgData name="Harris, Kathryn" userId="7b7550e7-05ec-4c83-a9a9-28c83af2e2f6" providerId="ADAL" clId="{BE7A66B6-BF63-4F09-9A6F-8343E5F98863}" dt="2019-05-02T23:14:41.451" v="3097" actId="14100"/>
+          <ac:picMkLst>
+            <pc:docMk/>
+            <pc:sldMk cId="3633230944" sldId="261"/>
+            <ac:picMk id="8" creationId="{6919D0F6-70FC-4FD1-95F2-CF066BFB9747}"/>
+          </ac:picMkLst>
+        </pc:picChg>
+        <pc:picChg chg="del mod">
+          <ac:chgData name="Harris, Kathryn" userId="7b7550e7-05ec-4c83-a9a9-28c83af2e2f6" providerId="ADAL" clId="{BE7A66B6-BF63-4F09-9A6F-8343E5F98863}" dt="2019-05-03T17:58:14.050" v="3716" actId="478"/>
+          <ac:picMkLst>
+            <pc:docMk/>
+            <pc:sldMk cId="3633230944" sldId="261"/>
+            <ac:picMk id="26" creationId="{CB68AA1A-2B65-4D98-879D-927186C35A3B}"/>
+          </ac:picMkLst>
+        </pc:picChg>
       </pc:sldChg>
-      <pc:sldChg chg="modSp">
-        <pc:chgData name="Harris, Kathryn" userId="7b7550e7-05ec-4c83-a9a9-28c83af2e2f6" providerId="ADAL" clId="{BE7A66B6-BF63-4F09-9A6F-8343E5F98863}" dt="2019-04-30T19:28:38.703" v="63" actId="20577"/>
+      <pc:sldChg chg="modSp add del">
+        <pc:chgData name="Harris, Kathryn" userId="7b7550e7-05ec-4c83-a9a9-28c83af2e2f6" providerId="ADAL" clId="{BE7A66B6-BF63-4F09-9A6F-8343E5F98863}" dt="2019-05-06T22:45:19.409" v="3835" actId="2696"/>
         <pc:sldMkLst>
           <pc:docMk/>
           <pc:sldMk cId="929643458" sldId="262"/>
@@ -274,8 +403,8 @@
           </ac:spMkLst>
         </pc:spChg>
       </pc:sldChg>
-      <pc:sldChg chg="modSp add">
-        <pc:chgData name="Harris, Kathryn" userId="7b7550e7-05ec-4c83-a9a9-28c83af2e2f6" providerId="ADAL" clId="{BE7A66B6-BF63-4F09-9A6F-8343E5F98863}" dt="2019-05-01T17:48:40.623" v="1262" actId="20577"/>
+      <pc:sldChg chg="addSp delSp modSp add">
+        <pc:chgData name="Harris, Kathryn" userId="7b7550e7-05ec-4c83-a9a9-28c83af2e2f6" providerId="ADAL" clId="{BE7A66B6-BF63-4F09-9A6F-8343E5F98863}" dt="2019-05-06T22:45:34.588" v="3842" actId="6549"/>
         <pc:sldMkLst>
           <pc:docMk/>
           <pc:sldMk cId="3949950431" sldId="263"/>
@@ -289,13 +418,276 @@
           </ac:spMkLst>
         </pc:spChg>
         <pc:spChg chg="mod">
-          <ac:chgData name="Harris, Kathryn" userId="7b7550e7-05ec-4c83-a9a9-28c83af2e2f6" providerId="ADAL" clId="{BE7A66B6-BF63-4F09-9A6F-8343E5F98863}" dt="2019-05-01T17:48:36.777" v="1252"/>
+          <ac:chgData name="Harris, Kathryn" userId="7b7550e7-05ec-4c83-a9a9-28c83af2e2f6" providerId="ADAL" clId="{BE7A66B6-BF63-4F09-9A6F-8343E5F98863}" dt="2019-05-06T22:45:34.588" v="3842" actId="6549"/>
           <ac:spMkLst>
             <pc:docMk/>
             <pc:sldMk cId="3949950431" sldId="263"/>
             <ac:spMk id="3" creationId="{DE71291A-9816-466D-A0DC-A78B0DE5239C}"/>
           </ac:spMkLst>
         </pc:spChg>
+        <pc:spChg chg="add del">
+          <ac:chgData name="Harris, Kathryn" userId="7b7550e7-05ec-4c83-a9a9-28c83af2e2f6" providerId="ADAL" clId="{BE7A66B6-BF63-4F09-9A6F-8343E5F98863}" dt="2019-05-06T22:43:53.447" v="3811"/>
+          <ac:spMkLst>
+            <pc:docMk/>
+            <pc:sldMk cId="3949950431" sldId="263"/>
+            <ac:spMk id="4" creationId="{338090E3-CF29-4D42-8B38-A061DF64BA4C}"/>
+          </ac:spMkLst>
+        </pc:spChg>
+        <pc:spChg chg="add del">
+          <ac:chgData name="Harris, Kathryn" userId="7b7550e7-05ec-4c83-a9a9-28c83af2e2f6" providerId="ADAL" clId="{BE7A66B6-BF63-4F09-9A6F-8343E5F98863}" dt="2019-05-06T22:43:57.979" v="3813"/>
+          <ac:spMkLst>
+            <pc:docMk/>
+            <pc:sldMk cId="3949950431" sldId="263"/>
+            <ac:spMk id="5" creationId="{E54FDE1A-F9E7-4102-9B95-A22BF15B382E}"/>
+          </ac:spMkLst>
+        </pc:spChg>
+        <pc:spChg chg="add del mod">
+          <ac:chgData name="Harris, Kathryn" userId="7b7550e7-05ec-4c83-a9a9-28c83af2e2f6" providerId="ADAL" clId="{BE7A66B6-BF63-4F09-9A6F-8343E5F98863}" dt="2019-05-06T22:45:18.903" v="3834"/>
+          <ac:spMkLst>
+            <pc:docMk/>
+            <pc:sldMk cId="3949950431" sldId="263"/>
+            <ac:spMk id="6" creationId="{8B0B1EA3-E330-4AD3-873F-F300393DBAB2}"/>
+          </ac:spMkLst>
+        </pc:spChg>
+      </pc:sldChg>
+    </pc:docChg>
+  </pc:docChgLst>
+  <pc:docChgLst>
+    <pc:chgData name="Harris, Kathryn" userId="S::kathryn.harris@ucdenver.edu::7b7550e7-05ec-4c83-a9a9-28c83af2e2f6" providerId="AD" clId="Web-{AB3E6A47-8BBB-EBF0-9C90-3D8BC1C7906B}"/>
+    <pc:docChg chg="modSld">
+      <pc:chgData name="Harris, Kathryn" userId="S::kathryn.harris@ucdenver.edu::7b7550e7-05ec-4c83-a9a9-28c83af2e2f6" providerId="AD" clId="Web-{AB3E6A47-8BBB-EBF0-9C90-3D8BC1C7906B}" dt="2019-05-07T18:27:55.018" v="0" actId="1076"/>
+      <pc:docMkLst>
+        <pc:docMk/>
+      </pc:docMkLst>
+      <pc:sldChg chg="modSp">
+        <pc:chgData name="Harris, Kathryn" userId="S::kathryn.harris@ucdenver.edu::7b7550e7-05ec-4c83-a9a9-28c83af2e2f6" providerId="AD" clId="Web-{AB3E6A47-8BBB-EBF0-9C90-3D8BC1C7906B}" dt="2019-05-07T18:27:55.018" v="0" actId="1076"/>
+        <pc:sldMkLst>
+          <pc:docMk/>
+          <pc:sldMk cId="2050796765" sldId="258"/>
+        </pc:sldMkLst>
+        <pc:picChg chg="mod">
+          <ac:chgData name="Harris, Kathryn" userId="S::kathryn.harris@ucdenver.edu::7b7550e7-05ec-4c83-a9a9-28c83af2e2f6" providerId="AD" clId="Web-{AB3E6A47-8BBB-EBF0-9C90-3D8BC1C7906B}" dt="2019-05-07T18:27:55.018" v="0" actId="1076"/>
+          <ac:picMkLst>
+            <pc:docMk/>
+            <pc:sldMk cId="2050796765" sldId="258"/>
+            <ac:picMk id="9" creationId="{820DC8FA-A4A8-46F7-8643-8E083F45EB6D}"/>
+          </ac:picMkLst>
+        </pc:picChg>
+      </pc:sldChg>
+    </pc:docChg>
+  </pc:docChgLst>
+  <pc:docChgLst>
+    <pc:chgData name="Harris, Kathryn" userId="S::kathryn.harris@ucdenver.edu::7b7550e7-05ec-4c83-a9a9-28c83af2e2f6" providerId="AD" clId="Web-{9B8C2B17-A484-48A0-949F-70C1C57D77C2}"/>
+    <pc:docChg chg="modSld">
+      <pc:chgData name="Harris, Kathryn" userId="S::kathryn.harris@ucdenver.edu::7b7550e7-05ec-4c83-a9a9-28c83af2e2f6" providerId="AD" clId="Web-{9B8C2B17-A484-48A0-949F-70C1C57D77C2}" dt="2019-05-03T17:11:52.439" v="64" actId="14100"/>
+      <pc:docMkLst>
+        <pc:docMk/>
+      </pc:docMkLst>
+      <pc:sldChg chg="addSp delSp modSp">
+        <pc:chgData name="Harris, Kathryn" userId="S::kathryn.harris@ucdenver.edu::7b7550e7-05ec-4c83-a9a9-28c83af2e2f6" providerId="AD" clId="Web-{9B8C2B17-A484-48A0-949F-70C1C57D77C2}" dt="2019-05-03T17:09:01.237" v="29" actId="14100"/>
+        <pc:sldMkLst>
+          <pc:docMk/>
+          <pc:sldMk cId="2050796765" sldId="258"/>
+        </pc:sldMkLst>
+        <pc:spChg chg="mod">
+          <ac:chgData name="Harris, Kathryn" userId="S::kathryn.harris@ucdenver.edu::7b7550e7-05ec-4c83-a9a9-28c83af2e2f6" providerId="AD" clId="Web-{9B8C2B17-A484-48A0-949F-70C1C57D77C2}" dt="2019-05-03T17:09:01.237" v="29" actId="14100"/>
+          <ac:spMkLst>
+            <pc:docMk/>
+            <pc:sldMk cId="2050796765" sldId="258"/>
+            <ac:spMk id="7" creationId="{CEFBFA20-5A7A-43E7-9D96-B481948C19AF}"/>
+          </ac:spMkLst>
+        </pc:spChg>
+        <pc:picChg chg="del">
+          <ac:chgData name="Harris, Kathryn" userId="S::kathryn.harris@ucdenver.edu::7b7550e7-05ec-4c83-a9a9-28c83af2e2f6" providerId="AD" clId="Web-{9B8C2B17-A484-48A0-949F-70C1C57D77C2}" dt="2019-05-03T17:03:13.394" v="2"/>
+          <ac:picMkLst>
+            <pc:docMk/>
+            <pc:sldMk cId="2050796765" sldId="258"/>
+            <ac:picMk id="5" creationId="{A2503386-DBE0-4496-85C7-C5966D0EA8F1}"/>
+          </ac:picMkLst>
+        </pc:picChg>
+        <pc:picChg chg="add del mod">
+          <ac:chgData name="Harris, Kathryn" userId="S::kathryn.harris@ucdenver.edu::7b7550e7-05ec-4c83-a9a9-28c83af2e2f6" providerId="AD" clId="Web-{9B8C2B17-A484-48A0-949F-70C1C57D77C2}" dt="2019-05-03T17:08:51.174" v="26"/>
+          <ac:picMkLst>
+            <pc:docMk/>
+            <pc:sldMk cId="2050796765" sldId="258"/>
+            <ac:picMk id="6" creationId="{F39D3AFE-96CC-4B9F-B801-0D3D7A1E4E08}"/>
+          </ac:picMkLst>
+        </pc:picChg>
+        <pc:picChg chg="add mod">
+          <ac:chgData name="Harris, Kathryn" userId="S::kathryn.harris@ucdenver.edu::7b7550e7-05ec-4c83-a9a9-28c83af2e2f6" providerId="AD" clId="Web-{9B8C2B17-A484-48A0-949F-70C1C57D77C2}" dt="2019-05-03T17:08:57.065" v="28" actId="14100"/>
+          <ac:picMkLst>
+            <pc:docMk/>
+            <pc:sldMk cId="2050796765" sldId="258"/>
+            <ac:picMk id="9" creationId="{820DC8FA-A4A8-46F7-8643-8E083F45EB6D}"/>
+          </ac:picMkLst>
+        </pc:picChg>
+      </pc:sldChg>
+      <pc:sldChg chg="addSp delSp modSp mod setBg">
+        <pc:chgData name="Harris, Kathryn" userId="S::kathryn.harris@ucdenver.edu::7b7550e7-05ec-4c83-a9a9-28c83af2e2f6" providerId="AD" clId="Web-{9B8C2B17-A484-48A0-949F-70C1C57D77C2}" dt="2019-05-03T17:11:52.439" v="64" actId="14100"/>
+        <pc:sldMkLst>
+          <pc:docMk/>
+          <pc:sldMk cId="3633230944" sldId="261"/>
+        </pc:sldMkLst>
+        <pc:spChg chg="mod">
+          <ac:chgData name="Harris, Kathryn" userId="S::kathryn.harris@ucdenver.edu::7b7550e7-05ec-4c83-a9a9-28c83af2e2f6" providerId="AD" clId="Web-{9B8C2B17-A484-48A0-949F-70C1C57D77C2}" dt="2019-05-03T17:11:47.174" v="62" actId="14100"/>
+          <ac:spMkLst>
+            <pc:docMk/>
+            <pc:sldMk cId="3633230944" sldId="261"/>
+            <ac:spMk id="2" creationId="{00000000-0000-0000-0000-000000000000}"/>
+          </ac:spMkLst>
+        </pc:spChg>
+        <pc:spChg chg="mod ord">
+          <ac:chgData name="Harris, Kathryn" userId="S::kathryn.harris@ucdenver.edu::7b7550e7-05ec-4c83-a9a9-28c83af2e2f6" providerId="AD" clId="Web-{9B8C2B17-A484-48A0-949F-70C1C57D77C2}" dt="2019-05-03T17:11:52.439" v="64" actId="14100"/>
+          <ac:spMkLst>
+            <pc:docMk/>
+            <pc:sldMk cId="3633230944" sldId="261"/>
+            <ac:spMk id="3" creationId="{00000000-0000-0000-0000-000000000000}"/>
+          </ac:spMkLst>
+        </pc:spChg>
+        <pc:spChg chg="add del">
+          <ac:chgData name="Harris, Kathryn" userId="S::kathryn.harris@ucdenver.edu::7b7550e7-05ec-4c83-a9a9-28c83af2e2f6" providerId="AD" clId="Web-{9B8C2B17-A484-48A0-949F-70C1C57D77C2}" dt="2019-05-03T17:10:25.752" v="39"/>
+          <ac:spMkLst>
+            <pc:docMk/>
+            <pc:sldMk cId="3633230944" sldId="261"/>
+            <ac:spMk id="11" creationId="{9AD3FB61-6AE9-4485-BE50-6A67D1BBD5D3}"/>
+          </ac:spMkLst>
+        </pc:spChg>
+        <pc:spChg chg="add del">
+          <ac:chgData name="Harris, Kathryn" userId="S::kathryn.harris@ucdenver.edu::7b7550e7-05ec-4c83-a9a9-28c83af2e2f6" providerId="AD" clId="Web-{9B8C2B17-A484-48A0-949F-70C1C57D77C2}" dt="2019-05-03T17:10:25.752" v="39"/>
+          <ac:spMkLst>
+            <pc:docMk/>
+            <pc:sldMk cId="3633230944" sldId="261"/>
+            <ac:spMk id="41" creationId="{17E39382-3BDF-4F54-8585-82ACB0EE38DA}"/>
+          </ac:spMkLst>
+        </pc:spChg>
+        <pc:spChg chg="add del">
+          <ac:chgData name="Harris, Kathryn" userId="S::kathryn.harris@ucdenver.edu::7b7550e7-05ec-4c83-a9a9-28c83af2e2f6" providerId="AD" clId="Web-{9B8C2B17-A484-48A0-949F-70C1C57D77C2}" dt="2019-05-03T17:10:25.752" v="39"/>
+          <ac:spMkLst>
+            <pc:docMk/>
+            <pc:sldMk cId="3633230944" sldId="261"/>
+            <ac:spMk id="43" creationId="{06E7B50D-4267-4B64-A59B-48EA8221E348}"/>
+          </ac:spMkLst>
+        </pc:spChg>
+        <pc:spChg chg="add">
+          <ac:chgData name="Harris, Kathryn" userId="S::kathryn.harris@ucdenver.edu::7b7550e7-05ec-4c83-a9a9-28c83af2e2f6" providerId="AD" clId="Web-{9B8C2B17-A484-48A0-949F-70C1C57D77C2}" dt="2019-05-03T17:10:25.752" v="39"/>
+          <ac:spMkLst>
+            <pc:docMk/>
+            <pc:sldMk cId="3633230944" sldId="261"/>
+            <ac:spMk id="50" creationId="{9AD3FB61-6AE9-4485-BE50-6A67D1BBD5D3}"/>
+          </ac:spMkLst>
+        </pc:spChg>
+        <pc:spChg chg="add">
+          <ac:chgData name="Harris, Kathryn" userId="S::kathryn.harris@ucdenver.edu::7b7550e7-05ec-4c83-a9a9-28c83af2e2f6" providerId="AD" clId="Web-{9B8C2B17-A484-48A0-949F-70C1C57D77C2}" dt="2019-05-03T17:10:25.752" v="39"/>
+          <ac:spMkLst>
+            <pc:docMk/>
+            <pc:sldMk cId="3633230944" sldId="261"/>
+            <ac:spMk id="80" creationId="{17E39382-3BDF-4F54-8585-82ACB0EE38DA}"/>
+          </ac:spMkLst>
+        </pc:spChg>
+        <pc:spChg chg="add">
+          <ac:chgData name="Harris, Kathryn" userId="S::kathryn.harris@ucdenver.edu::7b7550e7-05ec-4c83-a9a9-28c83af2e2f6" providerId="AD" clId="Web-{9B8C2B17-A484-48A0-949F-70C1C57D77C2}" dt="2019-05-03T17:10:25.752" v="39"/>
+          <ac:spMkLst>
+            <pc:docMk/>
+            <pc:sldMk cId="3633230944" sldId="261"/>
+            <ac:spMk id="82" creationId="{06E7B50D-4267-4B64-A59B-48EA8221E348}"/>
+          </ac:spMkLst>
+        </pc:spChg>
+        <pc:grpChg chg="add del">
+          <ac:chgData name="Harris, Kathryn" userId="S::kathryn.harris@ucdenver.edu::7b7550e7-05ec-4c83-a9a9-28c83af2e2f6" providerId="AD" clId="Web-{9B8C2B17-A484-48A0-949F-70C1C57D77C2}" dt="2019-05-03T17:10:25.752" v="39"/>
+          <ac:grpSpMkLst>
+            <pc:docMk/>
+            <pc:sldMk cId="3633230944" sldId="261"/>
+            <ac:grpSpMk id="13" creationId="{2315C98F-1CCA-4D5A-A03F-29B4BED6CC44}"/>
+          </ac:grpSpMkLst>
+        </pc:grpChg>
+        <pc:grpChg chg="add del">
+          <ac:chgData name="Harris, Kathryn" userId="S::kathryn.harris@ucdenver.edu::7b7550e7-05ec-4c83-a9a9-28c83af2e2f6" providerId="AD" clId="Web-{9B8C2B17-A484-48A0-949F-70C1C57D77C2}" dt="2019-05-03T17:10:25.752" v="39"/>
+          <ac:grpSpMkLst>
+            <pc:docMk/>
+            <pc:sldMk cId="3633230944" sldId="261"/>
+            <ac:grpSpMk id="27" creationId="{08C1A257-22D4-41EF-AF6A-CF2D5A1DCD03}"/>
+          </ac:grpSpMkLst>
+        </pc:grpChg>
+        <pc:grpChg chg="add">
+          <ac:chgData name="Harris, Kathryn" userId="S::kathryn.harris@ucdenver.edu::7b7550e7-05ec-4c83-a9a9-28c83af2e2f6" providerId="AD" clId="Web-{9B8C2B17-A484-48A0-949F-70C1C57D77C2}" dt="2019-05-03T17:10:25.752" v="39"/>
+          <ac:grpSpMkLst>
+            <pc:docMk/>
+            <pc:sldMk cId="3633230944" sldId="261"/>
+            <ac:grpSpMk id="52" creationId="{2315C98F-1CCA-4D5A-A03F-29B4BED6CC44}"/>
+          </ac:grpSpMkLst>
+        </pc:grpChg>
+        <pc:grpChg chg="add">
+          <ac:chgData name="Harris, Kathryn" userId="S::kathryn.harris@ucdenver.edu::7b7550e7-05ec-4c83-a9a9-28c83af2e2f6" providerId="AD" clId="Web-{9B8C2B17-A484-48A0-949F-70C1C57D77C2}" dt="2019-05-03T17:10:25.752" v="39"/>
+          <ac:grpSpMkLst>
+            <pc:docMk/>
+            <pc:sldMk cId="3633230944" sldId="261"/>
+            <ac:grpSpMk id="66" creationId="{08C1A257-22D4-41EF-AF6A-CF2D5A1DCD03}"/>
+          </ac:grpSpMkLst>
+        </pc:grpChg>
+        <pc:picChg chg="add del mod ord">
+          <ac:chgData name="Harris, Kathryn" userId="S::kathryn.harris@ucdenver.edu::7b7550e7-05ec-4c83-a9a9-28c83af2e2f6" providerId="AD" clId="Web-{9B8C2B17-A484-48A0-949F-70C1C57D77C2}" dt="2019-05-03T17:09:37.143" v="31"/>
+          <ac:picMkLst>
+            <pc:docMk/>
+            <pc:sldMk cId="3633230944" sldId="261"/>
+            <ac:picMk id="4" creationId="{6ABEE362-9589-4D73-835A-364F8AB4B847}"/>
+          </ac:picMkLst>
+        </pc:picChg>
+        <pc:picChg chg="add del mod">
+          <ac:chgData name="Harris, Kathryn" userId="S::kathryn.harris@ucdenver.edu::7b7550e7-05ec-4c83-a9a9-28c83af2e2f6" providerId="AD" clId="Web-{9B8C2B17-A484-48A0-949F-70C1C57D77C2}" dt="2019-05-03T17:10:04.252" v="36"/>
+          <ac:picMkLst>
+            <pc:docMk/>
+            <pc:sldMk cId="3633230944" sldId="261"/>
+            <ac:picMk id="6" creationId="{6F5A864C-AAF6-46FE-8D6F-D2D0AA6FE722}"/>
+          </ac:picMkLst>
+        </pc:picChg>
+        <pc:picChg chg="add del">
+          <ac:chgData name="Harris, Kathryn" userId="S::kathryn.harris@ucdenver.edu::7b7550e7-05ec-4c83-a9a9-28c83af2e2f6" providerId="AD" clId="Web-{9B8C2B17-A484-48A0-949F-70C1C57D77C2}" dt="2019-05-03T17:04:59.503" v="14"/>
+          <ac:picMkLst>
+            <pc:docMk/>
+            <pc:sldMk cId="3633230944" sldId="261"/>
+            <ac:picMk id="7" creationId="{44CC60C5-6B08-4A95-BE31-8A87EF98FB1D}"/>
+          </ac:picMkLst>
+        </pc:picChg>
+        <pc:picChg chg="del">
+          <ac:chgData name="Harris, Kathryn" userId="S::kathryn.harris@ucdenver.edu::7b7550e7-05ec-4c83-a9a9-28c83af2e2f6" providerId="AD" clId="Web-{9B8C2B17-A484-48A0-949F-70C1C57D77C2}" dt="2019-05-03T17:04:45.878" v="11"/>
+          <ac:picMkLst>
+            <pc:docMk/>
+            <pc:sldMk cId="3633230944" sldId="261"/>
+            <ac:picMk id="8" creationId="{6919D0F6-70FC-4FD1-95F2-CF066BFB9747}"/>
+          </ac:picMkLst>
+        </pc:picChg>
+        <pc:picChg chg="add mod ord">
+          <ac:chgData name="Harris, Kathryn" userId="S::kathryn.harris@ucdenver.edu::7b7550e7-05ec-4c83-a9a9-28c83af2e2f6" providerId="AD" clId="Web-{9B8C2B17-A484-48A0-949F-70C1C57D77C2}" dt="2019-05-03T17:10:25.752" v="39"/>
+          <ac:picMkLst>
+            <pc:docMk/>
+            <pc:sldMk cId="3633230944" sldId="261"/>
+            <ac:picMk id="10" creationId="{A0A65F7D-37D3-4558-8354-DAED575B6605}"/>
+          </ac:picMkLst>
+        </pc:picChg>
+        <pc:picChg chg="add mod">
+          <ac:chgData name="Harris, Kathryn" userId="S::kathryn.harris@ucdenver.edu::7b7550e7-05ec-4c83-a9a9-28c83af2e2f6" providerId="AD" clId="Web-{9B8C2B17-A484-48A0-949F-70C1C57D77C2}" dt="2019-05-03T17:10:25.752" v="39"/>
+          <ac:picMkLst>
+            <pc:docMk/>
+            <pc:sldMk cId="3633230944" sldId="261"/>
+            <ac:picMk id="26" creationId="{CB68AA1A-2B65-4D98-879D-927186C35A3B}"/>
+          </ac:picMkLst>
+        </pc:picChg>
+        <pc:cxnChg chg="add del mod">
+          <ac:chgData name="Harris, Kathryn" userId="S::kathryn.harris@ucdenver.edu::7b7550e7-05ec-4c83-a9a9-28c83af2e2f6" providerId="AD" clId="Web-{9B8C2B17-A484-48A0-949F-70C1C57D77C2}" dt="2019-05-03T17:10:25.752" v="39"/>
+          <ac:cxnSpMkLst>
+            <pc:docMk/>
+            <pc:sldMk cId="3633230944" sldId="261"/>
+            <ac:cxnSpMk id="45" creationId="{B7A81025-7EA9-493C-A8AA-C2443AD28078}"/>
+          </ac:cxnSpMkLst>
+        </pc:cxnChg>
+        <pc:cxnChg chg="add">
+          <ac:chgData name="Harris, Kathryn" userId="S::kathryn.harris@ucdenver.edu::7b7550e7-05ec-4c83-a9a9-28c83af2e2f6" providerId="AD" clId="Web-{9B8C2B17-A484-48A0-949F-70C1C57D77C2}" dt="2019-05-03T17:10:25.752" v="39"/>
+          <ac:cxnSpMkLst>
+            <pc:docMk/>
+            <pc:sldMk cId="3633230944" sldId="261"/>
+            <ac:cxnSpMk id="84" creationId="{B7A81025-7EA9-493C-A8AA-C2443AD28078}"/>
+          </ac:cxnSpMkLst>
+        </pc:cxnChg>
       </pc:sldChg>
     </pc:docChg>
   </pc:docChgLst>
@@ -377,7 +769,6 @@
               <a:rPr lang="en-US"/>
               <a:t>Click to edit Master title style</a:t>
             </a:r>
-            <a:endParaRPr lang="en-US" dirty="0"/>
           </a:p>
         </p:txBody>
       </p:sp>
@@ -497,7 +888,6 @@
               <a:rPr lang="en-US"/>
               <a:t>Click to edit Master subtitle style</a:t>
             </a:r>
-            <a:endParaRPr lang="en-US" dirty="0"/>
           </a:p>
         </p:txBody>
       </p:sp>
@@ -519,9 +909,9 @@
             <a:fld id="{B61BEF0D-F0BB-DE4B-95CE-6DB70DBA9567}" type="datetimeFigureOut">
               <a:rPr lang="en-US" dirty="0"/>
               <a:pPr/>
-              <a:t>5/1/2019</a:t>
+              <a:t>5/7/2019</a:t>
             </a:fld>
-            <a:endParaRPr lang="en-US" dirty="0"/>
+            <a:endParaRPr lang="en-US"/>
           </a:p>
         </p:txBody>
       </p:sp>
@@ -540,7 +930,7 @@
           <a:bodyPr/>
           <a:lstStyle/>
           <a:p>
-            <a:endParaRPr lang="en-US" dirty="0"/>
+            <a:endParaRPr lang="en-US"/>
           </a:p>
         </p:txBody>
       </p:sp>
@@ -651,7 +1041,7 @@
               <a:pPr/>
               <a:t>‹#›</a:t>
             </a:fld>
-            <a:endParaRPr lang="en-US" dirty="0"/>
+            <a:endParaRPr lang="en-US"/>
           </a:p>
         </p:txBody>
       </p:sp>
@@ -710,7 +1100,6 @@
               <a:rPr lang="en-US"/>
               <a:t>Click to edit Master title style</a:t>
             </a:r>
-            <a:endParaRPr lang="en-US" dirty="0"/>
           </a:p>
         </p:txBody>
       </p:sp>
@@ -854,9 +1243,9 @@
             <a:fld id="{B61BEF0D-F0BB-DE4B-95CE-6DB70DBA9567}" type="datetimeFigureOut">
               <a:rPr lang="en-US" dirty="0"/>
               <a:pPr/>
-              <a:t>5/1/2019</a:t>
+              <a:t>5/7/2019</a:t>
             </a:fld>
-            <a:endParaRPr lang="en-US" dirty="0"/>
+            <a:endParaRPr lang="en-US"/>
           </a:p>
         </p:txBody>
       </p:sp>
@@ -875,7 +1264,7 @@
           <a:bodyPr/>
           <a:lstStyle/>
           <a:p>
-            <a:endParaRPr lang="en-US" dirty="0"/>
+            <a:endParaRPr lang="en-US"/>
           </a:p>
         </p:txBody>
       </p:sp>
@@ -986,7 +1375,7 @@
               <a:pPr/>
               <a:t>‹#›</a:t>
             </a:fld>
-            <a:endParaRPr lang="en-US" dirty="0"/>
+            <a:endParaRPr lang="en-US"/>
           </a:p>
         </p:txBody>
       </p:sp>
@@ -1045,7 +1434,6 @@
               <a:rPr lang="en-US"/>
               <a:t>Click to edit Master title style</a:t>
             </a:r>
-            <a:endParaRPr lang="en-US" dirty="0"/>
           </a:p>
         </p:txBody>
       </p:sp>
@@ -1252,9 +1640,9 @@
             <a:fld id="{B61BEF0D-F0BB-DE4B-95CE-6DB70DBA9567}" type="datetimeFigureOut">
               <a:rPr lang="en-US" dirty="0"/>
               <a:pPr/>
-              <a:t>5/1/2019</a:t>
+              <a:t>5/7/2019</a:t>
             </a:fld>
-            <a:endParaRPr lang="en-US" dirty="0"/>
+            <a:endParaRPr lang="en-US"/>
           </a:p>
         </p:txBody>
       </p:sp>
@@ -1273,7 +1661,7 @@
           <a:bodyPr/>
           <a:lstStyle/>
           <a:p>
-            <a:endParaRPr lang="en-US" dirty="0"/>
+            <a:endParaRPr lang="en-US"/>
           </a:p>
         </p:txBody>
       </p:sp>
@@ -1384,7 +1772,7 @@
               <a:pPr/>
               <a:t>‹#›</a:t>
             </a:fld>
-            <a:endParaRPr lang="en-US" dirty="0"/>
+            <a:endParaRPr lang="en-US"/>
           </a:p>
         </p:txBody>
       </p:sp>
@@ -1411,7 +1799,7 @@
           <a:p>
             <a:pPr lvl="0"/>
             <a:r>
-              <a:rPr lang="en-US" sz="8000" baseline="0" dirty="0">
+              <a:rPr lang="en-US" sz="8000" baseline="0">
                 <a:ln w="3175" cmpd="sng">
                   <a:noFill/>
                 </a:ln>
@@ -1448,7 +1836,7 @@
           <a:lstStyle/>
           <a:p>
             <a:r>
-              <a:rPr lang="en-US" sz="8000" baseline="0" dirty="0">
+              <a:rPr lang="en-US" sz="8000" baseline="0">
                 <a:ln w="3175" cmpd="sng">
                   <a:noFill/>
                 </a:ln>
@@ -1518,7 +1906,6 @@
               <a:rPr lang="en-US"/>
               <a:t>Click to edit Master title style</a:t>
             </a:r>
-            <a:endParaRPr lang="en-US" dirty="0"/>
           </a:p>
         </p:txBody>
       </p:sp>
@@ -1584,9 +1971,9 @@
             <a:fld id="{B61BEF0D-F0BB-DE4B-95CE-6DB70DBA9567}" type="datetimeFigureOut">
               <a:rPr lang="en-US" dirty="0"/>
               <a:pPr/>
-              <a:t>5/1/2019</a:t>
+              <a:t>5/7/2019</a:t>
             </a:fld>
-            <a:endParaRPr lang="en-US" dirty="0"/>
+            <a:endParaRPr lang="en-US"/>
           </a:p>
         </p:txBody>
       </p:sp>
@@ -1605,7 +1992,7 @@
           <a:bodyPr/>
           <a:lstStyle/>
           <a:p>
-            <a:endParaRPr lang="en-US" dirty="0"/>
+            <a:endParaRPr lang="en-US"/>
           </a:p>
         </p:txBody>
       </p:sp>
@@ -1716,7 +2103,7 @@
               <a:pPr/>
               <a:t>‹#›</a:t>
             </a:fld>
-            <a:endParaRPr lang="en-US" dirty="0"/>
+            <a:endParaRPr lang="en-US"/>
           </a:p>
         </p:txBody>
       </p:sp>
@@ -1775,7 +2162,6 @@
               <a:rPr lang="en-US"/>
               <a:t>Click to edit Master title style</a:t>
             </a:r>
-            <a:endParaRPr lang="en-US" dirty="0"/>
           </a:p>
         </p:txBody>
       </p:sp>
@@ -1901,9 +2287,9 @@
             <a:fld id="{B61BEF0D-F0BB-DE4B-95CE-6DB70DBA9567}" type="datetimeFigureOut">
               <a:rPr lang="en-US" dirty="0"/>
               <a:pPr/>
-              <a:t>5/1/2019</a:t>
+              <a:t>5/7/2019</a:t>
             </a:fld>
-            <a:endParaRPr lang="en-US" dirty="0"/>
+            <a:endParaRPr lang="en-US"/>
           </a:p>
         </p:txBody>
       </p:sp>
@@ -1922,7 +2308,7 @@
           <a:bodyPr/>
           <a:lstStyle/>
           <a:p>
-            <a:endParaRPr lang="en-US" dirty="0"/>
+            <a:endParaRPr lang="en-US"/>
           </a:p>
         </p:txBody>
       </p:sp>
@@ -2033,7 +2419,7 @@
               <a:pPr/>
               <a:t>‹#›</a:t>
             </a:fld>
-            <a:endParaRPr lang="en-US" dirty="0"/>
+            <a:endParaRPr lang="en-US"/>
           </a:p>
         </p:txBody>
       </p:sp>
@@ -2060,7 +2446,7 @@
           <a:p>
             <a:pPr lvl="0"/>
             <a:r>
-              <a:rPr lang="en-US" sz="8000" baseline="0" dirty="0">
+              <a:rPr lang="en-US" sz="8000" baseline="0">
                 <a:ln w="3175" cmpd="sng">
                   <a:noFill/>
                 </a:ln>
@@ -2098,7 +2484,7 @@
           <a:p>
             <a:pPr lvl="0"/>
             <a:r>
-              <a:rPr lang="en-US" sz="8000" baseline="0" dirty="0">
+              <a:rPr lang="en-US" sz="8000" baseline="0">
                 <a:ln w="3175" cmpd="sng">
                   <a:noFill/>
                 </a:ln>
@@ -2168,7 +2554,6 @@
               <a:rPr lang="en-US"/>
               <a:t>Click to edit Master title style</a:t>
             </a:r>
-            <a:endParaRPr lang="en-US" dirty="0"/>
           </a:p>
         </p:txBody>
       </p:sp>
@@ -2294,9 +2679,9 @@
             <a:fld id="{B61BEF0D-F0BB-DE4B-95CE-6DB70DBA9567}" type="datetimeFigureOut">
               <a:rPr lang="en-US" dirty="0"/>
               <a:pPr/>
-              <a:t>5/1/2019</a:t>
+              <a:t>5/7/2019</a:t>
             </a:fld>
-            <a:endParaRPr lang="en-US" dirty="0"/>
+            <a:endParaRPr lang="en-US"/>
           </a:p>
         </p:txBody>
       </p:sp>
@@ -2315,7 +2700,7 @@
           <a:bodyPr/>
           <a:lstStyle/>
           <a:p>
-            <a:endParaRPr lang="en-US" dirty="0"/>
+            <a:endParaRPr lang="en-US"/>
           </a:p>
         </p:txBody>
       </p:sp>
@@ -2426,7 +2811,7 @@
               <a:pPr/>
               <a:t>‹#›</a:t>
             </a:fld>
-            <a:endParaRPr lang="en-US" dirty="0"/>
+            <a:endParaRPr lang="en-US"/>
           </a:p>
         </p:txBody>
       </p:sp>
@@ -2474,7 +2859,6 @@
               <a:rPr lang="en-US"/>
               <a:t>Click to edit Master title style</a:t>
             </a:r>
-            <a:endParaRPr lang="en-US" dirty="0"/>
           </a:p>
         </p:txBody>
       </p:sp>
@@ -2526,7 +2910,6 @@
               <a:rPr lang="en-US"/>
               <a:t>Fifth level</a:t>
             </a:r>
-            <a:endParaRPr lang="en-US" dirty="0"/>
           </a:p>
         </p:txBody>
       </p:sp>
@@ -2548,9 +2931,9 @@
             <a:fld id="{B61BEF0D-F0BB-DE4B-95CE-6DB70DBA9567}" type="datetimeFigureOut">
               <a:rPr lang="en-US" dirty="0"/>
               <a:pPr/>
-              <a:t>5/1/2019</a:t>
+              <a:t>5/7/2019</a:t>
             </a:fld>
-            <a:endParaRPr lang="en-US" dirty="0"/>
+            <a:endParaRPr lang="en-US"/>
           </a:p>
         </p:txBody>
       </p:sp>
@@ -2569,7 +2952,7 @@
           <a:bodyPr/>
           <a:lstStyle/>
           <a:p>
-            <a:endParaRPr lang="en-US" dirty="0"/>
+            <a:endParaRPr lang="en-US"/>
           </a:p>
         </p:txBody>
       </p:sp>
@@ -2675,7 +3058,7 @@
               <a:pPr/>
               <a:t>‹#›</a:t>
             </a:fld>
-            <a:endParaRPr lang="en-US" dirty="0"/>
+            <a:endParaRPr lang="en-US"/>
           </a:p>
         </p:txBody>
       </p:sp>
@@ -2728,7 +3111,6 @@
               <a:rPr lang="en-US"/>
               <a:t>Click to edit Master title style</a:t>
             </a:r>
-            <a:endParaRPr lang="en-US" dirty="0"/>
           </a:p>
         </p:txBody>
       </p:sp>
@@ -2785,7 +3167,6 @@
               <a:rPr lang="en-US"/>
               <a:t>Fifth level</a:t>
             </a:r>
-            <a:endParaRPr lang="en-US" dirty="0"/>
           </a:p>
         </p:txBody>
       </p:sp>
@@ -2807,9 +3188,9 @@
             <a:fld id="{B61BEF0D-F0BB-DE4B-95CE-6DB70DBA9567}" type="datetimeFigureOut">
               <a:rPr lang="en-US" dirty="0"/>
               <a:pPr/>
-              <a:t>5/1/2019</a:t>
+              <a:t>5/7/2019</a:t>
             </a:fld>
-            <a:endParaRPr lang="en-US" dirty="0"/>
+            <a:endParaRPr lang="en-US"/>
           </a:p>
         </p:txBody>
       </p:sp>
@@ -2828,7 +3209,7 @@
           <a:bodyPr/>
           <a:lstStyle/>
           <a:p>
-            <a:endParaRPr lang="en-US" dirty="0"/>
+            <a:endParaRPr lang="en-US"/>
           </a:p>
         </p:txBody>
       </p:sp>
@@ -2934,7 +3315,7 @@
               <a:pPr/>
               <a:t>‹#›</a:t>
             </a:fld>
-            <a:endParaRPr lang="en-US" dirty="0"/>
+            <a:endParaRPr lang="en-US"/>
           </a:p>
         </p:txBody>
       </p:sp>
@@ -2987,7 +3368,6 @@
               <a:rPr lang="en-US"/>
               <a:t>Click to edit Master title style</a:t>
             </a:r>
-            <a:endParaRPr lang="en-US" dirty="0"/>
           </a:p>
         </p:txBody>
       </p:sp>
@@ -3044,7 +3424,6 @@
               <a:rPr lang="en-US"/>
               <a:t>Fifth level</a:t>
             </a:r>
-            <a:endParaRPr lang="en-US" dirty="0"/>
           </a:p>
         </p:txBody>
       </p:sp>
@@ -3066,9 +3445,9 @@
             <a:fld id="{B61BEF0D-F0BB-DE4B-95CE-6DB70DBA9567}" type="datetimeFigureOut">
               <a:rPr lang="en-US" dirty="0"/>
               <a:pPr/>
-              <a:t>5/1/2019</a:t>
+              <a:t>5/7/2019</a:t>
             </a:fld>
-            <a:endParaRPr lang="en-US" dirty="0"/>
+            <a:endParaRPr lang="en-US"/>
           </a:p>
         </p:txBody>
       </p:sp>
@@ -3087,7 +3466,7 @@
           <a:bodyPr/>
           <a:lstStyle/>
           <a:p>
-            <a:endParaRPr lang="en-US" dirty="0"/>
+            <a:endParaRPr lang="en-US"/>
           </a:p>
         </p:txBody>
       </p:sp>
@@ -3193,7 +3572,7 @@
               <a:pPr/>
               <a:t>‹#›</a:t>
             </a:fld>
-            <a:endParaRPr lang="en-US" dirty="0"/>
+            <a:endParaRPr lang="en-US"/>
           </a:p>
         </p:txBody>
       </p:sp>
@@ -3250,7 +3629,6 @@
               <a:rPr lang="en-US"/>
               <a:t>Click to edit Master title style</a:t>
             </a:r>
-            <a:endParaRPr lang="en-US" dirty="0"/>
           </a:p>
         </p:txBody>
       </p:sp>
@@ -3392,9 +3770,9 @@
             <a:fld id="{B61BEF0D-F0BB-DE4B-95CE-6DB70DBA9567}" type="datetimeFigureOut">
               <a:rPr lang="en-US" dirty="0"/>
               <a:pPr/>
-              <a:t>5/1/2019</a:t>
+              <a:t>5/7/2019</a:t>
             </a:fld>
-            <a:endParaRPr lang="en-US" dirty="0"/>
+            <a:endParaRPr lang="en-US"/>
           </a:p>
         </p:txBody>
       </p:sp>
@@ -3413,7 +3791,7 @@
           <a:bodyPr/>
           <a:lstStyle/>
           <a:p>
-            <a:endParaRPr lang="en-US" dirty="0"/>
+            <a:endParaRPr lang="en-US"/>
           </a:p>
         </p:txBody>
       </p:sp>
@@ -3524,7 +3902,7 @@
               <a:pPr/>
               <a:t>‹#›</a:t>
             </a:fld>
-            <a:endParaRPr lang="en-US" dirty="0"/>
+            <a:endParaRPr lang="en-US"/>
           </a:p>
         </p:txBody>
       </p:sp>
@@ -3572,7 +3950,6 @@
               <a:rPr lang="en-US"/>
               <a:t>Click to edit Master title style</a:t>
             </a:r>
-            <a:endParaRPr lang="en-US" dirty="0"/>
           </a:p>
         </p:txBody>
       </p:sp>
@@ -3631,7 +4008,6 @@
               <a:rPr lang="en-US"/>
               <a:t>Fifth level</a:t>
             </a:r>
-            <a:endParaRPr lang="en-US" dirty="0"/>
           </a:p>
         </p:txBody>
       </p:sp>
@@ -3690,7 +4066,6 @@
               <a:rPr lang="en-US"/>
               <a:t>Fifth level</a:t>
             </a:r>
-            <a:endParaRPr lang="en-US" dirty="0"/>
           </a:p>
         </p:txBody>
       </p:sp>
@@ -3712,9 +4087,9 @@
             <a:fld id="{B61BEF0D-F0BB-DE4B-95CE-6DB70DBA9567}" type="datetimeFigureOut">
               <a:rPr lang="en-US" dirty="0"/>
               <a:pPr/>
-              <a:t>5/1/2019</a:t>
+              <a:t>5/7/2019</a:t>
             </a:fld>
-            <a:endParaRPr lang="en-US" dirty="0"/>
+            <a:endParaRPr lang="en-US"/>
           </a:p>
         </p:txBody>
       </p:sp>
@@ -3733,7 +4108,7 @@
           <a:bodyPr/>
           <a:lstStyle/>
           <a:p>
-            <a:endParaRPr lang="en-US" dirty="0"/>
+            <a:endParaRPr lang="en-US"/>
           </a:p>
         </p:txBody>
       </p:sp>
@@ -3844,7 +4219,7 @@
               <a:pPr/>
               <a:t>‹#›</a:t>
             </a:fld>
-            <a:endParaRPr lang="en-US" dirty="0"/>
+            <a:endParaRPr lang="en-US"/>
           </a:p>
         </p:txBody>
       </p:sp>
@@ -3892,7 +4267,6 @@
               <a:rPr lang="en-US"/>
               <a:t>Click to edit Master title style</a:t>
             </a:r>
-            <a:endParaRPr lang="en-US" dirty="0"/>
           </a:p>
         </p:txBody>
       </p:sp>
@@ -4018,7 +4392,6 @@
               <a:rPr lang="en-US"/>
               <a:t>Fifth level</a:t>
             </a:r>
-            <a:endParaRPr lang="en-US" dirty="0"/>
           </a:p>
         </p:txBody>
       </p:sp>
@@ -4144,7 +4517,6 @@
               <a:rPr lang="en-US"/>
               <a:t>Fifth level</a:t>
             </a:r>
-            <a:endParaRPr lang="en-US" dirty="0"/>
           </a:p>
         </p:txBody>
       </p:sp>
@@ -4166,9 +4538,9 @@
             <a:fld id="{B61BEF0D-F0BB-DE4B-95CE-6DB70DBA9567}" type="datetimeFigureOut">
               <a:rPr lang="en-US" dirty="0"/>
               <a:pPr/>
-              <a:t>5/1/2019</a:t>
+              <a:t>5/7/2019</a:t>
             </a:fld>
-            <a:endParaRPr lang="en-US" dirty="0"/>
+            <a:endParaRPr lang="en-US"/>
           </a:p>
         </p:txBody>
       </p:sp>
@@ -4187,7 +4559,7 @@
           <a:bodyPr/>
           <a:lstStyle/>
           <a:p>
-            <a:endParaRPr lang="en-US" dirty="0"/>
+            <a:endParaRPr lang="en-US"/>
           </a:p>
         </p:txBody>
       </p:sp>
@@ -4298,7 +4670,7 @@
               <a:pPr/>
               <a:t>‹#›</a:t>
             </a:fld>
-            <a:endParaRPr lang="en-US" dirty="0"/>
+            <a:endParaRPr lang="en-US"/>
           </a:p>
         </p:txBody>
       </p:sp>
@@ -4346,7 +4718,6 @@
               <a:rPr lang="en-US"/>
               <a:t>Click to edit Master title style</a:t>
             </a:r>
-            <a:endParaRPr lang="en-US" dirty="0"/>
           </a:p>
         </p:txBody>
       </p:sp>
@@ -4368,9 +4739,9 @@
             <a:fld id="{B61BEF0D-F0BB-DE4B-95CE-6DB70DBA9567}" type="datetimeFigureOut">
               <a:rPr lang="en-US" dirty="0"/>
               <a:pPr/>
-              <a:t>5/1/2019</a:t>
+              <a:t>5/7/2019</a:t>
             </a:fld>
-            <a:endParaRPr lang="en-US" dirty="0"/>
+            <a:endParaRPr lang="en-US"/>
           </a:p>
         </p:txBody>
       </p:sp>
@@ -4389,7 +4760,7 @@
           <a:bodyPr/>
           <a:lstStyle/>
           <a:p>
-            <a:endParaRPr lang="en-US" dirty="0"/>
+            <a:endParaRPr lang="en-US"/>
           </a:p>
         </p:txBody>
       </p:sp>
@@ -4495,7 +4866,7 @@
               <a:pPr/>
               <a:t>‹#›</a:t>
             </a:fld>
-            <a:endParaRPr lang="en-US" dirty="0"/>
+            <a:endParaRPr lang="en-US"/>
           </a:p>
         </p:txBody>
       </p:sp>
@@ -4542,9 +4913,9 @@
             <a:fld id="{B61BEF0D-F0BB-DE4B-95CE-6DB70DBA9567}" type="datetimeFigureOut">
               <a:rPr lang="en-US" dirty="0"/>
               <a:pPr/>
-              <a:t>5/1/2019</a:t>
+              <a:t>5/7/2019</a:t>
             </a:fld>
-            <a:endParaRPr lang="en-US" dirty="0"/>
+            <a:endParaRPr lang="en-US"/>
           </a:p>
         </p:txBody>
       </p:sp>
@@ -4563,7 +4934,7 @@
           <a:bodyPr/>
           <a:lstStyle/>
           <a:p>
-            <a:endParaRPr lang="en-US" dirty="0"/>
+            <a:endParaRPr lang="en-US"/>
           </a:p>
         </p:txBody>
       </p:sp>
@@ -4669,7 +5040,7 @@
               <a:pPr/>
               <a:t>‹#›</a:t>
             </a:fld>
-            <a:endParaRPr lang="en-US" dirty="0"/>
+            <a:endParaRPr lang="en-US"/>
           </a:p>
         </p:txBody>
       </p:sp>
@@ -4726,7 +5097,6 @@
               <a:rPr lang="en-US"/>
               <a:t>Click to edit Master title style</a:t>
             </a:r>
-            <a:endParaRPr lang="en-US" dirty="0"/>
           </a:p>
         </p:txBody>
       </p:sp>
@@ -4785,7 +5155,6 @@
               <a:rPr lang="en-US"/>
               <a:t>Fifth level</a:t>
             </a:r>
-            <a:endParaRPr lang="en-US" dirty="0"/>
           </a:p>
         </p:txBody>
       </p:sp>
@@ -4872,9 +5241,9 @@
             <a:fld id="{B61BEF0D-F0BB-DE4B-95CE-6DB70DBA9567}" type="datetimeFigureOut">
               <a:rPr lang="en-US" dirty="0"/>
               <a:pPr/>
-              <a:t>5/1/2019</a:t>
+              <a:t>5/7/2019</a:t>
             </a:fld>
-            <a:endParaRPr lang="en-US" dirty="0"/>
+            <a:endParaRPr lang="en-US"/>
           </a:p>
         </p:txBody>
       </p:sp>
@@ -4893,7 +5262,7 @@
           <a:bodyPr/>
           <a:lstStyle/>
           <a:p>
-            <a:endParaRPr lang="en-US" dirty="0"/>
+            <a:endParaRPr lang="en-US"/>
           </a:p>
         </p:txBody>
       </p:sp>
@@ -4999,7 +5368,7 @@
               <a:pPr/>
               <a:t>‹#›</a:t>
             </a:fld>
-            <a:endParaRPr lang="en-US" dirty="0"/>
+            <a:endParaRPr lang="en-US"/>
           </a:p>
         </p:txBody>
       </p:sp>
@@ -5058,7 +5427,6 @@
               <a:rPr lang="en-US"/>
               <a:t>Click to edit Master title style</a:t>
             </a:r>
-            <a:endParaRPr lang="en-US" dirty="0"/>
           </a:p>
         </p:txBody>
       </p:sp>
@@ -5125,7 +5493,6 @@
               <a:rPr lang="en-US"/>
               <a:t>Click icon to add picture</a:t>
             </a:r>
-            <a:endParaRPr lang="en-US" dirty="0"/>
           </a:p>
         </p:txBody>
       </p:sp>
@@ -5214,9 +5581,9 @@
             <a:fld id="{B61BEF0D-F0BB-DE4B-95CE-6DB70DBA9567}" type="datetimeFigureOut">
               <a:rPr lang="en-US" dirty="0"/>
               <a:pPr/>
-              <a:t>5/1/2019</a:t>
+              <a:t>5/7/2019</a:t>
             </a:fld>
-            <a:endParaRPr lang="en-US" dirty="0"/>
+            <a:endParaRPr lang="en-US"/>
           </a:p>
         </p:txBody>
       </p:sp>
@@ -5235,7 +5602,7 @@
           <a:bodyPr/>
           <a:lstStyle/>
           <a:p>
-            <a:endParaRPr lang="en-US" dirty="0"/>
+            <a:endParaRPr lang="en-US"/>
           </a:p>
         </p:txBody>
       </p:sp>
@@ -5346,7 +5713,7 @@
               <a:pPr/>
               <a:t>‹#›</a:t>
             </a:fld>
-            <a:endParaRPr lang="en-US" dirty="0"/>
+            <a:endParaRPr lang="en-US"/>
           </a:p>
         </p:txBody>
       </p:sp>
@@ -7226,7 +7593,6 @@
               <a:rPr lang="en-US"/>
               <a:t>Click to edit Master title style</a:t>
             </a:r>
-            <a:endParaRPr lang="en-US" dirty="0"/>
           </a:p>
         </p:txBody>
       </p:sp>
@@ -7288,7 +7654,6 @@
               <a:rPr lang="en-US"/>
               <a:t>Fifth level</a:t>
             </a:r>
-            <a:endParaRPr lang="en-US" dirty="0"/>
           </a:p>
         </p:txBody>
       </p:sp>
@@ -7328,9 +7693,9 @@
             <a:fld id="{B61BEF0D-F0BB-DE4B-95CE-6DB70DBA9567}" type="datetimeFigureOut">
               <a:rPr lang="en-US" dirty="0"/>
               <a:pPr/>
-              <a:t>5/1/2019</a:t>
+              <a:t>5/7/2019</a:t>
             </a:fld>
-            <a:endParaRPr lang="en-US" dirty="0"/>
+            <a:endParaRPr lang="en-US"/>
           </a:p>
         </p:txBody>
       </p:sp>
@@ -7367,7 +7732,7 @@
             </a:lvl1pPr>
           </a:lstStyle>
           <a:p>
-            <a:endParaRPr lang="en-US" dirty="0"/>
+            <a:endParaRPr lang="en-US"/>
           </a:p>
         </p:txBody>
       </p:sp>
@@ -7407,7 +7772,7 @@
               <a:pPr/>
               <a:t>‹#›</a:t>
             </a:fld>
-            <a:endParaRPr lang="en-US" dirty="0"/>
+            <a:endParaRPr lang="en-US"/>
           </a:p>
         </p:txBody>
       </p:sp>
@@ -7858,7 +8223,7 @@
           <a:lstStyle/>
           <a:p>
             <a:r>
-              <a:rPr lang="en-US" dirty="0"/>
+              <a:rPr lang="en-US"/>
               <a:t>Impedance Spectroscopy</a:t>
             </a:r>
           </a:p>
@@ -7880,14 +8245,14 @@
           <a:lstStyle/>
           <a:p>
             <a:r>
-              <a:rPr lang="en-US" dirty="0"/>
+              <a:rPr lang="en-US"/>
               <a:t>Kitty Harris and Josh </a:t>
             </a:r>
             <a:r>
-              <a:rPr lang="en-US" dirty="0" err="1"/>
+              <a:rPr lang="en-US" err="1"/>
               <a:t>Eslarboukh</a:t>
             </a:r>
-            <a:endParaRPr lang="en-US" dirty="0"/>
+            <a:endParaRPr lang="en-US"/>
           </a:p>
         </p:txBody>
       </p:sp>
@@ -7937,7 +8302,7 @@
           <a:lstStyle/>
           <a:p>
             <a:r>
-              <a:rPr lang="en-US" dirty="0"/>
+              <a:rPr lang="en-US"/>
               <a:t>Phasor Notation</a:t>
             </a:r>
           </a:p>
@@ -8013,14 +8378,14 @@
           <a:lstStyle/>
           <a:p>
             <a:r>
-              <a:rPr lang="en-US" dirty="0"/>
+              <a:rPr lang="en-US"/>
               <a:t>Frequency Dependence of Impedance</a:t>
             </a:r>
           </a:p>
         </p:txBody>
       </p:sp>
-      <mc:AlternateContent xmlns:mc="http://schemas.openxmlformats.org/markup-compatibility/2006" xmlns:a14="http://schemas.microsoft.com/office/drawing/2010/main">
-        <mc:Choice Requires="a14">
+      <mc:AlternateContent xmlns:mc="http://schemas.openxmlformats.org/markup-compatibility/2006">
+        <mc:Choice xmlns:a14="http://schemas.microsoft.com/office/drawing/2010/main" Requires="a14">
           <p:sp>
             <p:nvSpPr>
               <p:cNvPr id="3" name="Content Placeholder 2"/>
@@ -8042,11 +8407,11 @@
               <a:lstStyle/>
               <a:p>
                 <a:r>
-                  <a:rPr lang="en-US" b="1" dirty="0"/>
+                  <a:rPr lang="en-US" b="1"/>
                   <a:t>Impedance </a:t>
                 </a:r>
                 <a:r>
-                  <a:rPr lang="en-US" dirty="0"/>
+                  <a:rPr lang="en-US"/>
                   <a:t>is a measure of how current flow is hindered in a system.</a:t>
                 </a:r>
               </a:p>
@@ -8118,7 +8483,7 @@
                   </m:oMath>
                 </a14:m>
                 <a:r>
-                  <a:rPr lang="en-US" dirty="0"/>
+                  <a:rPr lang="en-US"/>
                   <a:t> and </a:t>
                 </a:r>
                 <a14:m>
@@ -8225,7 +8590,7 @@
                     </m:nary>
                   </m:oMath>
                 </a14:m>
-                <a:endParaRPr lang="en-US" dirty="0"/>
+                <a:endParaRPr lang="en-US"/>
               </a:p>
               <a:p>
                 <a14:m>
@@ -8270,7 +8635,7 @@
                   </m:oMath>
                 </a14:m>
                 <a:r>
-                  <a:rPr lang="en-US" dirty="0"/>
+                  <a:rPr lang="en-US"/>
                   <a:t> and </a:t>
                 </a:r>
                 <a14:m>
@@ -8345,11 +8710,11 @@
                     </m:f>
                   </m:oMath>
                 </a14:m>
-                <a:endParaRPr lang="en-US" dirty="0"/>
+                <a:endParaRPr lang="en-US"/>
               </a:p>
               <a:p>
                 <a:r>
-                  <a:rPr lang="en-US" dirty="0"/>
+                  <a:rPr lang="en-US"/>
                   <a:t>So, for our system under test, we end up with</a:t>
                 </a:r>
               </a:p>
@@ -9072,12 +9437,12 @@
                     </m:oMath>
                   </m:oMathPara>
                 </a14:m>
-                <a:endParaRPr lang="en-US" dirty="0"/>
+                <a:endParaRPr lang="en-US"/>
               </a:p>
             </p:txBody>
           </p:sp>
         </mc:Choice>
-        <mc:Fallback xmlns="">
+        <mc:Fallback>
           <p:sp>
             <p:nvSpPr>
               <p:cNvPr id="3" name="Content Placeholder 2"/>
@@ -9096,7 +9461,7 @@
               <a:blipFill>
                 <a:blip r:embed="rId2"/>
                 <a:stretch>
-                  <a:fillRect l="-387" t="-670"/>
+                  <a:fillRect l="-498" t="-670"/>
                 </a:stretch>
               </a:blipFill>
             </p:spPr>
@@ -9115,8 +9480,8 @@
           </p:sp>
         </mc:Fallback>
       </mc:AlternateContent>
-      <mc:AlternateContent xmlns:mc="http://schemas.openxmlformats.org/markup-compatibility/2006" xmlns:p14="http://schemas.microsoft.com/office/powerpoint/2010/main">
-        <mc:Choice Requires="p14">
+      <mc:AlternateContent xmlns:mc="http://schemas.openxmlformats.org/markup-compatibility/2006">
+        <mc:Choice xmlns:p14="http://schemas.microsoft.com/office/powerpoint/2010/main" Requires="p14">
           <p:contentPart p14:bwMode="auto" r:id="rId3">
             <p14:nvContentPartPr>
               <p14:cNvPr id="4" name="Ink 3">
@@ -9135,7 +9500,7 @@
             </p14:xfrm>
           </p:contentPart>
         </mc:Choice>
-        <mc:Fallback xmlns="">
+        <mc:Fallback>
           <p:pic>
             <p:nvPicPr>
               <p:cNvPr id="4" name="Ink 3">
@@ -9166,38 +9531,8 @@
           </p:pic>
         </mc:Fallback>
       </mc:AlternateContent>
-      <p:pic>
-        <p:nvPicPr>
-          <p:cNvPr id="5" name="Picture 4">
-            <a:extLst>
-              <a:ext uri="{FF2B5EF4-FFF2-40B4-BE49-F238E27FC236}">
-                <a16:creationId xmlns:a16="http://schemas.microsoft.com/office/drawing/2014/main" id="{A2503386-DBE0-4496-85C7-C5966D0EA8F1}"/>
-              </a:ext>
-            </a:extLst>
-          </p:cNvPr>
-          <p:cNvPicPr>
-            <a:picLocks noChangeAspect="1"/>
-          </p:cNvPicPr>
-          <p:nvPr/>
-        </p:nvPicPr>
-        <p:blipFill>
-          <a:blip r:embed="rId5"/>
-          <a:stretch>
-            <a:fillRect/>
-          </a:stretch>
-        </p:blipFill>
-        <p:spPr>
-          <a:xfrm>
-            <a:off x="7575399" y="3772133"/>
-            <a:ext cx="4528330" cy="3085867"/>
-          </a:xfrm>
-          <a:prstGeom prst="rect">
-            <a:avLst/>
-          </a:prstGeom>
-        </p:spPr>
-      </p:pic>
-      <mc:AlternateContent xmlns:mc="http://schemas.openxmlformats.org/markup-compatibility/2006" xmlns:a14="http://schemas.microsoft.com/office/drawing/2010/main">
-        <mc:Choice Requires="a14">
+      <mc:AlternateContent xmlns:mc="http://schemas.openxmlformats.org/markup-compatibility/2006">
+        <mc:Choice xmlns:a14="http://schemas.microsoft.com/office/drawing/2010/main" Requires="a14">
           <p:sp>
             <p:nvSpPr>
               <p:cNvPr id="7" name="Content Placeholder 2">
@@ -9215,7 +9550,7 @@
             <p:spPr>
               <a:xfrm>
                 <a:off x="735310" y="4115280"/>
-                <a:ext cx="6840089" cy="4545496"/>
+                <a:ext cx="7159637" cy="4545496"/>
               </a:xfrm>
               <a:prstGeom prst="rect">
                 <a:avLst/>
@@ -9445,7 +9780,7 @@
               </a:lstStyle>
               <a:p>
                 <a:r>
-                  <a:rPr lang="en-US" dirty="0"/>
+                  <a:rPr lang="en-US"/>
                   <a:t>As frequency approaches zero, the system behaves more like a DC circuit and charge cannot cross the branch containing the capacitor, so </a:t>
                 </a:r>
                 <a14:m>
@@ -9491,13 +9826,13 @@
                   </m:oMath>
                 </a14:m>
                 <a:r>
-                  <a:rPr lang="en-US" dirty="0"/>
+                  <a:rPr lang="en-US"/>
                   <a:t>.</a:t>
                 </a:r>
               </a:p>
               <a:p>
                 <a:r>
-                  <a:rPr lang="en-US" dirty="0"/>
+                  <a:rPr lang="en-US"/>
                   <a:t>As frequency becomes arbitrarily large, the current can arc across the capacitor, effectively ignoring its presence, and </a:t>
                 </a:r>
                 <a14:m>
@@ -9651,14 +9986,61 @@
                   </m:oMath>
                 </a14:m>
                 <a:r>
-                  <a:rPr lang="en-US" dirty="0"/>
+                  <a:rPr lang="en-US"/>
                   <a:t>.</a:t>
                 </a:r>
+              </a:p>
+              <a:p>
+                <a:r>
+                  <a:rPr lang="en-US" b="0"/>
+                  <a:t>  </a:t>
+                </a:r>
+                <a14:m>
+                  <m:oMath xmlns:m="http://schemas.openxmlformats.org/officeDocument/2006/math">
+                    <m:r>
+                      <a:rPr lang="en-US" b="0" i="1" smtClean="0">
+                        <a:latin typeface="Cambria Math" panose="02040503050406030204" pitchFamily="18" charset="0"/>
+                      </a:rPr>
+                      <m:t>𝑉</m:t>
+                    </m:r>
+                    <m:r>
+                      <a:rPr lang="en-US" b="0" i="1" smtClean="0">
+                        <a:latin typeface="Cambria Math" panose="02040503050406030204" pitchFamily="18" charset="0"/>
+                      </a:rPr>
+                      <m:t>=</m:t>
+                    </m:r>
+                    <m:r>
+                      <a:rPr lang="en-US" b="0" i="1" smtClean="0">
+                        <a:latin typeface="Cambria Math" panose="02040503050406030204" pitchFamily="18" charset="0"/>
+                      </a:rPr>
+                      <m:t>𝐼</m:t>
+                    </m:r>
+                    <m:r>
+                      <a:rPr lang="en-US" b="0" i="1" smtClean="0">
+                        <a:latin typeface="Cambria Math" panose="02040503050406030204" pitchFamily="18" charset="0"/>
+                      </a:rPr>
+                      <m:t>|</m:t>
+                    </m:r>
+                    <m:r>
+                      <a:rPr lang="en-US" b="0" i="1" smtClean="0">
+                        <a:latin typeface="Cambria Math" panose="02040503050406030204" pitchFamily="18" charset="0"/>
+                      </a:rPr>
+                      <m:t>𝑍</m:t>
+                    </m:r>
+                    <m:r>
+                      <a:rPr lang="en-US" b="0" i="1" smtClean="0">
+                        <a:latin typeface="Cambria Math" panose="02040503050406030204" pitchFamily="18" charset="0"/>
+                      </a:rPr>
+                      <m:t>|</m:t>
+                    </m:r>
+                  </m:oMath>
+                </a14:m>
+                <a:endParaRPr lang="en-US"/>
               </a:p>
             </p:txBody>
           </p:sp>
         </mc:Choice>
-        <mc:Fallback xmlns="">
+        <mc:Fallback>
           <p:sp>
             <p:nvSpPr>
               <p:cNvPr id="7" name="Content Placeholder 2">
@@ -9676,15 +10058,15 @@
             <p:spPr>
               <a:xfrm>
                 <a:off x="735310" y="4115280"/>
-                <a:ext cx="6840089" cy="4545496"/>
+                <a:ext cx="7159637" cy="4545496"/>
               </a:xfrm>
               <a:prstGeom prst="rect">
                 <a:avLst/>
               </a:prstGeom>
               <a:blipFill>
-                <a:blip r:embed="rId6"/>
+                <a:blip r:embed="rId5"/>
                 <a:stretch>
-                  <a:fillRect l="-624" t="-670"/>
+                  <a:fillRect l="-767" t="-670"/>
                 </a:stretch>
               </a:blipFill>
             </p:spPr>
@@ -9703,6 +10085,36 @@
           </p:sp>
         </mc:Fallback>
       </mc:AlternateContent>
+      <p:pic>
+        <p:nvPicPr>
+          <p:cNvPr id="9" name="Picture 9" descr="A screenshot of a cell phone&#10;&#10;Description generated with very high confidence">
+            <a:extLst>
+              <a:ext uri="{FF2B5EF4-FFF2-40B4-BE49-F238E27FC236}">
+                <a16:creationId xmlns:a16="http://schemas.microsoft.com/office/drawing/2014/main" id="{820DC8FA-A4A8-46F7-8643-8E083F45EB6D}"/>
+              </a:ext>
+            </a:extLst>
+          </p:cNvPr>
+          <p:cNvPicPr>
+            <a:picLocks noChangeAspect="1"/>
+          </p:cNvPicPr>
+          <p:nvPr/>
+        </p:nvPicPr>
+        <p:blipFill>
+          <a:blip r:embed="rId6"/>
+          <a:stretch>
+            <a:fillRect/>
+          </a:stretch>
+        </p:blipFill>
+        <p:spPr>
+          <a:xfrm>
+            <a:off x="7969045" y="3858917"/>
+            <a:ext cx="4226232" cy="2999330"/>
+          </a:xfrm>
+          <a:prstGeom prst="rect">
+            <a:avLst/>
+          </a:prstGeom>
+        </p:spPr>
+      </p:pic>
     </p:spTree>
     <p:extLst>
       <p:ext uri="{BB962C8B-B14F-4D97-AF65-F5344CB8AC3E}">
@@ -9749,7 +10161,7 @@
           <a:lstStyle/>
           <a:p>
             <a:r>
-              <a:rPr lang="en-US" dirty="0"/>
+              <a:rPr lang="en-US"/>
               <a:t>Lock-In Amplifier</a:t>
             </a:r>
           </a:p>
@@ -9825,7 +10237,7 @@
           <a:lstStyle/>
           <a:p>
             <a:r>
-              <a:rPr lang="en-US" dirty="0"/>
+              <a:rPr lang="en-US"/>
               <a:t>Frequency Meter</a:t>
             </a:r>
           </a:p>
@@ -9843,31 +10255,866 @@
         </p:nvSpPr>
         <p:spPr>
           <a:xfrm>
-            <a:off x="318051" y="1319917"/>
-            <a:ext cx="11815639" cy="4591305"/>
+            <a:off x="318051" y="1319918"/>
+            <a:ext cx="11815639" cy="2093096"/>
           </a:xfrm>
         </p:spPr>
         <p:txBody>
-          <a:bodyPr/>
+          <a:bodyPr>
+            <a:normAutofit/>
+          </a:bodyPr>
           <a:lstStyle/>
           <a:p>
             <a:r>
-              <a:rPr lang="en-US" dirty="0"/>
-              <a:t>A digital frequency counter measures frequency by taking counts of a periodic function over a set time period.</a:t>
+              <a:rPr lang="en-US"/>
+              <a:t>A digital frequency counter measures frequency by taking counts of a periodic function over a </a:t>
             </a:r>
-          </a:p>
-          <a:p>
             <a:r>
-              <a:rPr lang="en-US" dirty="0"/>
-              <a:t>An oscillator (ex: </a:t>
+              <a:rPr lang="en-US" b="1"/>
+              <a:t>gate time.</a:t>
+            </a:r>
+          </a:p>
+          <a:p>
+            <a:r>
+              <a:rPr lang="en-US" b="1"/>
+              <a:t>Direct counting </a:t>
             </a:r>
             <a:r>
               <a:rPr lang="en-US"/>
-              <a:t>quartz crystals) </a:t>
+              <a:t>methods measure how many times the voltage (or other property being measured) passes a given threshold.</a:t>
+            </a:r>
+          </a:p>
+          <a:p>
+            <a:r>
+              <a:rPr lang="en-US" b="1"/>
+              <a:t>Reciprocal </a:t>
             </a:r>
             <a:r>
-              <a:rPr lang="en-US" dirty="0"/>
-              <a:t>is placed inside the device </a:t>
+              <a:rPr lang="en-US"/>
+              <a:t>frequency counters measure the period of a cycle and take the inverse.</a:t>
+            </a:r>
+          </a:p>
+          <a:p>
+            <a:endParaRPr lang="en-US" b="1"/>
+          </a:p>
+          <a:p>
+            <a:endParaRPr lang="en-US"/>
+          </a:p>
+          <a:p>
+            <a:endParaRPr lang="en-US"/>
+          </a:p>
+        </p:txBody>
+      </p:sp>
+      <p:sp>
+        <p:nvSpPr>
+          <p:cNvPr id="8" name="Content Placeholder 2">
+            <a:extLst>
+              <a:ext uri="{FF2B5EF4-FFF2-40B4-BE49-F238E27FC236}">
+                <a16:creationId xmlns:a16="http://schemas.microsoft.com/office/drawing/2014/main" id="{F34F4385-3FF1-43CB-A039-7030BDC484C6}"/>
+              </a:ext>
+            </a:extLst>
+          </p:cNvPr>
+          <p:cNvSpPr txBox="1">
+            <a:spLocks/>
+          </p:cNvSpPr>
+          <p:nvPr/>
+        </p:nvSpPr>
+        <p:spPr>
+          <a:xfrm>
+            <a:off x="389614" y="2775005"/>
+            <a:ext cx="11608903" cy="3673501"/>
+          </a:xfrm>
+          <a:prstGeom prst="rect">
+            <a:avLst/>
+          </a:prstGeom>
+        </p:spPr>
+        <p:txBody>
+          <a:bodyPr vert="horz" lIns="91440" tIns="45720" rIns="91440" bIns="45720" rtlCol="0">
+            <a:normAutofit/>
+          </a:bodyPr>
+          <a:lstStyle>
+            <a:lvl1pPr marL="342900" indent="-342900" algn="l" defTabSz="457200" rtl="0" eaLnBrk="1" latinLnBrk="0" hangingPunct="1">
+              <a:spcBef>
+                <a:spcPts val="1000"/>
+              </a:spcBef>
+              <a:spcAft>
+                <a:spcPts val="0"/>
+              </a:spcAft>
+              <a:buClr>
+                <a:schemeClr val="accent1"/>
+              </a:buClr>
+              <a:buFont typeface="Wingdings 3" charset="2"/>
+              <a:buChar char=""/>
+              <a:defRPr sz="1800" kern="1200">
+                <a:solidFill>
+                  <a:schemeClr val="tx1">
+                    <a:lumMod val="75000"/>
+                    <a:lumOff val="25000"/>
+                  </a:schemeClr>
+                </a:solidFill>
+                <a:latin typeface="+mn-lt"/>
+                <a:ea typeface="+mn-ea"/>
+                <a:cs typeface="+mn-cs"/>
+              </a:defRPr>
+            </a:lvl1pPr>
+            <a:lvl2pPr marL="742950" indent="-285750" algn="l" defTabSz="457200" rtl="0" eaLnBrk="1" latinLnBrk="0" hangingPunct="1">
+              <a:spcBef>
+                <a:spcPts val="1000"/>
+              </a:spcBef>
+              <a:spcAft>
+                <a:spcPts val="0"/>
+              </a:spcAft>
+              <a:buClr>
+                <a:schemeClr val="accent1"/>
+              </a:buClr>
+              <a:buFont typeface="Wingdings 3" charset="2"/>
+              <a:buChar char=""/>
+              <a:defRPr sz="1600" kern="1200">
+                <a:solidFill>
+                  <a:schemeClr val="tx1">
+                    <a:lumMod val="75000"/>
+                    <a:lumOff val="25000"/>
+                  </a:schemeClr>
+                </a:solidFill>
+                <a:latin typeface="+mn-lt"/>
+                <a:ea typeface="+mn-ea"/>
+                <a:cs typeface="+mn-cs"/>
+              </a:defRPr>
+            </a:lvl2pPr>
+            <a:lvl3pPr marL="1143000" indent="-228600" algn="l" defTabSz="457200" rtl="0" eaLnBrk="1" latinLnBrk="0" hangingPunct="1">
+              <a:spcBef>
+                <a:spcPts val="1000"/>
+              </a:spcBef>
+              <a:spcAft>
+                <a:spcPts val="0"/>
+              </a:spcAft>
+              <a:buClr>
+                <a:schemeClr val="accent1"/>
+              </a:buClr>
+              <a:buFont typeface="Wingdings 3" charset="2"/>
+              <a:buChar char=""/>
+              <a:defRPr sz="1400" kern="1200">
+                <a:solidFill>
+                  <a:schemeClr val="tx1">
+                    <a:lumMod val="75000"/>
+                    <a:lumOff val="25000"/>
+                  </a:schemeClr>
+                </a:solidFill>
+                <a:latin typeface="+mn-lt"/>
+                <a:ea typeface="+mn-ea"/>
+                <a:cs typeface="+mn-cs"/>
+              </a:defRPr>
+            </a:lvl3pPr>
+            <a:lvl4pPr marL="1600200" indent="-228600" algn="l" defTabSz="457200" rtl="0" eaLnBrk="1" latinLnBrk="0" hangingPunct="1">
+              <a:spcBef>
+                <a:spcPts val="1000"/>
+              </a:spcBef>
+              <a:spcAft>
+                <a:spcPts val="0"/>
+              </a:spcAft>
+              <a:buClr>
+                <a:schemeClr val="accent1"/>
+              </a:buClr>
+              <a:buFont typeface="Wingdings 3" charset="2"/>
+              <a:buChar char=""/>
+              <a:defRPr sz="1200" kern="1200">
+                <a:solidFill>
+                  <a:schemeClr val="tx1">
+                    <a:lumMod val="75000"/>
+                    <a:lumOff val="25000"/>
+                  </a:schemeClr>
+                </a:solidFill>
+                <a:latin typeface="+mn-lt"/>
+                <a:ea typeface="+mn-ea"/>
+                <a:cs typeface="+mn-cs"/>
+              </a:defRPr>
+            </a:lvl4pPr>
+            <a:lvl5pPr marL="2057400" indent="-228600" algn="l" defTabSz="457200" rtl="0" eaLnBrk="1" latinLnBrk="0" hangingPunct="1">
+              <a:spcBef>
+                <a:spcPts val="1000"/>
+              </a:spcBef>
+              <a:spcAft>
+                <a:spcPts val="0"/>
+              </a:spcAft>
+              <a:buClr>
+                <a:schemeClr val="accent1"/>
+              </a:buClr>
+              <a:buFont typeface="Wingdings 3" charset="2"/>
+              <a:buChar char=""/>
+              <a:defRPr sz="1200" kern="1200">
+                <a:solidFill>
+                  <a:schemeClr val="tx1">
+                    <a:lumMod val="75000"/>
+                    <a:lumOff val="25000"/>
+                  </a:schemeClr>
+                </a:solidFill>
+                <a:latin typeface="+mn-lt"/>
+                <a:ea typeface="+mn-ea"/>
+                <a:cs typeface="+mn-cs"/>
+              </a:defRPr>
+            </a:lvl5pPr>
+            <a:lvl6pPr marL="2514600" indent="-228600" algn="l" defTabSz="457200" rtl="0" eaLnBrk="1" latinLnBrk="0" hangingPunct="1">
+              <a:spcBef>
+                <a:spcPts val="1000"/>
+              </a:spcBef>
+              <a:spcAft>
+                <a:spcPts val="0"/>
+              </a:spcAft>
+              <a:buClr>
+                <a:schemeClr val="accent1"/>
+              </a:buClr>
+              <a:buFont typeface="Wingdings 3" charset="2"/>
+              <a:buChar char=""/>
+              <a:defRPr sz="1200" kern="1200">
+                <a:solidFill>
+                  <a:schemeClr val="tx1">
+                    <a:lumMod val="75000"/>
+                    <a:lumOff val="25000"/>
+                  </a:schemeClr>
+                </a:solidFill>
+                <a:latin typeface="+mn-lt"/>
+                <a:ea typeface="+mn-ea"/>
+                <a:cs typeface="+mn-cs"/>
+              </a:defRPr>
+            </a:lvl6pPr>
+            <a:lvl7pPr marL="2971800" indent="-228600" algn="l" defTabSz="457200" rtl="0" eaLnBrk="1" latinLnBrk="0" hangingPunct="1">
+              <a:spcBef>
+                <a:spcPts val="1000"/>
+              </a:spcBef>
+              <a:spcAft>
+                <a:spcPts val="0"/>
+              </a:spcAft>
+              <a:buClr>
+                <a:schemeClr val="accent1"/>
+              </a:buClr>
+              <a:buFont typeface="Wingdings 3" charset="2"/>
+              <a:buChar char=""/>
+              <a:defRPr sz="1200" kern="1200">
+                <a:solidFill>
+                  <a:schemeClr val="tx1">
+                    <a:lumMod val="75000"/>
+                    <a:lumOff val="25000"/>
+                  </a:schemeClr>
+                </a:solidFill>
+                <a:latin typeface="+mn-lt"/>
+                <a:ea typeface="+mn-ea"/>
+                <a:cs typeface="+mn-cs"/>
+              </a:defRPr>
+            </a:lvl7pPr>
+            <a:lvl8pPr marL="3429000" indent="-228600" algn="l" defTabSz="457200" rtl="0" eaLnBrk="1" latinLnBrk="0" hangingPunct="1">
+              <a:spcBef>
+                <a:spcPts val="1000"/>
+              </a:spcBef>
+              <a:spcAft>
+                <a:spcPts val="0"/>
+              </a:spcAft>
+              <a:buClr>
+                <a:schemeClr val="accent1"/>
+              </a:buClr>
+              <a:buFont typeface="Wingdings 3" charset="2"/>
+              <a:buChar char=""/>
+              <a:defRPr sz="1200" kern="1200">
+                <a:solidFill>
+                  <a:schemeClr val="tx1">
+                    <a:lumMod val="75000"/>
+                    <a:lumOff val="25000"/>
+                  </a:schemeClr>
+                </a:solidFill>
+                <a:latin typeface="+mn-lt"/>
+                <a:ea typeface="+mn-ea"/>
+                <a:cs typeface="+mn-cs"/>
+              </a:defRPr>
+            </a:lvl8pPr>
+            <a:lvl9pPr marL="3886200" indent="-228600" algn="l" defTabSz="457200" rtl="0" eaLnBrk="1" latinLnBrk="0" hangingPunct="1">
+              <a:spcBef>
+                <a:spcPts val="1000"/>
+              </a:spcBef>
+              <a:spcAft>
+                <a:spcPts val="0"/>
+              </a:spcAft>
+              <a:buClr>
+                <a:schemeClr val="accent1"/>
+              </a:buClr>
+              <a:buFont typeface="Wingdings 3" charset="2"/>
+              <a:buChar char=""/>
+              <a:defRPr sz="1200" kern="1200">
+                <a:solidFill>
+                  <a:schemeClr val="tx1">
+                    <a:lumMod val="75000"/>
+                    <a:lumOff val="25000"/>
+                  </a:schemeClr>
+                </a:solidFill>
+                <a:latin typeface="+mn-lt"/>
+                <a:ea typeface="+mn-ea"/>
+                <a:cs typeface="+mn-cs"/>
+              </a:defRPr>
+            </a:lvl9pPr>
+          </a:lstStyle>
+          <a:p>
+            <a:endParaRPr lang="en-US"/>
+          </a:p>
+        </p:txBody>
+      </p:sp>
+      <p:pic>
+        <p:nvPicPr>
+          <p:cNvPr id="11" name="Graphic 10">
+            <a:extLst>
+              <a:ext uri="{FF2B5EF4-FFF2-40B4-BE49-F238E27FC236}">
+                <a16:creationId xmlns:a16="http://schemas.microsoft.com/office/drawing/2014/main" id="{78CA68C0-C104-4A9A-AE4B-94F3ADB0C4D2}"/>
+              </a:ext>
+            </a:extLst>
+          </p:cNvPr>
+          <p:cNvPicPr>
+            <a:picLocks noChangeAspect="1"/>
+          </p:cNvPicPr>
+          <p:nvPr/>
+        </p:nvPicPr>
+        <p:blipFill>
+          <a:blip r:embed="rId2">
+            <a:extLst>
+              <a:ext uri="{96DAC541-7B7A-43D3-8B79-37D633B846F1}">
+                <asvg:svgBlip xmlns:asvg="http://schemas.microsoft.com/office/drawing/2016/SVG/main" r:embed="rId3"/>
+              </a:ext>
+            </a:extLst>
+          </a:blip>
+          <a:stretch>
+            <a:fillRect/>
+          </a:stretch>
+        </p:blipFill>
+        <p:spPr>
+          <a:xfrm>
+            <a:off x="5681835" y="3413014"/>
+            <a:ext cx="6316682" cy="2987620"/>
+          </a:xfrm>
+          <a:prstGeom prst="rect">
+            <a:avLst/>
+          </a:prstGeom>
+        </p:spPr>
+      </p:pic>
+      <p:sp>
+        <p:nvSpPr>
+          <p:cNvPr id="12" name="Content Placeholder 2">
+            <a:extLst>
+              <a:ext uri="{FF2B5EF4-FFF2-40B4-BE49-F238E27FC236}">
+                <a16:creationId xmlns:a16="http://schemas.microsoft.com/office/drawing/2014/main" id="{D1458126-1AA9-4F9F-9FC2-0CF7E1F87FF2}"/>
+              </a:ext>
+            </a:extLst>
+          </p:cNvPr>
+          <p:cNvSpPr txBox="1">
+            <a:spLocks/>
+          </p:cNvSpPr>
+          <p:nvPr/>
+        </p:nvSpPr>
+        <p:spPr>
+          <a:xfrm>
+            <a:off x="389614" y="3172116"/>
+            <a:ext cx="5474473" cy="878908"/>
+          </a:xfrm>
+          <a:prstGeom prst="rect">
+            <a:avLst/>
+          </a:prstGeom>
+        </p:spPr>
+        <p:txBody>
+          <a:bodyPr vert="horz" lIns="91440" tIns="45720" rIns="91440" bIns="45720" rtlCol="0">
+            <a:normAutofit lnSpcReduction="10000"/>
+          </a:bodyPr>
+          <a:lstStyle>
+            <a:lvl1pPr marL="342900" indent="-342900" algn="l" defTabSz="457200" rtl="0" eaLnBrk="1" latinLnBrk="0" hangingPunct="1">
+              <a:spcBef>
+                <a:spcPts val="1000"/>
+              </a:spcBef>
+              <a:spcAft>
+                <a:spcPts val="0"/>
+              </a:spcAft>
+              <a:buClr>
+                <a:schemeClr val="accent1"/>
+              </a:buClr>
+              <a:buFont typeface="Wingdings 3" charset="2"/>
+              <a:buChar char=""/>
+              <a:defRPr sz="1800" kern="1200">
+                <a:solidFill>
+                  <a:schemeClr val="tx1">
+                    <a:lumMod val="75000"/>
+                    <a:lumOff val="25000"/>
+                  </a:schemeClr>
+                </a:solidFill>
+                <a:latin typeface="+mn-lt"/>
+                <a:ea typeface="+mn-ea"/>
+                <a:cs typeface="+mn-cs"/>
+              </a:defRPr>
+            </a:lvl1pPr>
+            <a:lvl2pPr marL="742950" indent="-285750" algn="l" defTabSz="457200" rtl="0" eaLnBrk="1" latinLnBrk="0" hangingPunct="1">
+              <a:spcBef>
+                <a:spcPts val="1000"/>
+              </a:spcBef>
+              <a:spcAft>
+                <a:spcPts val="0"/>
+              </a:spcAft>
+              <a:buClr>
+                <a:schemeClr val="accent1"/>
+              </a:buClr>
+              <a:buFont typeface="Wingdings 3" charset="2"/>
+              <a:buChar char=""/>
+              <a:defRPr sz="1600" kern="1200">
+                <a:solidFill>
+                  <a:schemeClr val="tx1">
+                    <a:lumMod val="75000"/>
+                    <a:lumOff val="25000"/>
+                  </a:schemeClr>
+                </a:solidFill>
+                <a:latin typeface="+mn-lt"/>
+                <a:ea typeface="+mn-ea"/>
+                <a:cs typeface="+mn-cs"/>
+              </a:defRPr>
+            </a:lvl2pPr>
+            <a:lvl3pPr marL="1143000" indent="-228600" algn="l" defTabSz="457200" rtl="0" eaLnBrk="1" latinLnBrk="0" hangingPunct="1">
+              <a:spcBef>
+                <a:spcPts val="1000"/>
+              </a:spcBef>
+              <a:spcAft>
+                <a:spcPts val="0"/>
+              </a:spcAft>
+              <a:buClr>
+                <a:schemeClr val="accent1"/>
+              </a:buClr>
+              <a:buFont typeface="Wingdings 3" charset="2"/>
+              <a:buChar char=""/>
+              <a:defRPr sz="1400" kern="1200">
+                <a:solidFill>
+                  <a:schemeClr val="tx1">
+                    <a:lumMod val="75000"/>
+                    <a:lumOff val="25000"/>
+                  </a:schemeClr>
+                </a:solidFill>
+                <a:latin typeface="+mn-lt"/>
+                <a:ea typeface="+mn-ea"/>
+                <a:cs typeface="+mn-cs"/>
+              </a:defRPr>
+            </a:lvl3pPr>
+            <a:lvl4pPr marL="1600200" indent="-228600" algn="l" defTabSz="457200" rtl="0" eaLnBrk="1" latinLnBrk="0" hangingPunct="1">
+              <a:spcBef>
+                <a:spcPts val="1000"/>
+              </a:spcBef>
+              <a:spcAft>
+                <a:spcPts val="0"/>
+              </a:spcAft>
+              <a:buClr>
+                <a:schemeClr val="accent1"/>
+              </a:buClr>
+              <a:buFont typeface="Wingdings 3" charset="2"/>
+              <a:buChar char=""/>
+              <a:defRPr sz="1200" kern="1200">
+                <a:solidFill>
+                  <a:schemeClr val="tx1">
+                    <a:lumMod val="75000"/>
+                    <a:lumOff val="25000"/>
+                  </a:schemeClr>
+                </a:solidFill>
+                <a:latin typeface="+mn-lt"/>
+                <a:ea typeface="+mn-ea"/>
+                <a:cs typeface="+mn-cs"/>
+              </a:defRPr>
+            </a:lvl4pPr>
+            <a:lvl5pPr marL="2057400" indent="-228600" algn="l" defTabSz="457200" rtl="0" eaLnBrk="1" latinLnBrk="0" hangingPunct="1">
+              <a:spcBef>
+                <a:spcPts val="1000"/>
+              </a:spcBef>
+              <a:spcAft>
+                <a:spcPts val="0"/>
+              </a:spcAft>
+              <a:buClr>
+                <a:schemeClr val="accent1"/>
+              </a:buClr>
+              <a:buFont typeface="Wingdings 3" charset="2"/>
+              <a:buChar char=""/>
+              <a:defRPr sz="1200" kern="1200">
+                <a:solidFill>
+                  <a:schemeClr val="tx1">
+                    <a:lumMod val="75000"/>
+                    <a:lumOff val="25000"/>
+                  </a:schemeClr>
+                </a:solidFill>
+                <a:latin typeface="+mn-lt"/>
+                <a:ea typeface="+mn-ea"/>
+                <a:cs typeface="+mn-cs"/>
+              </a:defRPr>
+            </a:lvl5pPr>
+            <a:lvl6pPr marL="2514600" indent="-228600" algn="l" defTabSz="457200" rtl="0" eaLnBrk="1" latinLnBrk="0" hangingPunct="1">
+              <a:spcBef>
+                <a:spcPts val="1000"/>
+              </a:spcBef>
+              <a:spcAft>
+                <a:spcPts val="0"/>
+              </a:spcAft>
+              <a:buClr>
+                <a:schemeClr val="accent1"/>
+              </a:buClr>
+              <a:buFont typeface="Wingdings 3" charset="2"/>
+              <a:buChar char=""/>
+              <a:defRPr sz="1200" kern="1200">
+                <a:solidFill>
+                  <a:schemeClr val="tx1">
+                    <a:lumMod val="75000"/>
+                    <a:lumOff val="25000"/>
+                  </a:schemeClr>
+                </a:solidFill>
+                <a:latin typeface="+mn-lt"/>
+                <a:ea typeface="+mn-ea"/>
+                <a:cs typeface="+mn-cs"/>
+              </a:defRPr>
+            </a:lvl6pPr>
+            <a:lvl7pPr marL="2971800" indent="-228600" algn="l" defTabSz="457200" rtl="0" eaLnBrk="1" latinLnBrk="0" hangingPunct="1">
+              <a:spcBef>
+                <a:spcPts val="1000"/>
+              </a:spcBef>
+              <a:spcAft>
+                <a:spcPts val="0"/>
+              </a:spcAft>
+              <a:buClr>
+                <a:schemeClr val="accent1"/>
+              </a:buClr>
+              <a:buFont typeface="Wingdings 3" charset="2"/>
+              <a:buChar char=""/>
+              <a:defRPr sz="1200" kern="1200">
+                <a:solidFill>
+                  <a:schemeClr val="tx1">
+                    <a:lumMod val="75000"/>
+                    <a:lumOff val="25000"/>
+                  </a:schemeClr>
+                </a:solidFill>
+                <a:latin typeface="+mn-lt"/>
+                <a:ea typeface="+mn-ea"/>
+                <a:cs typeface="+mn-cs"/>
+              </a:defRPr>
+            </a:lvl7pPr>
+            <a:lvl8pPr marL="3429000" indent="-228600" algn="l" defTabSz="457200" rtl="0" eaLnBrk="1" latinLnBrk="0" hangingPunct="1">
+              <a:spcBef>
+                <a:spcPts val="1000"/>
+              </a:spcBef>
+              <a:spcAft>
+                <a:spcPts val="0"/>
+              </a:spcAft>
+              <a:buClr>
+                <a:schemeClr val="accent1"/>
+              </a:buClr>
+              <a:buFont typeface="Wingdings 3" charset="2"/>
+              <a:buChar char=""/>
+              <a:defRPr sz="1200" kern="1200">
+                <a:solidFill>
+                  <a:schemeClr val="tx1">
+                    <a:lumMod val="75000"/>
+                    <a:lumOff val="25000"/>
+                  </a:schemeClr>
+                </a:solidFill>
+                <a:latin typeface="+mn-lt"/>
+                <a:ea typeface="+mn-ea"/>
+                <a:cs typeface="+mn-cs"/>
+              </a:defRPr>
+            </a:lvl8pPr>
+            <a:lvl9pPr marL="3886200" indent="-228600" algn="l" defTabSz="457200" rtl="0" eaLnBrk="1" latinLnBrk="0" hangingPunct="1">
+              <a:spcBef>
+                <a:spcPts val="1000"/>
+              </a:spcBef>
+              <a:spcAft>
+                <a:spcPts val="0"/>
+              </a:spcAft>
+              <a:buClr>
+                <a:schemeClr val="accent1"/>
+              </a:buClr>
+              <a:buFont typeface="Wingdings 3" charset="2"/>
+              <a:buChar char=""/>
+              <a:defRPr sz="1200" kern="1200">
+                <a:solidFill>
+                  <a:schemeClr val="tx1">
+                    <a:lumMod val="75000"/>
+                    <a:lumOff val="25000"/>
+                  </a:schemeClr>
+                </a:solidFill>
+                <a:latin typeface="+mn-lt"/>
+                <a:ea typeface="+mn-ea"/>
+                <a:cs typeface="+mn-cs"/>
+              </a:defRPr>
+            </a:lvl9pPr>
+          </a:lstStyle>
+          <a:p>
+            <a:r>
+              <a:rPr lang="en-US"/>
+              <a:t>A clock produces a signal which is divided by the </a:t>
+            </a:r>
+            <a:r>
+              <a:rPr lang="en-US" b="1"/>
+              <a:t>decade dividers </a:t>
+            </a:r>
+            <a:r>
+              <a:rPr lang="en-US"/>
+              <a:t>into the appropriate gate time.</a:t>
+            </a:r>
+          </a:p>
+        </p:txBody>
+      </p:sp>
+      <p:sp>
+        <p:nvSpPr>
+          <p:cNvPr id="13" name="Content Placeholder 2">
+            <a:extLst>
+              <a:ext uri="{FF2B5EF4-FFF2-40B4-BE49-F238E27FC236}">
+                <a16:creationId xmlns:a16="http://schemas.microsoft.com/office/drawing/2014/main" id="{006AF862-74CE-412E-82C6-0F4828777551}"/>
+              </a:ext>
+            </a:extLst>
+          </p:cNvPr>
+          <p:cNvSpPr txBox="1">
+            <a:spLocks/>
+          </p:cNvSpPr>
+          <p:nvPr/>
+        </p:nvSpPr>
+        <p:spPr>
+          <a:xfrm>
+            <a:off x="1327868" y="4207960"/>
+            <a:ext cx="4353967" cy="2637657"/>
+          </a:xfrm>
+          <a:prstGeom prst="rect">
+            <a:avLst/>
+          </a:prstGeom>
+        </p:spPr>
+        <p:txBody>
+          <a:bodyPr vert="horz" lIns="91440" tIns="45720" rIns="91440" bIns="45720" rtlCol="0">
+            <a:normAutofit/>
+          </a:bodyPr>
+          <a:lstStyle>
+            <a:lvl1pPr marL="342900" indent="-342900" algn="l" defTabSz="457200" rtl="0" eaLnBrk="1" latinLnBrk="0" hangingPunct="1">
+              <a:spcBef>
+                <a:spcPts val="1000"/>
+              </a:spcBef>
+              <a:spcAft>
+                <a:spcPts val="0"/>
+              </a:spcAft>
+              <a:buClr>
+                <a:schemeClr val="accent1"/>
+              </a:buClr>
+              <a:buFont typeface="Wingdings 3" charset="2"/>
+              <a:buChar char=""/>
+              <a:defRPr sz="1800" kern="1200">
+                <a:solidFill>
+                  <a:schemeClr val="tx1">
+                    <a:lumMod val="75000"/>
+                    <a:lumOff val="25000"/>
+                  </a:schemeClr>
+                </a:solidFill>
+                <a:latin typeface="+mn-lt"/>
+                <a:ea typeface="+mn-ea"/>
+                <a:cs typeface="+mn-cs"/>
+              </a:defRPr>
+            </a:lvl1pPr>
+            <a:lvl2pPr marL="742950" indent="-285750" algn="l" defTabSz="457200" rtl="0" eaLnBrk="1" latinLnBrk="0" hangingPunct="1">
+              <a:spcBef>
+                <a:spcPts val="1000"/>
+              </a:spcBef>
+              <a:spcAft>
+                <a:spcPts val="0"/>
+              </a:spcAft>
+              <a:buClr>
+                <a:schemeClr val="accent1"/>
+              </a:buClr>
+              <a:buFont typeface="Wingdings 3" charset="2"/>
+              <a:buChar char=""/>
+              <a:defRPr sz="1600" kern="1200">
+                <a:solidFill>
+                  <a:schemeClr val="tx1">
+                    <a:lumMod val="75000"/>
+                    <a:lumOff val="25000"/>
+                  </a:schemeClr>
+                </a:solidFill>
+                <a:latin typeface="+mn-lt"/>
+                <a:ea typeface="+mn-ea"/>
+                <a:cs typeface="+mn-cs"/>
+              </a:defRPr>
+            </a:lvl2pPr>
+            <a:lvl3pPr marL="1143000" indent="-228600" algn="l" defTabSz="457200" rtl="0" eaLnBrk="1" latinLnBrk="0" hangingPunct="1">
+              <a:spcBef>
+                <a:spcPts val="1000"/>
+              </a:spcBef>
+              <a:spcAft>
+                <a:spcPts val="0"/>
+              </a:spcAft>
+              <a:buClr>
+                <a:schemeClr val="accent1"/>
+              </a:buClr>
+              <a:buFont typeface="Wingdings 3" charset="2"/>
+              <a:buChar char=""/>
+              <a:defRPr sz="1400" kern="1200">
+                <a:solidFill>
+                  <a:schemeClr val="tx1">
+                    <a:lumMod val="75000"/>
+                    <a:lumOff val="25000"/>
+                  </a:schemeClr>
+                </a:solidFill>
+                <a:latin typeface="+mn-lt"/>
+                <a:ea typeface="+mn-ea"/>
+                <a:cs typeface="+mn-cs"/>
+              </a:defRPr>
+            </a:lvl3pPr>
+            <a:lvl4pPr marL="1600200" indent="-228600" algn="l" defTabSz="457200" rtl="0" eaLnBrk="1" latinLnBrk="0" hangingPunct="1">
+              <a:spcBef>
+                <a:spcPts val="1000"/>
+              </a:spcBef>
+              <a:spcAft>
+                <a:spcPts val="0"/>
+              </a:spcAft>
+              <a:buClr>
+                <a:schemeClr val="accent1"/>
+              </a:buClr>
+              <a:buFont typeface="Wingdings 3" charset="2"/>
+              <a:buChar char=""/>
+              <a:defRPr sz="1200" kern="1200">
+                <a:solidFill>
+                  <a:schemeClr val="tx1">
+                    <a:lumMod val="75000"/>
+                    <a:lumOff val="25000"/>
+                  </a:schemeClr>
+                </a:solidFill>
+                <a:latin typeface="+mn-lt"/>
+                <a:ea typeface="+mn-ea"/>
+                <a:cs typeface="+mn-cs"/>
+              </a:defRPr>
+            </a:lvl4pPr>
+            <a:lvl5pPr marL="2057400" indent="-228600" algn="l" defTabSz="457200" rtl="0" eaLnBrk="1" latinLnBrk="0" hangingPunct="1">
+              <a:spcBef>
+                <a:spcPts val="1000"/>
+              </a:spcBef>
+              <a:spcAft>
+                <a:spcPts val="0"/>
+              </a:spcAft>
+              <a:buClr>
+                <a:schemeClr val="accent1"/>
+              </a:buClr>
+              <a:buFont typeface="Wingdings 3" charset="2"/>
+              <a:buChar char=""/>
+              <a:defRPr sz="1200" kern="1200">
+                <a:solidFill>
+                  <a:schemeClr val="tx1">
+                    <a:lumMod val="75000"/>
+                    <a:lumOff val="25000"/>
+                  </a:schemeClr>
+                </a:solidFill>
+                <a:latin typeface="+mn-lt"/>
+                <a:ea typeface="+mn-ea"/>
+                <a:cs typeface="+mn-cs"/>
+              </a:defRPr>
+            </a:lvl5pPr>
+            <a:lvl6pPr marL="2514600" indent="-228600" algn="l" defTabSz="457200" rtl="0" eaLnBrk="1" latinLnBrk="0" hangingPunct="1">
+              <a:spcBef>
+                <a:spcPts val="1000"/>
+              </a:spcBef>
+              <a:spcAft>
+                <a:spcPts val="0"/>
+              </a:spcAft>
+              <a:buClr>
+                <a:schemeClr val="accent1"/>
+              </a:buClr>
+              <a:buFont typeface="Wingdings 3" charset="2"/>
+              <a:buChar char=""/>
+              <a:defRPr sz="1200" kern="1200">
+                <a:solidFill>
+                  <a:schemeClr val="tx1">
+                    <a:lumMod val="75000"/>
+                    <a:lumOff val="25000"/>
+                  </a:schemeClr>
+                </a:solidFill>
+                <a:latin typeface="+mn-lt"/>
+                <a:ea typeface="+mn-ea"/>
+                <a:cs typeface="+mn-cs"/>
+              </a:defRPr>
+            </a:lvl6pPr>
+            <a:lvl7pPr marL="2971800" indent="-228600" algn="l" defTabSz="457200" rtl="0" eaLnBrk="1" latinLnBrk="0" hangingPunct="1">
+              <a:spcBef>
+                <a:spcPts val="1000"/>
+              </a:spcBef>
+              <a:spcAft>
+                <a:spcPts val="0"/>
+              </a:spcAft>
+              <a:buClr>
+                <a:schemeClr val="accent1"/>
+              </a:buClr>
+              <a:buFont typeface="Wingdings 3" charset="2"/>
+              <a:buChar char=""/>
+              <a:defRPr sz="1200" kern="1200">
+                <a:solidFill>
+                  <a:schemeClr val="tx1">
+                    <a:lumMod val="75000"/>
+                    <a:lumOff val="25000"/>
+                  </a:schemeClr>
+                </a:solidFill>
+                <a:latin typeface="+mn-lt"/>
+                <a:ea typeface="+mn-ea"/>
+                <a:cs typeface="+mn-cs"/>
+              </a:defRPr>
+            </a:lvl7pPr>
+            <a:lvl8pPr marL="3429000" indent="-228600" algn="l" defTabSz="457200" rtl="0" eaLnBrk="1" latinLnBrk="0" hangingPunct="1">
+              <a:spcBef>
+                <a:spcPts val="1000"/>
+              </a:spcBef>
+              <a:spcAft>
+                <a:spcPts val="0"/>
+              </a:spcAft>
+              <a:buClr>
+                <a:schemeClr val="accent1"/>
+              </a:buClr>
+              <a:buFont typeface="Wingdings 3" charset="2"/>
+              <a:buChar char=""/>
+              <a:defRPr sz="1200" kern="1200">
+                <a:solidFill>
+                  <a:schemeClr val="tx1">
+                    <a:lumMod val="75000"/>
+                    <a:lumOff val="25000"/>
+                  </a:schemeClr>
+                </a:solidFill>
+                <a:latin typeface="+mn-lt"/>
+                <a:ea typeface="+mn-ea"/>
+                <a:cs typeface="+mn-cs"/>
+              </a:defRPr>
+            </a:lvl8pPr>
+            <a:lvl9pPr marL="3886200" indent="-228600" algn="l" defTabSz="457200" rtl="0" eaLnBrk="1" latinLnBrk="0" hangingPunct="1">
+              <a:spcBef>
+                <a:spcPts val="1000"/>
+              </a:spcBef>
+              <a:spcAft>
+                <a:spcPts val="0"/>
+              </a:spcAft>
+              <a:buClr>
+                <a:schemeClr val="accent1"/>
+              </a:buClr>
+              <a:buFont typeface="Wingdings 3" charset="2"/>
+              <a:buChar char=""/>
+              <a:defRPr sz="1200" kern="1200">
+                <a:solidFill>
+                  <a:schemeClr val="tx1">
+                    <a:lumMod val="75000"/>
+                    <a:lumOff val="25000"/>
+                  </a:schemeClr>
+                </a:solidFill>
+                <a:latin typeface="+mn-lt"/>
+                <a:ea typeface="+mn-ea"/>
+                <a:cs typeface="+mn-cs"/>
+              </a:defRPr>
+            </a:lvl9pPr>
+          </a:lstStyle>
+          <a:p>
+            <a:r>
+              <a:rPr lang="en-US"/>
+              <a:t>The “gate flip flop” receives this information and signals when the next set of counts should begin.</a:t>
+            </a:r>
+          </a:p>
+          <a:p>
+            <a:r>
+              <a:rPr lang="en-US"/>
+              <a:t>The </a:t>
+            </a:r>
+            <a:r>
+              <a:rPr lang="en-US" b="1"/>
+              <a:t>latch </a:t>
+            </a:r>
+            <a:r>
+              <a:rPr lang="en-US"/>
+              <a:t>holds the last value so that it can continue to be displayed while the counter is updating based on a new set of data.</a:t>
             </a:r>
           </a:p>
         </p:txBody>
@@ -9888,6 +11135,32 @@
 <file path=ppt/slides/slide6.xml><?xml version="1.0" encoding="utf-8"?>
 <p:sld xmlns:a="http://schemas.openxmlformats.org/drawingml/2006/main" xmlns:r="http://schemas.openxmlformats.org/officeDocument/2006/relationships" xmlns:p="http://schemas.openxmlformats.org/presentationml/2006/main">
   <p:cSld>
+    <p:bg>
+      <p:bgPr>
+        <a:gradFill rotWithShape="1">
+          <a:gsLst>
+            <a:gs pos="0">
+              <a:schemeClr val="bg2">
+                <a:tint val="90000"/>
+                <a:satMod val="92000"/>
+                <a:lumMod val="120000"/>
+              </a:schemeClr>
+            </a:gs>
+            <a:gs pos="100000">
+              <a:schemeClr val="bg2">
+                <a:shade val="98000"/>
+                <a:satMod val="120000"/>
+                <a:lumMod val="98000"/>
+              </a:schemeClr>
+            </a:gs>
+          </a:gsLst>
+          <a:path path="circle">
+            <a:fillToRect l="50000" t="50000" r="100000" b="100000"/>
+          </a:path>
+        </a:gradFill>
+        <a:effectLst/>
+      </p:bgPr>
+    </p:bg>
     <p:spTree>
       <p:nvGrpSpPr>
         <p:cNvPr id="1" name=""/>
@@ -9902,6 +11175,2339 @@
           <a:chExt cx="0" cy="0"/>
         </a:xfrm>
       </p:grpSpPr>
+      <p:sp useBgFill="1">
+        <p:nvSpPr>
+          <p:cNvPr id="50" name="Rectangle 49">
+            <a:extLst>
+              <a:ext uri="{FF2B5EF4-FFF2-40B4-BE49-F238E27FC236}">
+                <a16:creationId xmlns:a16="http://schemas.microsoft.com/office/drawing/2014/main" id="{9AD3FB61-6AE9-4485-BE50-6A67D1BBD5D3}"/>
+              </a:ext>
+              <a:ext uri="{C183D7F6-B498-43B3-948B-1728B52AA6E4}">
+                <adec:decorative xmlns:adec="http://schemas.microsoft.com/office/drawing/2017/decorative" val="1"/>
+              </a:ext>
+            </a:extLst>
+          </p:cNvPr>
+          <p:cNvSpPr>
+            <a:spLocks noGrp="1" noRot="1" noChangeAspect="1" noMove="1" noResize="1" noEditPoints="1" noAdjustHandles="1" noChangeArrowheads="1" noChangeShapeType="1" noTextEdit="1"/>
+          </p:cNvSpPr>
+          <p:nvPr>
+            <p:extLst>
+              <p:ext uri="{386F3935-93C4-4BCD-93E2-E3B085C9AB24}">
+                <p16:designElem xmlns:p16="http://schemas.microsoft.com/office/powerpoint/2015/main" val="1"/>
+              </p:ext>
+            </p:extLst>
+          </p:nvPr>
+        </p:nvSpPr>
+        <p:spPr>
+          <a:xfrm>
+            <a:off x="-7620" y="-1"/>
+            <a:ext cx="12207240" cy="6858001"/>
+          </a:xfrm>
+          <a:prstGeom prst="rect">
+            <a:avLst/>
+          </a:prstGeom>
+          <a:ln>
+            <a:noFill/>
+          </a:ln>
+        </p:spPr>
+        <p:style>
+          <a:lnRef idx="2">
+            <a:schemeClr val="accent1">
+              <a:shade val="50000"/>
+            </a:schemeClr>
+          </a:lnRef>
+          <a:fillRef idx="1">
+            <a:schemeClr val="accent1"/>
+          </a:fillRef>
+          <a:effectRef idx="0">
+            <a:schemeClr val="accent1"/>
+          </a:effectRef>
+          <a:fontRef idx="minor">
+            <a:schemeClr val="lt1"/>
+          </a:fontRef>
+        </p:style>
+        <p:txBody>
+          <a:bodyPr rot="0" spcFirstLastPara="0" vert="horz" wrap="square" lIns="91440" tIns="45720" rIns="91440" bIns="45720" numCol="1" spcCol="0" rtlCol="0" fromWordArt="0" anchor="ctr" anchorCtr="0" forceAA="0" compatLnSpc="1">
+            <a:prstTxWarp prst="textNoShape">
+              <a:avLst/>
+            </a:prstTxWarp>
+            <a:noAutofit/>
+          </a:bodyPr>
+          <a:lstStyle>
+            <a:defPPr>
+              <a:defRPr lang="en-US"/>
+            </a:defPPr>
+            <a:lvl1pPr marL="0" algn="l" defTabSz="914400" rtl="0" eaLnBrk="1" latinLnBrk="0" hangingPunct="1">
+              <a:defRPr sz="1800" kern="1200">
+                <a:solidFill>
+                  <a:schemeClr val="lt1"/>
+                </a:solidFill>
+                <a:latin typeface="+mn-lt"/>
+                <a:ea typeface="+mn-ea"/>
+                <a:cs typeface="+mn-cs"/>
+              </a:defRPr>
+            </a:lvl1pPr>
+            <a:lvl2pPr marL="457200" algn="l" defTabSz="914400" rtl="0" eaLnBrk="1" latinLnBrk="0" hangingPunct="1">
+              <a:defRPr sz="1800" kern="1200">
+                <a:solidFill>
+                  <a:schemeClr val="lt1"/>
+                </a:solidFill>
+                <a:latin typeface="+mn-lt"/>
+                <a:ea typeface="+mn-ea"/>
+                <a:cs typeface="+mn-cs"/>
+              </a:defRPr>
+            </a:lvl2pPr>
+            <a:lvl3pPr marL="914400" algn="l" defTabSz="914400" rtl="0" eaLnBrk="1" latinLnBrk="0" hangingPunct="1">
+              <a:defRPr sz="1800" kern="1200">
+                <a:solidFill>
+                  <a:schemeClr val="lt1"/>
+                </a:solidFill>
+                <a:latin typeface="+mn-lt"/>
+                <a:ea typeface="+mn-ea"/>
+                <a:cs typeface="+mn-cs"/>
+              </a:defRPr>
+            </a:lvl3pPr>
+            <a:lvl4pPr marL="1371600" algn="l" defTabSz="914400" rtl="0" eaLnBrk="1" latinLnBrk="0" hangingPunct="1">
+              <a:defRPr sz="1800" kern="1200">
+                <a:solidFill>
+                  <a:schemeClr val="lt1"/>
+                </a:solidFill>
+                <a:latin typeface="+mn-lt"/>
+                <a:ea typeface="+mn-ea"/>
+                <a:cs typeface="+mn-cs"/>
+              </a:defRPr>
+            </a:lvl4pPr>
+            <a:lvl5pPr marL="1828800" algn="l" defTabSz="914400" rtl="0" eaLnBrk="1" latinLnBrk="0" hangingPunct="1">
+              <a:defRPr sz="1800" kern="1200">
+                <a:solidFill>
+                  <a:schemeClr val="lt1"/>
+                </a:solidFill>
+                <a:latin typeface="+mn-lt"/>
+                <a:ea typeface="+mn-ea"/>
+                <a:cs typeface="+mn-cs"/>
+              </a:defRPr>
+            </a:lvl5pPr>
+            <a:lvl6pPr marL="2286000" algn="l" defTabSz="914400" rtl="0" eaLnBrk="1" latinLnBrk="0" hangingPunct="1">
+              <a:defRPr sz="1800" kern="1200">
+                <a:solidFill>
+                  <a:schemeClr val="lt1"/>
+                </a:solidFill>
+                <a:latin typeface="+mn-lt"/>
+                <a:ea typeface="+mn-ea"/>
+                <a:cs typeface="+mn-cs"/>
+              </a:defRPr>
+            </a:lvl6pPr>
+            <a:lvl7pPr marL="2743200" algn="l" defTabSz="914400" rtl="0" eaLnBrk="1" latinLnBrk="0" hangingPunct="1">
+              <a:defRPr sz="1800" kern="1200">
+                <a:solidFill>
+                  <a:schemeClr val="lt1"/>
+                </a:solidFill>
+                <a:latin typeface="+mn-lt"/>
+                <a:ea typeface="+mn-ea"/>
+                <a:cs typeface="+mn-cs"/>
+              </a:defRPr>
+            </a:lvl7pPr>
+            <a:lvl8pPr marL="3200400" algn="l" defTabSz="914400" rtl="0" eaLnBrk="1" latinLnBrk="0" hangingPunct="1">
+              <a:defRPr sz="1800" kern="1200">
+                <a:solidFill>
+                  <a:schemeClr val="lt1"/>
+                </a:solidFill>
+                <a:latin typeface="+mn-lt"/>
+                <a:ea typeface="+mn-ea"/>
+                <a:cs typeface="+mn-cs"/>
+              </a:defRPr>
+            </a:lvl8pPr>
+            <a:lvl9pPr marL="3657600" algn="l" defTabSz="914400" rtl="0" eaLnBrk="1" latinLnBrk="0" hangingPunct="1">
+              <a:defRPr sz="1800" kern="1200">
+                <a:solidFill>
+                  <a:schemeClr val="lt1"/>
+                </a:solidFill>
+                <a:latin typeface="+mn-lt"/>
+                <a:ea typeface="+mn-ea"/>
+                <a:cs typeface="+mn-cs"/>
+              </a:defRPr>
+            </a:lvl9pPr>
+          </a:lstStyle>
+          <a:p>
+            <a:pPr algn="ctr"/>
+            <a:endParaRPr lang="en-US"/>
+          </a:p>
+        </p:txBody>
+      </p:sp>
+      <p:grpSp>
+        <p:nvGrpSpPr>
+          <p:cNvPr id="52" name="Group 51">
+            <a:extLst>
+              <a:ext uri="{FF2B5EF4-FFF2-40B4-BE49-F238E27FC236}">
+                <a16:creationId xmlns:a16="http://schemas.microsoft.com/office/drawing/2014/main" id="{2315C98F-1CCA-4D5A-A03F-29B4BED6CC44}"/>
+              </a:ext>
+              <a:ext uri="{C183D7F6-B498-43B3-948B-1728B52AA6E4}">
+                <adec:decorative xmlns:adec="http://schemas.microsoft.com/office/drawing/2017/decorative" val="1"/>
+              </a:ext>
+            </a:extLst>
+          </p:cNvPr>
+          <p:cNvGrpSpPr>
+            <a:grpSpLocks noGrp="1" noUngrp="1" noRot="1" noChangeAspect="1" noMove="1" noResize="1"/>
+          </p:cNvGrpSpPr>
+          <p:nvPr>
+            <p:extLst>
+              <p:ext uri="{386F3935-93C4-4BCD-93E2-E3B085C9AB24}">
+                <p16:designElem xmlns:p16="http://schemas.microsoft.com/office/powerpoint/2015/main" val="1"/>
+              </p:ext>
+            </p:extLst>
+          </p:nvPr>
+        </p:nvGrpSpPr>
+        <p:grpSpPr>
+          <a:xfrm>
+            <a:off x="4836169" y="228600"/>
+            <a:ext cx="2851523" cy="6638625"/>
+            <a:chOff x="2487613" y="285750"/>
+            <a:chExt cx="2428875" cy="5654676"/>
+          </a:xfrm>
+        </p:grpSpPr>
+        <p:sp>
+          <p:nvSpPr>
+            <p:cNvPr id="53" name="Freeform 11">
+              <a:extLst>
+                <a:ext uri="{FF2B5EF4-FFF2-40B4-BE49-F238E27FC236}">
+                  <a16:creationId xmlns:a16="http://schemas.microsoft.com/office/drawing/2014/main" id="{8456C65E-3C59-4D40-864F-2A31AF2CC607}"/>
+                </a:ext>
+                <a:ext uri="{C183D7F6-B498-43B3-948B-1728B52AA6E4}">
+                  <adec:decorative xmlns:adec="http://schemas.microsoft.com/office/drawing/2017/decorative" val="1"/>
+                </a:ext>
+              </a:extLst>
+            </p:cNvPr>
+            <p:cNvSpPr/>
+            <p:nvPr>
+              <p:extLst>
+                <p:ext uri="{386F3935-93C4-4BCD-93E2-E3B085C9AB24}">
+                  <p16:designElem xmlns:p16="http://schemas.microsoft.com/office/powerpoint/2015/main" val="1"/>
+                </p:ext>
+              </p:extLst>
+            </p:nvPr>
+          </p:nvSpPr>
+          <p:spPr bwMode="auto">
+            <a:xfrm>
+              <a:off x="2487613" y="2284413"/>
+              <a:ext cx="85725" cy="533400"/>
+            </a:xfrm>
+            <a:custGeom>
+              <a:avLst/>
+              <a:gdLst/>
+              <a:ahLst/>
+              <a:cxnLst/>
+              <a:rect l="0" t="0" r="r" b="b"/>
+              <a:pathLst>
+                <a:path w="22" h="136">
+                  <a:moveTo>
+                    <a:pt x="22" y="136"/>
+                  </a:moveTo>
+                  <a:cubicBezTo>
+                    <a:pt x="20" y="117"/>
+                    <a:pt x="19" y="99"/>
+                    <a:pt x="17" y="80"/>
+                  </a:cubicBezTo>
+                  <a:cubicBezTo>
+                    <a:pt x="11" y="54"/>
+                    <a:pt x="6" y="27"/>
+                    <a:pt x="0" y="0"/>
+                  </a:cubicBezTo>
+                  <a:cubicBezTo>
+                    <a:pt x="0" y="35"/>
+                    <a:pt x="0" y="35"/>
+                    <a:pt x="0" y="35"/>
+                  </a:cubicBezTo>
+                  <a:cubicBezTo>
+                    <a:pt x="6" y="64"/>
+                    <a:pt x="13" y="94"/>
+                    <a:pt x="20" y="124"/>
+                  </a:cubicBezTo>
+                  <a:cubicBezTo>
+                    <a:pt x="20" y="128"/>
+                    <a:pt x="21" y="132"/>
+                    <a:pt x="22" y="136"/>
+                  </a:cubicBezTo>
+                  <a:close/>
+                </a:path>
+              </a:pathLst>
+            </a:custGeom>
+            <a:solidFill>
+              <a:schemeClr val="tx2">
+                <a:alpha val="20000"/>
+              </a:schemeClr>
+            </a:solidFill>
+            <a:ln>
+              <a:noFill/>
+            </a:ln>
+          </p:spPr>
+        </p:sp>
+        <p:sp>
+          <p:nvSpPr>
+            <p:cNvPr id="54" name="Freeform 12">
+              <a:extLst>
+                <a:ext uri="{FF2B5EF4-FFF2-40B4-BE49-F238E27FC236}">
+                  <a16:creationId xmlns:a16="http://schemas.microsoft.com/office/drawing/2014/main" id="{2C3C90EF-2E9B-44A4-AB78-BEBD307C3718}"/>
+                </a:ext>
+                <a:ext uri="{C183D7F6-B498-43B3-948B-1728B52AA6E4}">
+                  <adec:decorative xmlns:adec="http://schemas.microsoft.com/office/drawing/2017/decorative" val="1"/>
+                </a:ext>
+              </a:extLst>
+            </p:cNvPr>
+            <p:cNvSpPr/>
+            <p:nvPr>
+              <p:extLst>
+                <p:ext uri="{386F3935-93C4-4BCD-93E2-E3B085C9AB24}">
+                  <p16:designElem xmlns:p16="http://schemas.microsoft.com/office/powerpoint/2015/main" val="1"/>
+                </p:ext>
+              </p:extLst>
+            </p:nvPr>
+          </p:nvSpPr>
+          <p:spPr bwMode="auto">
+            <a:xfrm>
+              <a:off x="2597151" y="2779713"/>
+              <a:ext cx="550863" cy="1978025"/>
+            </a:xfrm>
+            <a:custGeom>
+              <a:avLst/>
+              <a:gdLst/>
+              <a:ahLst/>
+              <a:cxnLst/>
+              <a:rect l="0" t="0" r="r" b="b"/>
+              <a:pathLst>
+                <a:path w="140" h="504">
+                  <a:moveTo>
+                    <a:pt x="86" y="350"/>
+                  </a:moveTo>
+                  <a:cubicBezTo>
+                    <a:pt x="103" y="402"/>
+                    <a:pt x="120" y="453"/>
+                    <a:pt x="139" y="504"/>
+                  </a:cubicBezTo>
+                  <a:cubicBezTo>
+                    <a:pt x="139" y="495"/>
+                    <a:pt x="139" y="487"/>
+                    <a:pt x="140" y="478"/>
+                  </a:cubicBezTo>
+                  <a:cubicBezTo>
+                    <a:pt x="124" y="435"/>
+                    <a:pt x="109" y="391"/>
+                    <a:pt x="95" y="347"/>
+                  </a:cubicBezTo>
+                  <a:cubicBezTo>
+                    <a:pt x="58" y="233"/>
+                    <a:pt x="27" y="117"/>
+                    <a:pt x="0" y="0"/>
+                  </a:cubicBezTo>
+                  <a:cubicBezTo>
+                    <a:pt x="2" y="20"/>
+                    <a:pt x="4" y="41"/>
+                    <a:pt x="6" y="61"/>
+                  </a:cubicBezTo>
+                  <a:cubicBezTo>
+                    <a:pt x="30" y="158"/>
+                    <a:pt x="56" y="255"/>
+                    <a:pt x="86" y="350"/>
+                  </a:cubicBezTo>
+                  <a:close/>
+                </a:path>
+              </a:pathLst>
+            </a:custGeom>
+            <a:solidFill>
+              <a:schemeClr val="tx2">
+                <a:alpha val="20000"/>
+              </a:schemeClr>
+            </a:solidFill>
+            <a:ln>
+              <a:noFill/>
+            </a:ln>
+          </p:spPr>
+        </p:sp>
+        <p:sp>
+          <p:nvSpPr>
+            <p:cNvPr id="55" name="Freeform 13">
+              <a:extLst>
+                <a:ext uri="{FF2B5EF4-FFF2-40B4-BE49-F238E27FC236}">
+                  <a16:creationId xmlns:a16="http://schemas.microsoft.com/office/drawing/2014/main" id="{48E12179-609D-4AF7-96BF-E828E5852354}"/>
+                </a:ext>
+                <a:ext uri="{C183D7F6-B498-43B3-948B-1728B52AA6E4}">
+                  <adec:decorative xmlns:adec="http://schemas.microsoft.com/office/drawing/2017/decorative" val="1"/>
+                </a:ext>
+              </a:extLst>
+            </p:cNvPr>
+            <p:cNvSpPr/>
+            <p:nvPr>
+              <p:extLst>
+                <p:ext uri="{386F3935-93C4-4BCD-93E2-E3B085C9AB24}">
+                  <p16:designElem xmlns:p16="http://schemas.microsoft.com/office/powerpoint/2015/main" val="1"/>
+                </p:ext>
+              </p:extLst>
+            </p:nvPr>
+          </p:nvSpPr>
+          <p:spPr bwMode="auto">
+            <a:xfrm>
+              <a:off x="3175001" y="4730750"/>
+              <a:ext cx="519113" cy="1209675"/>
+            </a:xfrm>
+            <a:custGeom>
+              <a:avLst/>
+              <a:gdLst/>
+              <a:ahLst/>
+              <a:cxnLst/>
+              <a:rect l="0" t="0" r="r" b="b"/>
+              <a:pathLst>
+                <a:path w="132" h="308">
+                  <a:moveTo>
+                    <a:pt x="8" y="22"/>
+                  </a:moveTo>
+                  <a:cubicBezTo>
+                    <a:pt x="5" y="15"/>
+                    <a:pt x="2" y="8"/>
+                    <a:pt x="0" y="0"/>
+                  </a:cubicBezTo>
+                  <a:cubicBezTo>
+                    <a:pt x="0" y="10"/>
+                    <a:pt x="0" y="19"/>
+                    <a:pt x="0" y="29"/>
+                  </a:cubicBezTo>
+                  <a:cubicBezTo>
+                    <a:pt x="21" y="85"/>
+                    <a:pt x="44" y="140"/>
+                    <a:pt x="68" y="194"/>
+                  </a:cubicBezTo>
+                  <a:cubicBezTo>
+                    <a:pt x="85" y="232"/>
+                    <a:pt x="104" y="270"/>
+                    <a:pt x="123" y="308"/>
+                  </a:cubicBezTo>
+                  <a:cubicBezTo>
+                    <a:pt x="132" y="308"/>
+                    <a:pt x="132" y="308"/>
+                    <a:pt x="132" y="308"/>
+                  </a:cubicBezTo>
+                  <a:cubicBezTo>
+                    <a:pt x="113" y="269"/>
+                    <a:pt x="94" y="230"/>
+                    <a:pt x="77" y="190"/>
+                  </a:cubicBezTo>
+                  <a:cubicBezTo>
+                    <a:pt x="52" y="135"/>
+                    <a:pt x="29" y="79"/>
+                    <a:pt x="8" y="22"/>
+                  </a:cubicBezTo>
+                  <a:close/>
+                </a:path>
+              </a:pathLst>
+            </a:custGeom>
+            <a:solidFill>
+              <a:schemeClr val="tx2">
+                <a:alpha val="20000"/>
+              </a:schemeClr>
+            </a:solidFill>
+            <a:ln>
+              <a:noFill/>
+            </a:ln>
+          </p:spPr>
+        </p:sp>
+        <p:sp>
+          <p:nvSpPr>
+            <p:cNvPr id="56" name="Freeform 14">
+              <a:extLst>
+                <a:ext uri="{FF2B5EF4-FFF2-40B4-BE49-F238E27FC236}">
+                  <a16:creationId xmlns:a16="http://schemas.microsoft.com/office/drawing/2014/main" id="{E008B167-7073-455A-9573-FBDDF23F7C52}"/>
+                </a:ext>
+                <a:ext uri="{C183D7F6-B498-43B3-948B-1728B52AA6E4}">
+                  <adec:decorative xmlns:adec="http://schemas.microsoft.com/office/drawing/2017/decorative" val="1"/>
+                </a:ext>
+              </a:extLst>
+            </p:cNvPr>
+            <p:cNvSpPr/>
+            <p:nvPr>
+              <p:extLst>
+                <p:ext uri="{386F3935-93C4-4BCD-93E2-E3B085C9AB24}">
+                  <p16:designElem xmlns:p16="http://schemas.microsoft.com/office/powerpoint/2015/main" val="1"/>
+                </p:ext>
+              </p:extLst>
+            </p:nvPr>
+          </p:nvSpPr>
+          <p:spPr bwMode="auto">
+            <a:xfrm>
+              <a:off x="3305176" y="5630863"/>
+              <a:ext cx="146050" cy="309563"/>
+            </a:xfrm>
+            <a:custGeom>
+              <a:avLst/>
+              <a:gdLst/>
+              <a:ahLst/>
+              <a:cxnLst/>
+              <a:rect l="0" t="0" r="r" b="b"/>
+              <a:pathLst>
+                <a:path w="37" h="79">
+                  <a:moveTo>
+                    <a:pt x="28" y="79"/>
+                  </a:moveTo>
+                  <a:cubicBezTo>
+                    <a:pt x="37" y="79"/>
+                    <a:pt x="37" y="79"/>
+                    <a:pt x="37" y="79"/>
+                  </a:cubicBezTo>
+                  <a:cubicBezTo>
+                    <a:pt x="24" y="53"/>
+                    <a:pt x="12" y="27"/>
+                    <a:pt x="0" y="0"/>
+                  </a:cubicBezTo>
+                  <a:cubicBezTo>
+                    <a:pt x="8" y="27"/>
+                    <a:pt x="17" y="53"/>
+                    <a:pt x="28" y="79"/>
+                  </a:cubicBezTo>
+                  <a:close/>
+                </a:path>
+              </a:pathLst>
+            </a:custGeom>
+            <a:solidFill>
+              <a:schemeClr val="tx2">
+                <a:alpha val="20000"/>
+              </a:schemeClr>
+            </a:solidFill>
+            <a:ln>
+              <a:noFill/>
+            </a:ln>
+          </p:spPr>
+        </p:sp>
+        <p:sp>
+          <p:nvSpPr>
+            <p:cNvPr id="57" name="Freeform 15">
+              <a:extLst>
+                <a:ext uri="{FF2B5EF4-FFF2-40B4-BE49-F238E27FC236}">
+                  <a16:creationId xmlns:a16="http://schemas.microsoft.com/office/drawing/2014/main" id="{9FC9F31E-3F8D-4B62-87C7-BBBD035E4075}"/>
+                </a:ext>
+                <a:ext uri="{C183D7F6-B498-43B3-948B-1728B52AA6E4}">
+                  <adec:decorative xmlns:adec="http://schemas.microsoft.com/office/drawing/2017/decorative" val="1"/>
+                </a:ext>
+              </a:extLst>
+            </p:cNvPr>
+            <p:cNvSpPr/>
+            <p:nvPr>
+              <p:extLst>
+                <p:ext uri="{386F3935-93C4-4BCD-93E2-E3B085C9AB24}">
+                  <p16:designElem xmlns:p16="http://schemas.microsoft.com/office/powerpoint/2015/main" val="1"/>
+                </p:ext>
+              </p:extLst>
+            </p:nvPr>
+          </p:nvSpPr>
+          <p:spPr bwMode="auto">
+            <a:xfrm>
+              <a:off x="2573338" y="2817813"/>
+              <a:ext cx="700088" cy="2835275"/>
+            </a:xfrm>
+            <a:custGeom>
+              <a:avLst/>
+              <a:gdLst/>
+              <a:ahLst/>
+              <a:cxnLst/>
+              <a:rect l="0" t="0" r="r" b="b"/>
+              <a:pathLst>
+                <a:path w="178" h="722">
+                  <a:moveTo>
+                    <a:pt x="162" y="660"/>
+                  </a:moveTo>
+                  <a:cubicBezTo>
+                    <a:pt x="145" y="618"/>
+                    <a:pt x="130" y="576"/>
+                    <a:pt x="116" y="534"/>
+                  </a:cubicBezTo>
+                  <a:cubicBezTo>
+                    <a:pt x="84" y="437"/>
+                    <a:pt x="59" y="337"/>
+                    <a:pt x="40" y="236"/>
+                  </a:cubicBezTo>
+                  <a:cubicBezTo>
+                    <a:pt x="29" y="175"/>
+                    <a:pt x="20" y="113"/>
+                    <a:pt x="12" y="51"/>
+                  </a:cubicBezTo>
+                  <a:cubicBezTo>
+                    <a:pt x="8" y="34"/>
+                    <a:pt x="4" y="17"/>
+                    <a:pt x="0" y="0"/>
+                  </a:cubicBezTo>
+                  <a:cubicBezTo>
+                    <a:pt x="8" y="79"/>
+                    <a:pt x="19" y="159"/>
+                    <a:pt x="33" y="237"/>
+                  </a:cubicBezTo>
+                  <a:cubicBezTo>
+                    <a:pt x="51" y="339"/>
+                    <a:pt x="76" y="439"/>
+                    <a:pt x="107" y="537"/>
+                  </a:cubicBezTo>
+                  <a:cubicBezTo>
+                    <a:pt x="123" y="586"/>
+                    <a:pt x="141" y="634"/>
+                    <a:pt x="160" y="681"/>
+                  </a:cubicBezTo>
+                  <a:cubicBezTo>
+                    <a:pt x="166" y="695"/>
+                    <a:pt x="172" y="708"/>
+                    <a:pt x="178" y="722"/>
+                  </a:cubicBezTo>
+                  <a:cubicBezTo>
+                    <a:pt x="176" y="717"/>
+                    <a:pt x="175" y="713"/>
+                    <a:pt x="174" y="708"/>
+                  </a:cubicBezTo>
+                  <a:cubicBezTo>
+                    <a:pt x="169" y="692"/>
+                    <a:pt x="165" y="676"/>
+                    <a:pt x="162" y="660"/>
+                  </a:cubicBezTo>
+                  <a:close/>
+                </a:path>
+              </a:pathLst>
+            </a:custGeom>
+            <a:solidFill>
+              <a:schemeClr val="tx2">
+                <a:alpha val="20000"/>
+              </a:schemeClr>
+            </a:solidFill>
+            <a:ln>
+              <a:noFill/>
+            </a:ln>
+          </p:spPr>
+        </p:sp>
+        <p:sp>
+          <p:nvSpPr>
+            <p:cNvPr id="58" name="Freeform 16">
+              <a:extLst>
+                <a:ext uri="{FF2B5EF4-FFF2-40B4-BE49-F238E27FC236}">
+                  <a16:creationId xmlns:a16="http://schemas.microsoft.com/office/drawing/2014/main" id="{84F10612-C7D6-428E-9148-D931DFB237AD}"/>
+                </a:ext>
+                <a:ext uri="{C183D7F6-B498-43B3-948B-1728B52AA6E4}">
+                  <adec:decorative xmlns:adec="http://schemas.microsoft.com/office/drawing/2017/decorative" val="1"/>
+                </a:ext>
+              </a:extLst>
+            </p:cNvPr>
+            <p:cNvSpPr/>
+            <p:nvPr>
+              <p:extLst>
+                <p:ext uri="{386F3935-93C4-4BCD-93E2-E3B085C9AB24}">
+                  <p16:designElem xmlns:p16="http://schemas.microsoft.com/office/powerpoint/2015/main" val="1"/>
+                </p:ext>
+              </p:extLst>
+            </p:nvPr>
+          </p:nvSpPr>
+          <p:spPr bwMode="auto">
+            <a:xfrm>
+              <a:off x="2506663" y="285750"/>
+              <a:ext cx="90488" cy="2493963"/>
+            </a:xfrm>
+            <a:custGeom>
+              <a:avLst/>
+              <a:gdLst/>
+              <a:ahLst/>
+              <a:cxnLst/>
+              <a:rect l="0" t="0" r="r" b="b"/>
+              <a:pathLst>
+                <a:path w="23" h="635">
+                  <a:moveTo>
+                    <a:pt x="11" y="577"/>
+                  </a:moveTo>
+                  <a:cubicBezTo>
+                    <a:pt x="12" y="581"/>
+                    <a:pt x="12" y="585"/>
+                    <a:pt x="12" y="589"/>
+                  </a:cubicBezTo>
+                  <a:cubicBezTo>
+                    <a:pt x="15" y="603"/>
+                    <a:pt x="19" y="617"/>
+                    <a:pt x="22" y="632"/>
+                  </a:cubicBezTo>
+                  <a:cubicBezTo>
+                    <a:pt x="22" y="633"/>
+                    <a:pt x="22" y="634"/>
+                    <a:pt x="23" y="635"/>
+                  </a:cubicBezTo>
+                  <a:cubicBezTo>
+                    <a:pt x="21" y="615"/>
+                    <a:pt x="19" y="596"/>
+                    <a:pt x="17" y="576"/>
+                  </a:cubicBezTo>
+                  <a:cubicBezTo>
+                    <a:pt x="9" y="474"/>
+                    <a:pt x="5" y="372"/>
+                    <a:pt x="5" y="269"/>
+                  </a:cubicBezTo>
+                  <a:cubicBezTo>
+                    <a:pt x="6" y="179"/>
+                    <a:pt x="9" y="90"/>
+                    <a:pt x="15" y="0"/>
+                  </a:cubicBezTo>
+                  <a:cubicBezTo>
+                    <a:pt x="12" y="0"/>
+                    <a:pt x="12" y="0"/>
+                    <a:pt x="12" y="0"/>
+                  </a:cubicBezTo>
+                  <a:cubicBezTo>
+                    <a:pt x="5" y="89"/>
+                    <a:pt x="2" y="179"/>
+                    <a:pt x="1" y="269"/>
+                  </a:cubicBezTo>
+                  <a:cubicBezTo>
+                    <a:pt x="0" y="372"/>
+                    <a:pt x="3" y="474"/>
+                    <a:pt x="11" y="577"/>
+                  </a:cubicBezTo>
+                  <a:close/>
+                </a:path>
+              </a:pathLst>
+            </a:custGeom>
+            <a:solidFill>
+              <a:schemeClr val="tx2">
+                <a:alpha val="20000"/>
+              </a:schemeClr>
+            </a:solidFill>
+            <a:ln>
+              <a:noFill/>
+            </a:ln>
+          </p:spPr>
+        </p:sp>
+        <p:sp>
+          <p:nvSpPr>
+            <p:cNvPr id="59" name="Freeform 17">
+              <a:extLst>
+                <a:ext uri="{FF2B5EF4-FFF2-40B4-BE49-F238E27FC236}">
+                  <a16:creationId xmlns:a16="http://schemas.microsoft.com/office/drawing/2014/main" id="{043D6C36-269F-44CF-B0F2-349C664548A8}"/>
+                </a:ext>
+                <a:ext uri="{C183D7F6-B498-43B3-948B-1728B52AA6E4}">
+                  <adec:decorative xmlns:adec="http://schemas.microsoft.com/office/drawing/2017/decorative" val="1"/>
+                </a:ext>
+              </a:extLst>
+            </p:cNvPr>
+            <p:cNvSpPr/>
+            <p:nvPr>
+              <p:extLst>
+                <p:ext uri="{386F3935-93C4-4BCD-93E2-E3B085C9AB24}">
+                  <p16:designElem xmlns:p16="http://schemas.microsoft.com/office/powerpoint/2015/main" val="1"/>
+                </p:ext>
+              </p:extLst>
+            </p:nvPr>
+          </p:nvSpPr>
+          <p:spPr bwMode="auto">
+            <a:xfrm>
+              <a:off x="2554288" y="2598738"/>
+              <a:ext cx="66675" cy="420688"/>
+            </a:xfrm>
+            <a:custGeom>
+              <a:avLst/>
+              <a:gdLst/>
+              <a:ahLst/>
+              <a:cxnLst/>
+              <a:rect l="0" t="0" r="r" b="b"/>
+              <a:pathLst>
+                <a:path w="17" h="107">
+                  <a:moveTo>
+                    <a:pt x="0" y="0"/>
+                  </a:moveTo>
+                  <a:cubicBezTo>
+                    <a:pt x="2" y="19"/>
+                    <a:pt x="3" y="37"/>
+                    <a:pt x="5" y="56"/>
+                  </a:cubicBezTo>
+                  <a:cubicBezTo>
+                    <a:pt x="9" y="73"/>
+                    <a:pt x="13" y="90"/>
+                    <a:pt x="17" y="107"/>
+                  </a:cubicBezTo>
+                  <a:cubicBezTo>
+                    <a:pt x="15" y="87"/>
+                    <a:pt x="13" y="66"/>
+                    <a:pt x="11" y="46"/>
+                  </a:cubicBezTo>
+                  <a:cubicBezTo>
+                    <a:pt x="10" y="45"/>
+                    <a:pt x="10" y="44"/>
+                    <a:pt x="10" y="43"/>
+                  </a:cubicBezTo>
+                  <a:cubicBezTo>
+                    <a:pt x="7" y="28"/>
+                    <a:pt x="3" y="14"/>
+                    <a:pt x="0" y="0"/>
+                  </a:cubicBezTo>
+                  <a:close/>
+                </a:path>
+              </a:pathLst>
+            </a:custGeom>
+            <a:solidFill>
+              <a:schemeClr val="tx2">
+                <a:alpha val="20000"/>
+              </a:schemeClr>
+            </a:solidFill>
+            <a:ln>
+              <a:noFill/>
+            </a:ln>
+          </p:spPr>
+        </p:sp>
+        <p:sp>
+          <p:nvSpPr>
+            <p:cNvPr id="60" name="Freeform 18">
+              <a:extLst>
+                <a:ext uri="{FF2B5EF4-FFF2-40B4-BE49-F238E27FC236}">
+                  <a16:creationId xmlns:a16="http://schemas.microsoft.com/office/drawing/2014/main" id="{6C168F67-740E-466B-8BDA-26A6F2B7FE98}"/>
+                </a:ext>
+                <a:ext uri="{C183D7F6-B498-43B3-948B-1728B52AA6E4}">
+                  <adec:decorative xmlns:adec="http://schemas.microsoft.com/office/drawing/2017/decorative" val="1"/>
+                </a:ext>
+              </a:extLst>
+            </p:cNvPr>
+            <p:cNvSpPr/>
+            <p:nvPr>
+              <p:extLst>
+                <p:ext uri="{386F3935-93C4-4BCD-93E2-E3B085C9AB24}">
+                  <p16:designElem xmlns:p16="http://schemas.microsoft.com/office/powerpoint/2015/main" val="1"/>
+                </p:ext>
+              </p:extLst>
+            </p:nvPr>
+          </p:nvSpPr>
+          <p:spPr bwMode="auto">
+            <a:xfrm>
+              <a:off x="3143251" y="4757738"/>
+              <a:ext cx="161925" cy="873125"/>
+            </a:xfrm>
+            <a:custGeom>
+              <a:avLst/>
+              <a:gdLst/>
+              <a:ahLst/>
+              <a:cxnLst/>
+              <a:rect l="0" t="0" r="r" b="b"/>
+              <a:pathLst>
+                <a:path w="41" h="222">
+                  <a:moveTo>
+                    <a:pt x="0" y="0"/>
+                  </a:moveTo>
+                  <a:cubicBezTo>
+                    <a:pt x="0" y="31"/>
+                    <a:pt x="2" y="62"/>
+                    <a:pt x="5" y="93"/>
+                  </a:cubicBezTo>
+                  <a:cubicBezTo>
+                    <a:pt x="8" y="117"/>
+                    <a:pt x="12" y="142"/>
+                    <a:pt x="17" y="166"/>
+                  </a:cubicBezTo>
+                  <a:cubicBezTo>
+                    <a:pt x="19" y="172"/>
+                    <a:pt x="22" y="178"/>
+                    <a:pt x="24" y="184"/>
+                  </a:cubicBezTo>
+                  <a:cubicBezTo>
+                    <a:pt x="30" y="197"/>
+                    <a:pt x="35" y="209"/>
+                    <a:pt x="41" y="222"/>
+                  </a:cubicBezTo>
+                  <a:cubicBezTo>
+                    <a:pt x="40" y="219"/>
+                    <a:pt x="39" y="215"/>
+                    <a:pt x="38" y="212"/>
+                  </a:cubicBezTo>
+                  <a:cubicBezTo>
+                    <a:pt x="26" y="172"/>
+                    <a:pt x="18" y="132"/>
+                    <a:pt x="13" y="92"/>
+                  </a:cubicBezTo>
+                  <a:cubicBezTo>
+                    <a:pt x="11" y="68"/>
+                    <a:pt x="9" y="45"/>
+                    <a:pt x="8" y="22"/>
+                  </a:cubicBezTo>
+                  <a:cubicBezTo>
+                    <a:pt x="8" y="21"/>
+                    <a:pt x="7" y="20"/>
+                    <a:pt x="7" y="18"/>
+                  </a:cubicBezTo>
+                  <a:cubicBezTo>
+                    <a:pt x="5" y="12"/>
+                    <a:pt x="2" y="6"/>
+                    <a:pt x="0" y="0"/>
+                  </a:cubicBezTo>
+                  <a:close/>
+                </a:path>
+              </a:pathLst>
+            </a:custGeom>
+            <a:solidFill>
+              <a:schemeClr val="tx2">
+                <a:alpha val="20000"/>
+              </a:schemeClr>
+            </a:solidFill>
+            <a:ln>
+              <a:noFill/>
+            </a:ln>
+          </p:spPr>
+        </p:sp>
+        <p:sp>
+          <p:nvSpPr>
+            <p:cNvPr id="61" name="Freeform 19">
+              <a:extLst>
+                <a:ext uri="{FF2B5EF4-FFF2-40B4-BE49-F238E27FC236}">
+                  <a16:creationId xmlns:a16="http://schemas.microsoft.com/office/drawing/2014/main" id="{CF2E0909-CFBD-4E94-BEEA-9B6DF1DFBFFC}"/>
+                </a:ext>
+                <a:ext uri="{C183D7F6-B498-43B3-948B-1728B52AA6E4}">
+                  <adec:decorative xmlns:adec="http://schemas.microsoft.com/office/drawing/2017/decorative" val="1"/>
+                </a:ext>
+              </a:extLst>
+            </p:cNvPr>
+            <p:cNvSpPr/>
+            <p:nvPr>
+              <p:extLst>
+                <p:ext uri="{386F3935-93C4-4BCD-93E2-E3B085C9AB24}">
+                  <p16:designElem xmlns:p16="http://schemas.microsoft.com/office/powerpoint/2015/main" val="1"/>
+                </p:ext>
+              </p:extLst>
+            </p:nvPr>
+          </p:nvSpPr>
+          <p:spPr bwMode="auto">
+            <a:xfrm>
+              <a:off x="3148013" y="1282700"/>
+              <a:ext cx="1768475" cy="3448050"/>
+            </a:xfrm>
+            <a:custGeom>
+              <a:avLst/>
+              <a:gdLst/>
+              <a:ahLst/>
+              <a:cxnLst/>
+              <a:rect l="0" t="0" r="r" b="b"/>
+              <a:pathLst>
+                <a:path w="450" h="878">
+                  <a:moveTo>
+                    <a:pt x="7" y="854"/>
+                  </a:moveTo>
+                  <a:cubicBezTo>
+                    <a:pt x="10" y="772"/>
+                    <a:pt x="26" y="691"/>
+                    <a:pt x="50" y="613"/>
+                  </a:cubicBezTo>
+                  <a:cubicBezTo>
+                    <a:pt x="75" y="535"/>
+                    <a:pt x="109" y="460"/>
+                    <a:pt x="149" y="388"/>
+                  </a:cubicBezTo>
+                  <a:cubicBezTo>
+                    <a:pt x="189" y="316"/>
+                    <a:pt x="235" y="248"/>
+                    <a:pt x="285" y="183"/>
+                  </a:cubicBezTo>
+                  <a:cubicBezTo>
+                    <a:pt x="310" y="151"/>
+                    <a:pt x="337" y="119"/>
+                    <a:pt x="364" y="89"/>
+                  </a:cubicBezTo>
+                  <a:cubicBezTo>
+                    <a:pt x="378" y="74"/>
+                    <a:pt x="392" y="58"/>
+                    <a:pt x="406" y="44"/>
+                  </a:cubicBezTo>
+                  <a:cubicBezTo>
+                    <a:pt x="421" y="29"/>
+                    <a:pt x="435" y="15"/>
+                    <a:pt x="450" y="1"/>
+                  </a:cubicBezTo>
+                  <a:cubicBezTo>
+                    <a:pt x="450" y="0"/>
+                    <a:pt x="450" y="0"/>
+                    <a:pt x="450" y="0"/>
+                  </a:cubicBezTo>
+                  <a:cubicBezTo>
+                    <a:pt x="434" y="14"/>
+                    <a:pt x="420" y="28"/>
+                    <a:pt x="405" y="43"/>
+                  </a:cubicBezTo>
+                  <a:cubicBezTo>
+                    <a:pt x="391" y="57"/>
+                    <a:pt x="377" y="72"/>
+                    <a:pt x="363" y="88"/>
+                  </a:cubicBezTo>
+                  <a:cubicBezTo>
+                    <a:pt x="335" y="118"/>
+                    <a:pt x="308" y="149"/>
+                    <a:pt x="283" y="181"/>
+                  </a:cubicBezTo>
+                  <a:cubicBezTo>
+                    <a:pt x="232" y="246"/>
+                    <a:pt x="185" y="314"/>
+                    <a:pt x="145" y="386"/>
+                  </a:cubicBezTo>
+                  <a:cubicBezTo>
+                    <a:pt x="104" y="457"/>
+                    <a:pt x="70" y="533"/>
+                    <a:pt x="45" y="611"/>
+                  </a:cubicBezTo>
+                  <a:cubicBezTo>
+                    <a:pt x="19" y="690"/>
+                    <a:pt x="3" y="771"/>
+                    <a:pt x="0" y="854"/>
+                  </a:cubicBezTo>
+                  <a:cubicBezTo>
+                    <a:pt x="0" y="856"/>
+                    <a:pt x="0" y="857"/>
+                    <a:pt x="0" y="859"/>
+                  </a:cubicBezTo>
+                  <a:cubicBezTo>
+                    <a:pt x="2" y="865"/>
+                    <a:pt x="4" y="872"/>
+                    <a:pt x="7" y="878"/>
+                  </a:cubicBezTo>
+                  <a:cubicBezTo>
+                    <a:pt x="7" y="870"/>
+                    <a:pt x="7" y="862"/>
+                    <a:pt x="7" y="854"/>
+                  </a:cubicBezTo>
+                  <a:close/>
+                </a:path>
+              </a:pathLst>
+            </a:custGeom>
+            <a:solidFill>
+              <a:schemeClr val="tx2">
+                <a:alpha val="20000"/>
+              </a:schemeClr>
+            </a:solidFill>
+            <a:ln>
+              <a:noFill/>
+            </a:ln>
+          </p:spPr>
+        </p:sp>
+        <p:sp>
+          <p:nvSpPr>
+            <p:cNvPr id="62" name="Freeform 20">
+              <a:extLst>
+                <a:ext uri="{FF2B5EF4-FFF2-40B4-BE49-F238E27FC236}">
+                  <a16:creationId xmlns:a16="http://schemas.microsoft.com/office/drawing/2014/main" id="{5B8BB545-FACB-4642-8938-14D8CD792020}"/>
+                </a:ext>
+                <a:ext uri="{C183D7F6-B498-43B3-948B-1728B52AA6E4}">
+                  <adec:decorative xmlns:adec="http://schemas.microsoft.com/office/drawing/2017/decorative" val="1"/>
+                </a:ext>
+              </a:extLst>
+            </p:cNvPr>
+            <p:cNvSpPr/>
+            <p:nvPr>
+              <p:extLst>
+                <p:ext uri="{386F3935-93C4-4BCD-93E2-E3B085C9AB24}">
+                  <p16:designElem xmlns:p16="http://schemas.microsoft.com/office/powerpoint/2015/main" val="1"/>
+                </p:ext>
+              </p:extLst>
+            </p:nvPr>
+          </p:nvSpPr>
+          <p:spPr bwMode="auto">
+            <a:xfrm>
+              <a:off x="3273426" y="5653088"/>
+              <a:ext cx="138113" cy="287338"/>
+            </a:xfrm>
+            <a:custGeom>
+              <a:avLst/>
+              <a:gdLst/>
+              <a:ahLst/>
+              <a:cxnLst/>
+              <a:rect l="0" t="0" r="r" b="b"/>
+              <a:pathLst>
+                <a:path w="35" h="73">
+                  <a:moveTo>
+                    <a:pt x="0" y="0"/>
+                  </a:moveTo>
+                  <a:cubicBezTo>
+                    <a:pt x="7" y="24"/>
+                    <a:pt x="16" y="49"/>
+                    <a:pt x="26" y="73"/>
+                  </a:cubicBezTo>
+                  <a:cubicBezTo>
+                    <a:pt x="35" y="73"/>
+                    <a:pt x="35" y="73"/>
+                    <a:pt x="35" y="73"/>
+                  </a:cubicBezTo>
+                  <a:cubicBezTo>
+                    <a:pt x="23" y="49"/>
+                    <a:pt x="11" y="24"/>
+                    <a:pt x="0" y="0"/>
+                  </a:cubicBezTo>
+                  <a:close/>
+                </a:path>
+              </a:pathLst>
+            </a:custGeom>
+            <a:solidFill>
+              <a:schemeClr val="tx2">
+                <a:alpha val="20000"/>
+              </a:schemeClr>
+            </a:solidFill>
+            <a:ln>
+              <a:noFill/>
+            </a:ln>
+          </p:spPr>
+        </p:sp>
+        <p:sp>
+          <p:nvSpPr>
+            <p:cNvPr id="63" name="Freeform 21">
+              <a:extLst>
+                <a:ext uri="{FF2B5EF4-FFF2-40B4-BE49-F238E27FC236}">
+                  <a16:creationId xmlns:a16="http://schemas.microsoft.com/office/drawing/2014/main" id="{E36904FB-4D24-4290-AD83-449182E6D037}"/>
+                </a:ext>
+                <a:ext uri="{C183D7F6-B498-43B3-948B-1728B52AA6E4}">
+                  <adec:decorative xmlns:adec="http://schemas.microsoft.com/office/drawing/2017/decorative" val="1"/>
+                </a:ext>
+              </a:extLst>
+            </p:cNvPr>
+            <p:cNvSpPr/>
+            <p:nvPr>
+              <p:extLst>
+                <p:ext uri="{386F3935-93C4-4BCD-93E2-E3B085C9AB24}">
+                  <p16:designElem xmlns:p16="http://schemas.microsoft.com/office/powerpoint/2015/main" val="1"/>
+                </p:ext>
+              </p:extLst>
+            </p:nvPr>
+          </p:nvSpPr>
+          <p:spPr bwMode="auto">
+            <a:xfrm>
+              <a:off x="3143251" y="4656138"/>
+              <a:ext cx="31750" cy="188913"/>
+            </a:xfrm>
+            <a:custGeom>
+              <a:avLst/>
+              <a:gdLst/>
+              <a:ahLst/>
+              <a:cxnLst/>
+              <a:rect l="0" t="0" r="r" b="b"/>
+              <a:pathLst>
+                <a:path w="8" h="48">
+                  <a:moveTo>
+                    <a:pt x="7" y="44"/>
+                  </a:moveTo>
+                  <a:cubicBezTo>
+                    <a:pt x="7" y="46"/>
+                    <a:pt x="8" y="47"/>
+                    <a:pt x="8" y="48"/>
+                  </a:cubicBezTo>
+                  <a:cubicBezTo>
+                    <a:pt x="8" y="38"/>
+                    <a:pt x="8" y="29"/>
+                    <a:pt x="8" y="19"/>
+                  </a:cubicBezTo>
+                  <a:cubicBezTo>
+                    <a:pt x="5" y="13"/>
+                    <a:pt x="3" y="6"/>
+                    <a:pt x="1" y="0"/>
+                  </a:cubicBezTo>
+                  <a:cubicBezTo>
+                    <a:pt x="0" y="9"/>
+                    <a:pt x="0" y="17"/>
+                    <a:pt x="0" y="26"/>
+                  </a:cubicBezTo>
+                  <a:cubicBezTo>
+                    <a:pt x="2" y="32"/>
+                    <a:pt x="5" y="38"/>
+                    <a:pt x="7" y="44"/>
+                  </a:cubicBezTo>
+                  <a:close/>
+                </a:path>
+              </a:pathLst>
+            </a:custGeom>
+            <a:solidFill>
+              <a:schemeClr val="tx2">
+                <a:alpha val="20000"/>
+              </a:schemeClr>
+            </a:solidFill>
+            <a:ln>
+              <a:noFill/>
+            </a:ln>
+          </p:spPr>
+        </p:sp>
+        <p:sp>
+          <p:nvSpPr>
+            <p:cNvPr id="64" name="Freeform 22">
+              <a:extLst>
+                <a:ext uri="{FF2B5EF4-FFF2-40B4-BE49-F238E27FC236}">
+                  <a16:creationId xmlns:a16="http://schemas.microsoft.com/office/drawing/2014/main" id="{F68AFD49-42C0-402C-8593-37AC0754F02C}"/>
+                </a:ext>
+                <a:ext uri="{C183D7F6-B498-43B3-948B-1728B52AA6E4}">
+                  <adec:decorative xmlns:adec="http://schemas.microsoft.com/office/drawing/2017/decorative" val="1"/>
+                </a:ext>
+              </a:extLst>
+            </p:cNvPr>
+            <p:cNvSpPr/>
+            <p:nvPr>
+              <p:extLst>
+                <p:ext uri="{386F3935-93C4-4BCD-93E2-E3B085C9AB24}">
+                  <p16:designElem xmlns:p16="http://schemas.microsoft.com/office/powerpoint/2015/main" val="1"/>
+                </p:ext>
+              </p:extLst>
+            </p:nvPr>
+          </p:nvSpPr>
+          <p:spPr bwMode="auto">
+            <a:xfrm>
+              <a:off x="3211513" y="5410200"/>
+              <a:ext cx="203200" cy="530225"/>
+            </a:xfrm>
+            <a:custGeom>
+              <a:avLst/>
+              <a:gdLst/>
+              <a:ahLst/>
+              <a:cxnLst/>
+              <a:rect l="0" t="0" r="r" b="b"/>
+              <a:pathLst>
+                <a:path w="52" h="135">
+                  <a:moveTo>
+                    <a:pt x="7" y="18"/>
+                  </a:moveTo>
+                  <a:cubicBezTo>
+                    <a:pt x="5" y="12"/>
+                    <a:pt x="2" y="6"/>
+                    <a:pt x="0" y="0"/>
+                  </a:cubicBezTo>
+                  <a:cubicBezTo>
+                    <a:pt x="3" y="16"/>
+                    <a:pt x="7" y="32"/>
+                    <a:pt x="12" y="48"/>
+                  </a:cubicBezTo>
+                  <a:cubicBezTo>
+                    <a:pt x="13" y="53"/>
+                    <a:pt x="14" y="57"/>
+                    <a:pt x="16" y="62"/>
+                  </a:cubicBezTo>
+                  <a:cubicBezTo>
+                    <a:pt x="27" y="86"/>
+                    <a:pt x="39" y="111"/>
+                    <a:pt x="51" y="135"/>
+                  </a:cubicBezTo>
+                  <a:cubicBezTo>
+                    <a:pt x="52" y="135"/>
+                    <a:pt x="52" y="135"/>
+                    <a:pt x="52" y="135"/>
+                  </a:cubicBezTo>
+                  <a:cubicBezTo>
+                    <a:pt x="41" y="109"/>
+                    <a:pt x="32" y="83"/>
+                    <a:pt x="24" y="56"/>
+                  </a:cubicBezTo>
+                  <a:cubicBezTo>
+                    <a:pt x="18" y="43"/>
+                    <a:pt x="13" y="31"/>
+                    <a:pt x="7" y="18"/>
+                  </a:cubicBezTo>
+                  <a:close/>
+                </a:path>
+              </a:pathLst>
+            </a:custGeom>
+            <a:solidFill>
+              <a:schemeClr val="tx2">
+                <a:alpha val="20000"/>
+              </a:schemeClr>
+            </a:solidFill>
+            <a:ln>
+              <a:noFill/>
+            </a:ln>
+          </p:spPr>
+        </p:sp>
+      </p:grpSp>
+      <p:grpSp>
+        <p:nvGrpSpPr>
+          <p:cNvPr id="66" name="Group 65">
+            <a:extLst>
+              <a:ext uri="{FF2B5EF4-FFF2-40B4-BE49-F238E27FC236}">
+                <a16:creationId xmlns:a16="http://schemas.microsoft.com/office/drawing/2014/main" id="{08C1A257-22D4-41EF-AF6A-CF2D5A1DCD03}"/>
+              </a:ext>
+              <a:ext uri="{C183D7F6-B498-43B3-948B-1728B52AA6E4}">
+                <adec:decorative xmlns:adec="http://schemas.microsoft.com/office/drawing/2017/decorative" val="1"/>
+              </a:ext>
+            </a:extLst>
+          </p:cNvPr>
+          <p:cNvGrpSpPr>
+            <a:grpSpLocks noGrp="1" noUngrp="1" noRot="1" noChangeAspect="1" noMove="1" noResize="1"/>
+          </p:cNvGrpSpPr>
+          <p:nvPr>
+            <p:extLst>
+              <p:ext uri="{386F3935-93C4-4BCD-93E2-E3B085C9AB24}">
+                <p16:designElem xmlns:p16="http://schemas.microsoft.com/office/powerpoint/2015/main" val="1"/>
+              </p:ext>
+            </p:extLst>
+          </p:nvPr>
+        </p:nvGrpSpPr>
+        <p:grpSpPr>
+          <a:xfrm>
+            <a:off x="4677117" y="-786"/>
+            <a:ext cx="2356675" cy="6854040"/>
+            <a:chOff x="6627813" y="194833"/>
+            <a:chExt cx="1952625" cy="5678918"/>
+          </a:xfrm>
+        </p:grpSpPr>
+        <p:sp>
+          <p:nvSpPr>
+            <p:cNvPr id="67" name="Freeform 27">
+              <a:extLst>
+                <a:ext uri="{FF2B5EF4-FFF2-40B4-BE49-F238E27FC236}">
+                  <a16:creationId xmlns:a16="http://schemas.microsoft.com/office/drawing/2014/main" id="{95A189A6-9285-450E-9B7E-80B2D590B169}"/>
+                </a:ext>
+                <a:ext uri="{C183D7F6-B498-43B3-948B-1728B52AA6E4}">
+                  <adec:decorative xmlns:adec="http://schemas.microsoft.com/office/drawing/2017/decorative" val="1"/>
+                </a:ext>
+              </a:extLst>
+            </p:cNvPr>
+            <p:cNvSpPr/>
+            <p:nvPr>
+              <p:extLst>
+                <p:ext uri="{386F3935-93C4-4BCD-93E2-E3B085C9AB24}">
+                  <p16:designElem xmlns:p16="http://schemas.microsoft.com/office/powerpoint/2015/main" val="1"/>
+                </p:ext>
+              </p:extLst>
+            </p:nvPr>
+          </p:nvSpPr>
+          <p:spPr bwMode="auto">
+            <a:xfrm>
+              <a:off x="6627813" y="194833"/>
+              <a:ext cx="409575" cy="3646488"/>
+            </a:xfrm>
+            <a:custGeom>
+              <a:avLst/>
+              <a:gdLst/>
+              <a:ahLst/>
+              <a:cxnLst/>
+              <a:rect l="0" t="0" r="r" b="b"/>
+              <a:pathLst>
+                <a:path w="103" h="920">
+                  <a:moveTo>
+                    <a:pt x="7" y="210"/>
+                  </a:moveTo>
+                  <a:cubicBezTo>
+                    <a:pt x="11" y="288"/>
+                    <a:pt x="17" y="367"/>
+                    <a:pt x="26" y="445"/>
+                  </a:cubicBezTo>
+                  <a:cubicBezTo>
+                    <a:pt x="34" y="523"/>
+                    <a:pt x="44" y="601"/>
+                    <a:pt x="57" y="679"/>
+                  </a:cubicBezTo>
+                  <a:cubicBezTo>
+                    <a:pt x="69" y="757"/>
+                    <a:pt x="84" y="834"/>
+                    <a:pt x="101" y="911"/>
+                  </a:cubicBezTo>
+                  <a:cubicBezTo>
+                    <a:pt x="102" y="914"/>
+                    <a:pt x="103" y="917"/>
+                    <a:pt x="103" y="920"/>
+                  </a:cubicBezTo>
+                  <a:cubicBezTo>
+                    <a:pt x="102" y="905"/>
+                    <a:pt x="100" y="889"/>
+                    <a:pt x="99" y="874"/>
+                  </a:cubicBezTo>
+                  <a:cubicBezTo>
+                    <a:pt x="99" y="871"/>
+                    <a:pt x="99" y="868"/>
+                    <a:pt x="99" y="866"/>
+                  </a:cubicBezTo>
+                  <a:cubicBezTo>
+                    <a:pt x="85" y="803"/>
+                    <a:pt x="73" y="741"/>
+                    <a:pt x="63" y="678"/>
+                  </a:cubicBezTo>
+                  <a:cubicBezTo>
+                    <a:pt x="50" y="600"/>
+                    <a:pt x="39" y="523"/>
+                    <a:pt x="30" y="444"/>
+                  </a:cubicBezTo>
+                  <a:cubicBezTo>
+                    <a:pt x="21" y="366"/>
+                    <a:pt x="14" y="288"/>
+                    <a:pt x="9" y="209"/>
+                  </a:cubicBezTo>
+                  <a:cubicBezTo>
+                    <a:pt x="7" y="170"/>
+                    <a:pt x="5" y="131"/>
+                    <a:pt x="3" y="92"/>
+                  </a:cubicBezTo>
+                  <a:cubicBezTo>
+                    <a:pt x="2" y="61"/>
+                    <a:pt x="1" y="31"/>
+                    <a:pt x="1" y="0"/>
+                  </a:cubicBezTo>
+                  <a:cubicBezTo>
+                    <a:pt x="0" y="0"/>
+                    <a:pt x="0" y="0"/>
+                    <a:pt x="0" y="0"/>
+                  </a:cubicBezTo>
+                  <a:cubicBezTo>
+                    <a:pt x="0" y="31"/>
+                    <a:pt x="1" y="61"/>
+                    <a:pt x="1" y="92"/>
+                  </a:cubicBezTo>
+                  <a:cubicBezTo>
+                    <a:pt x="3" y="131"/>
+                    <a:pt x="4" y="170"/>
+                    <a:pt x="7" y="210"/>
+                  </a:cubicBezTo>
+                  <a:close/>
+                </a:path>
+              </a:pathLst>
+            </a:custGeom>
+            <a:solidFill>
+              <a:schemeClr val="tx2"/>
+            </a:solidFill>
+            <a:ln>
+              <a:noFill/>
+            </a:ln>
+          </p:spPr>
+        </p:sp>
+        <p:sp>
+          <p:nvSpPr>
+            <p:cNvPr id="68" name="Freeform 28">
+              <a:extLst>
+                <a:ext uri="{FF2B5EF4-FFF2-40B4-BE49-F238E27FC236}">
+                  <a16:creationId xmlns:a16="http://schemas.microsoft.com/office/drawing/2014/main" id="{D59B349F-5A32-4504-9284-1BE405A5CA18}"/>
+                </a:ext>
+                <a:ext uri="{C183D7F6-B498-43B3-948B-1728B52AA6E4}">
+                  <adec:decorative xmlns:adec="http://schemas.microsoft.com/office/drawing/2017/decorative" val="1"/>
+                </a:ext>
+              </a:extLst>
+            </p:cNvPr>
+            <p:cNvSpPr/>
+            <p:nvPr>
+              <p:extLst>
+                <p:ext uri="{386F3935-93C4-4BCD-93E2-E3B085C9AB24}">
+                  <p16:designElem xmlns:p16="http://schemas.microsoft.com/office/powerpoint/2015/main" val="1"/>
+                </p:ext>
+              </p:extLst>
+            </p:nvPr>
+          </p:nvSpPr>
+          <p:spPr bwMode="auto">
+            <a:xfrm>
+              <a:off x="7061201" y="3771900"/>
+              <a:ext cx="350838" cy="1309688"/>
+            </a:xfrm>
+            <a:custGeom>
+              <a:avLst/>
+              <a:gdLst/>
+              <a:ahLst/>
+              <a:cxnLst/>
+              <a:rect l="0" t="0" r="r" b="b"/>
+              <a:pathLst>
+                <a:path w="88" h="330">
+                  <a:moveTo>
+                    <a:pt x="53" y="229"/>
+                  </a:moveTo>
+                  <a:cubicBezTo>
+                    <a:pt x="64" y="263"/>
+                    <a:pt x="75" y="297"/>
+                    <a:pt x="88" y="330"/>
+                  </a:cubicBezTo>
+                  <a:cubicBezTo>
+                    <a:pt x="88" y="323"/>
+                    <a:pt x="88" y="315"/>
+                    <a:pt x="88" y="308"/>
+                  </a:cubicBezTo>
+                  <a:cubicBezTo>
+                    <a:pt x="88" y="307"/>
+                    <a:pt x="88" y="305"/>
+                    <a:pt x="88" y="304"/>
+                  </a:cubicBezTo>
+                  <a:cubicBezTo>
+                    <a:pt x="79" y="278"/>
+                    <a:pt x="70" y="252"/>
+                    <a:pt x="62" y="226"/>
+                  </a:cubicBezTo>
+                  <a:cubicBezTo>
+                    <a:pt x="38" y="152"/>
+                    <a:pt x="17" y="76"/>
+                    <a:pt x="0" y="0"/>
+                  </a:cubicBezTo>
+                  <a:cubicBezTo>
+                    <a:pt x="2" y="21"/>
+                    <a:pt x="4" y="42"/>
+                    <a:pt x="7" y="63"/>
+                  </a:cubicBezTo>
+                  <a:cubicBezTo>
+                    <a:pt x="21" y="119"/>
+                    <a:pt x="36" y="174"/>
+                    <a:pt x="53" y="229"/>
+                  </a:cubicBezTo>
+                  <a:close/>
+                </a:path>
+              </a:pathLst>
+            </a:custGeom>
+            <a:solidFill>
+              <a:schemeClr val="tx2"/>
+            </a:solidFill>
+            <a:ln>
+              <a:noFill/>
+            </a:ln>
+          </p:spPr>
+        </p:sp>
+        <p:sp>
+          <p:nvSpPr>
+            <p:cNvPr id="69" name="Freeform 29">
+              <a:extLst>
+                <a:ext uri="{FF2B5EF4-FFF2-40B4-BE49-F238E27FC236}">
+                  <a16:creationId xmlns:a16="http://schemas.microsoft.com/office/drawing/2014/main" id="{79CEC7EC-900E-4C58-9230-308D5E4F5E85}"/>
+                </a:ext>
+                <a:ext uri="{C183D7F6-B498-43B3-948B-1728B52AA6E4}">
+                  <adec:decorative xmlns:adec="http://schemas.microsoft.com/office/drawing/2017/decorative" val="1"/>
+                </a:ext>
+              </a:extLst>
+            </p:cNvPr>
+            <p:cNvSpPr/>
+            <p:nvPr>
+              <p:extLst>
+                <p:ext uri="{386F3935-93C4-4BCD-93E2-E3B085C9AB24}">
+                  <p16:designElem xmlns:p16="http://schemas.microsoft.com/office/powerpoint/2015/main" val="1"/>
+                </p:ext>
+              </p:extLst>
+            </p:nvPr>
+          </p:nvSpPr>
+          <p:spPr bwMode="auto">
+            <a:xfrm>
+              <a:off x="7439026" y="5053013"/>
+              <a:ext cx="357188" cy="820738"/>
+            </a:xfrm>
+            <a:custGeom>
+              <a:avLst/>
+              <a:gdLst/>
+              <a:ahLst/>
+              <a:cxnLst/>
+              <a:rect l="0" t="0" r="r" b="b"/>
+              <a:pathLst>
+                <a:path w="90" h="207">
+                  <a:moveTo>
+                    <a:pt x="6" y="15"/>
+                  </a:moveTo>
+                  <a:cubicBezTo>
+                    <a:pt x="4" y="10"/>
+                    <a:pt x="2" y="5"/>
+                    <a:pt x="0" y="0"/>
+                  </a:cubicBezTo>
+                  <a:cubicBezTo>
+                    <a:pt x="0" y="9"/>
+                    <a:pt x="0" y="19"/>
+                    <a:pt x="1" y="29"/>
+                  </a:cubicBezTo>
+                  <a:cubicBezTo>
+                    <a:pt x="14" y="62"/>
+                    <a:pt x="27" y="95"/>
+                    <a:pt x="42" y="127"/>
+                  </a:cubicBezTo>
+                  <a:cubicBezTo>
+                    <a:pt x="54" y="154"/>
+                    <a:pt x="67" y="181"/>
+                    <a:pt x="80" y="207"/>
+                  </a:cubicBezTo>
+                  <a:cubicBezTo>
+                    <a:pt x="90" y="207"/>
+                    <a:pt x="90" y="207"/>
+                    <a:pt x="90" y="207"/>
+                  </a:cubicBezTo>
+                  <a:cubicBezTo>
+                    <a:pt x="76" y="180"/>
+                    <a:pt x="63" y="152"/>
+                    <a:pt x="50" y="123"/>
+                  </a:cubicBezTo>
+                  <a:cubicBezTo>
+                    <a:pt x="34" y="88"/>
+                    <a:pt x="20" y="51"/>
+                    <a:pt x="6" y="15"/>
+                  </a:cubicBezTo>
+                  <a:close/>
+                </a:path>
+              </a:pathLst>
+            </a:custGeom>
+            <a:solidFill>
+              <a:schemeClr val="tx2"/>
+            </a:solidFill>
+            <a:ln>
+              <a:noFill/>
+            </a:ln>
+          </p:spPr>
+        </p:sp>
+        <p:sp>
+          <p:nvSpPr>
+            <p:cNvPr id="70" name="Freeform 30">
+              <a:extLst>
+                <a:ext uri="{FF2B5EF4-FFF2-40B4-BE49-F238E27FC236}">
+                  <a16:creationId xmlns:a16="http://schemas.microsoft.com/office/drawing/2014/main" id="{DC40C46F-A374-45DD-8616-ABBFD1F609CB}"/>
+                </a:ext>
+                <a:ext uri="{C183D7F6-B498-43B3-948B-1728B52AA6E4}">
+                  <adec:decorative xmlns:adec="http://schemas.microsoft.com/office/drawing/2017/decorative" val="1"/>
+                </a:ext>
+              </a:extLst>
+            </p:cNvPr>
+            <p:cNvSpPr/>
+            <p:nvPr>
+              <p:extLst>
+                <p:ext uri="{386F3935-93C4-4BCD-93E2-E3B085C9AB24}">
+                  <p16:designElem xmlns:p16="http://schemas.microsoft.com/office/powerpoint/2015/main" val="1"/>
+                </p:ext>
+              </p:extLst>
+            </p:nvPr>
+          </p:nvSpPr>
+          <p:spPr bwMode="auto">
+            <a:xfrm>
+              <a:off x="7037388" y="3811588"/>
+              <a:ext cx="457200" cy="1852613"/>
+            </a:xfrm>
+            <a:custGeom>
+              <a:avLst/>
+              <a:gdLst/>
+              <a:ahLst/>
+              <a:cxnLst/>
+              <a:rect l="0" t="0" r="r" b="b"/>
+              <a:pathLst>
+                <a:path w="115" h="467">
+                  <a:moveTo>
+                    <a:pt x="101" y="409"/>
+                  </a:moveTo>
+                  <a:cubicBezTo>
+                    <a:pt x="93" y="388"/>
+                    <a:pt x="85" y="366"/>
+                    <a:pt x="78" y="344"/>
+                  </a:cubicBezTo>
+                  <a:cubicBezTo>
+                    <a:pt x="57" y="281"/>
+                    <a:pt x="41" y="216"/>
+                    <a:pt x="29" y="151"/>
+                  </a:cubicBezTo>
+                  <a:cubicBezTo>
+                    <a:pt x="22" y="119"/>
+                    <a:pt x="17" y="86"/>
+                    <a:pt x="13" y="53"/>
+                  </a:cubicBezTo>
+                  <a:cubicBezTo>
+                    <a:pt x="9" y="35"/>
+                    <a:pt x="4" y="18"/>
+                    <a:pt x="0" y="0"/>
+                  </a:cubicBezTo>
+                  <a:cubicBezTo>
+                    <a:pt x="5" y="51"/>
+                    <a:pt x="12" y="102"/>
+                    <a:pt x="21" y="152"/>
+                  </a:cubicBezTo>
+                  <a:cubicBezTo>
+                    <a:pt x="33" y="218"/>
+                    <a:pt x="49" y="283"/>
+                    <a:pt x="69" y="347"/>
+                  </a:cubicBezTo>
+                  <a:cubicBezTo>
+                    <a:pt x="79" y="378"/>
+                    <a:pt x="90" y="410"/>
+                    <a:pt x="103" y="441"/>
+                  </a:cubicBezTo>
+                  <a:cubicBezTo>
+                    <a:pt x="107" y="449"/>
+                    <a:pt x="111" y="458"/>
+                    <a:pt x="115" y="467"/>
+                  </a:cubicBezTo>
+                  <a:cubicBezTo>
+                    <a:pt x="114" y="464"/>
+                    <a:pt x="113" y="461"/>
+                    <a:pt x="112" y="458"/>
+                  </a:cubicBezTo>
+                  <a:cubicBezTo>
+                    <a:pt x="108" y="442"/>
+                    <a:pt x="104" y="425"/>
+                    <a:pt x="101" y="409"/>
+                  </a:cubicBezTo>
+                  <a:close/>
+                </a:path>
+              </a:pathLst>
+            </a:custGeom>
+            <a:solidFill>
+              <a:schemeClr val="tx2"/>
+            </a:solidFill>
+            <a:ln>
+              <a:noFill/>
+            </a:ln>
+          </p:spPr>
+        </p:sp>
+        <p:sp>
+          <p:nvSpPr>
+            <p:cNvPr id="71" name="Freeform 31">
+              <a:extLst>
+                <a:ext uri="{FF2B5EF4-FFF2-40B4-BE49-F238E27FC236}">
+                  <a16:creationId xmlns:a16="http://schemas.microsoft.com/office/drawing/2014/main" id="{75A53528-B55E-4DEA-8E5D-041E3F2A8794}"/>
+                </a:ext>
+                <a:ext uri="{C183D7F6-B498-43B3-948B-1728B52AA6E4}">
+                  <adec:decorative xmlns:adec="http://schemas.microsoft.com/office/drawing/2017/decorative" val="1"/>
+                </a:ext>
+              </a:extLst>
+            </p:cNvPr>
+            <p:cNvSpPr/>
+            <p:nvPr>
+              <p:extLst>
+                <p:ext uri="{386F3935-93C4-4BCD-93E2-E3B085C9AB24}">
+                  <p16:designElem xmlns:p16="http://schemas.microsoft.com/office/powerpoint/2015/main" val="1"/>
+                </p:ext>
+              </p:extLst>
+            </p:nvPr>
+          </p:nvSpPr>
+          <p:spPr bwMode="auto">
+            <a:xfrm>
+              <a:off x="6992938" y="1263650"/>
+              <a:ext cx="144463" cy="2508250"/>
+            </a:xfrm>
+            <a:custGeom>
+              <a:avLst/>
+              <a:gdLst/>
+              <a:ahLst/>
+              <a:cxnLst/>
+              <a:rect l="0" t="0" r="r" b="b"/>
+              <a:pathLst>
+                <a:path w="36" h="633">
+                  <a:moveTo>
+                    <a:pt x="17" y="633"/>
+                  </a:moveTo>
+                  <a:cubicBezTo>
+                    <a:pt x="15" y="621"/>
+                    <a:pt x="14" y="609"/>
+                    <a:pt x="13" y="597"/>
+                  </a:cubicBezTo>
+                  <a:cubicBezTo>
+                    <a:pt x="8" y="530"/>
+                    <a:pt x="5" y="464"/>
+                    <a:pt x="5" y="398"/>
+                  </a:cubicBezTo>
+                  <a:cubicBezTo>
+                    <a:pt x="5" y="331"/>
+                    <a:pt x="8" y="265"/>
+                    <a:pt x="13" y="198"/>
+                  </a:cubicBezTo>
+                  <a:cubicBezTo>
+                    <a:pt x="15" y="165"/>
+                    <a:pt x="18" y="132"/>
+                    <a:pt x="22" y="99"/>
+                  </a:cubicBezTo>
+                  <a:cubicBezTo>
+                    <a:pt x="26" y="66"/>
+                    <a:pt x="30" y="33"/>
+                    <a:pt x="36" y="0"/>
+                  </a:cubicBezTo>
+                  <a:cubicBezTo>
+                    <a:pt x="35" y="0"/>
+                    <a:pt x="35" y="0"/>
+                    <a:pt x="35" y="0"/>
+                  </a:cubicBezTo>
+                  <a:cubicBezTo>
+                    <a:pt x="29" y="33"/>
+                    <a:pt x="24" y="66"/>
+                    <a:pt x="20" y="99"/>
+                  </a:cubicBezTo>
+                  <a:cubicBezTo>
+                    <a:pt x="16" y="132"/>
+                    <a:pt x="13" y="165"/>
+                    <a:pt x="10" y="198"/>
+                  </a:cubicBezTo>
+                  <a:cubicBezTo>
+                    <a:pt x="4" y="264"/>
+                    <a:pt x="1" y="331"/>
+                    <a:pt x="1" y="398"/>
+                  </a:cubicBezTo>
+                  <a:cubicBezTo>
+                    <a:pt x="0" y="461"/>
+                    <a:pt x="2" y="525"/>
+                    <a:pt x="7" y="589"/>
+                  </a:cubicBezTo>
+                  <a:cubicBezTo>
+                    <a:pt x="10" y="603"/>
+                    <a:pt x="13" y="618"/>
+                    <a:pt x="16" y="632"/>
+                  </a:cubicBezTo>
+                  <a:cubicBezTo>
+                    <a:pt x="16" y="632"/>
+                    <a:pt x="17" y="633"/>
+                    <a:pt x="17" y="633"/>
+                  </a:cubicBezTo>
+                  <a:close/>
+                </a:path>
+              </a:pathLst>
+            </a:custGeom>
+            <a:solidFill>
+              <a:schemeClr val="tx2"/>
+            </a:solidFill>
+            <a:ln>
+              <a:noFill/>
+            </a:ln>
+          </p:spPr>
+        </p:sp>
+        <p:sp>
+          <p:nvSpPr>
+            <p:cNvPr id="72" name="Freeform 32">
+              <a:extLst>
+                <a:ext uri="{FF2B5EF4-FFF2-40B4-BE49-F238E27FC236}">
+                  <a16:creationId xmlns:a16="http://schemas.microsoft.com/office/drawing/2014/main" id="{E33C2044-55CC-4D24-83D6-56DA2A4D9179}"/>
+                </a:ext>
+                <a:ext uri="{C183D7F6-B498-43B3-948B-1728B52AA6E4}">
+                  <adec:decorative xmlns:adec="http://schemas.microsoft.com/office/drawing/2017/decorative" val="1"/>
+                </a:ext>
+              </a:extLst>
+            </p:cNvPr>
+            <p:cNvSpPr/>
+            <p:nvPr>
+              <p:extLst>
+                <p:ext uri="{386F3935-93C4-4BCD-93E2-E3B085C9AB24}">
+                  <p16:designElem xmlns:p16="http://schemas.microsoft.com/office/powerpoint/2015/main" val="1"/>
+                </p:ext>
+              </p:extLst>
+            </p:nvPr>
+          </p:nvSpPr>
+          <p:spPr bwMode="auto">
+            <a:xfrm>
+              <a:off x="7526338" y="5640388"/>
+              <a:ext cx="111125" cy="233363"/>
+            </a:xfrm>
+            <a:custGeom>
+              <a:avLst/>
+              <a:gdLst/>
+              <a:ahLst/>
+              <a:cxnLst/>
+              <a:rect l="0" t="0" r="r" b="b"/>
+              <a:pathLst>
+                <a:path w="28" h="59">
+                  <a:moveTo>
+                    <a:pt x="22" y="59"/>
+                  </a:moveTo>
+                  <a:cubicBezTo>
+                    <a:pt x="28" y="59"/>
+                    <a:pt x="28" y="59"/>
+                    <a:pt x="28" y="59"/>
+                  </a:cubicBezTo>
+                  <a:cubicBezTo>
+                    <a:pt x="18" y="40"/>
+                    <a:pt x="9" y="20"/>
+                    <a:pt x="0" y="0"/>
+                  </a:cubicBezTo>
+                  <a:cubicBezTo>
+                    <a:pt x="6" y="20"/>
+                    <a:pt x="13" y="40"/>
+                    <a:pt x="22" y="59"/>
+                  </a:cubicBezTo>
+                  <a:close/>
+                </a:path>
+              </a:pathLst>
+            </a:custGeom>
+            <a:solidFill>
+              <a:schemeClr val="tx2"/>
+            </a:solidFill>
+            <a:ln>
+              <a:noFill/>
+            </a:ln>
+          </p:spPr>
+        </p:sp>
+        <p:sp>
+          <p:nvSpPr>
+            <p:cNvPr id="73" name="Freeform 33">
+              <a:extLst>
+                <a:ext uri="{FF2B5EF4-FFF2-40B4-BE49-F238E27FC236}">
+                  <a16:creationId xmlns:a16="http://schemas.microsoft.com/office/drawing/2014/main" id="{7FE42B80-0325-42E2-A066-69C44DD35973}"/>
+                </a:ext>
+                <a:ext uri="{C183D7F6-B498-43B3-948B-1728B52AA6E4}">
+                  <adec:decorative xmlns:adec="http://schemas.microsoft.com/office/drawing/2017/decorative" val="1"/>
+                </a:ext>
+              </a:extLst>
+            </p:cNvPr>
+            <p:cNvSpPr/>
+            <p:nvPr>
+              <p:extLst>
+                <p:ext uri="{386F3935-93C4-4BCD-93E2-E3B085C9AB24}">
+                  <p16:designElem xmlns:p16="http://schemas.microsoft.com/office/powerpoint/2015/main" val="1"/>
+                </p:ext>
+              </p:extLst>
+            </p:nvPr>
+          </p:nvSpPr>
+          <p:spPr bwMode="auto">
+            <a:xfrm>
+              <a:off x="7021513" y="3598863"/>
+              <a:ext cx="68263" cy="423863"/>
+            </a:xfrm>
+            <a:custGeom>
+              <a:avLst/>
+              <a:gdLst/>
+              <a:ahLst/>
+              <a:cxnLst/>
+              <a:rect l="0" t="0" r="r" b="b"/>
+              <a:pathLst>
+                <a:path w="17" h="107">
+                  <a:moveTo>
+                    <a:pt x="4" y="54"/>
+                  </a:moveTo>
+                  <a:cubicBezTo>
+                    <a:pt x="8" y="72"/>
+                    <a:pt x="13" y="89"/>
+                    <a:pt x="17" y="107"/>
+                  </a:cubicBezTo>
+                  <a:cubicBezTo>
+                    <a:pt x="14" y="86"/>
+                    <a:pt x="12" y="65"/>
+                    <a:pt x="10" y="44"/>
+                  </a:cubicBezTo>
+                  <a:cubicBezTo>
+                    <a:pt x="10" y="44"/>
+                    <a:pt x="9" y="43"/>
+                    <a:pt x="9" y="43"/>
+                  </a:cubicBezTo>
+                  <a:cubicBezTo>
+                    <a:pt x="6" y="29"/>
+                    <a:pt x="3" y="14"/>
+                    <a:pt x="0" y="0"/>
+                  </a:cubicBezTo>
+                  <a:cubicBezTo>
+                    <a:pt x="0" y="2"/>
+                    <a:pt x="0" y="5"/>
+                    <a:pt x="0" y="8"/>
+                  </a:cubicBezTo>
+                  <a:cubicBezTo>
+                    <a:pt x="1" y="23"/>
+                    <a:pt x="3" y="39"/>
+                    <a:pt x="4" y="54"/>
+                  </a:cubicBezTo>
+                  <a:close/>
+                </a:path>
+              </a:pathLst>
+            </a:custGeom>
+            <a:solidFill>
+              <a:schemeClr val="tx2"/>
+            </a:solidFill>
+            <a:ln>
+              <a:noFill/>
+            </a:ln>
+          </p:spPr>
+        </p:sp>
+        <p:sp>
+          <p:nvSpPr>
+            <p:cNvPr id="74" name="Freeform 34">
+              <a:extLst>
+                <a:ext uri="{FF2B5EF4-FFF2-40B4-BE49-F238E27FC236}">
+                  <a16:creationId xmlns:a16="http://schemas.microsoft.com/office/drawing/2014/main" id="{A0F3EB45-3286-4ACF-B3E0-E3C8CF23F7B8}"/>
+                </a:ext>
+                <a:ext uri="{C183D7F6-B498-43B3-948B-1728B52AA6E4}">
+                  <adec:decorative xmlns:adec="http://schemas.microsoft.com/office/drawing/2017/decorative" val="1"/>
+                </a:ext>
+              </a:extLst>
+            </p:cNvPr>
+            <p:cNvSpPr/>
+            <p:nvPr>
+              <p:extLst>
+                <p:ext uri="{386F3935-93C4-4BCD-93E2-E3B085C9AB24}">
+                  <p16:designElem xmlns:p16="http://schemas.microsoft.com/office/powerpoint/2015/main" val="1"/>
+                </p:ext>
+              </p:extLst>
+            </p:nvPr>
+          </p:nvSpPr>
+          <p:spPr bwMode="auto">
+            <a:xfrm>
+              <a:off x="7412038" y="2801938"/>
+              <a:ext cx="1168400" cy="2251075"/>
+            </a:xfrm>
+            <a:custGeom>
+              <a:avLst/>
+              <a:gdLst/>
+              <a:ahLst/>
+              <a:cxnLst/>
+              <a:rect l="0" t="0" r="r" b="b"/>
+              <a:pathLst>
+                <a:path w="294" h="568">
+                  <a:moveTo>
+                    <a:pt x="8" y="553"/>
+                  </a:moveTo>
+                  <a:cubicBezTo>
+                    <a:pt x="9" y="501"/>
+                    <a:pt x="19" y="448"/>
+                    <a:pt x="35" y="397"/>
+                  </a:cubicBezTo>
+                  <a:cubicBezTo>
+                    <a:pt x="51" y="347"/>
+                    <a:pt x="73" y="298"/>
+                    <a:pt x="99" y="252"/>
+                  </a:cubicBezTo>
+                  <a:cubicBezTo>
+                    <a:pt x="124" y="205"/>
+                    <a:pt x="154" y="161"/>
+                    <a:pt x="187" y="119"/>
+                  </a:cubicBezTo>
+                  <a:cubicBezTo>
+                    <a:pt x="203" y="98"/>
+                    <a:pt x="220" y="77"/>
+                    <a:pt x="238" y="58"/>
+                  </a:cubicBezTo>
+                  <a:cubicBezTo>
+                    <a:pt x="247" y="48"/>
+                    <a:pt x="256" y="38"/>
+                    <a:pt x="265" y="28"/>
+                  </a:cubicBezTo>
+                  <a:cubicBezTo>
+                    <a:pt x="274" y="19"/>
+                    <a:pt x="284" y="9"/>
+                    <a:pt x="294" y="0"/>
+                  </a:cubicBezTo>
+                  <a:cubicBezTo>
+                    <a:pt x="293" y="0"/>
+                    <a:pt x="293" y="0"/>
+                    <a:pt x="293" y="0"/>
+                  </a:cubicBezTo>
+                  <a:cubicBezTo>
+                    <a:pt x="283" y="9"/>
+                    <a:pt x="273" y="18"/>
+                    <a:pt x="264" y="27"/>
+                  </a:cubicBezTo>
+                  <a:cubicBezTo>
+                    <a:pt x="255" y="37"/>
+                    <a:pt x="246" y="47"/>
+                    <a:pt x="237" y="56"/>
+                  </a:cubicBezTo>
+                  <a:cubicBezTo>
+                    <a:pt x="218" y="76"/>
+                    <a:pt x="201" y="96"/>
+                    <a:pt x="185" y="117"/>
+                  </a:cubicBezTo>
+                  <a:cubicBezTo>
+                    <a:pt x="151" y="159"/>
+                    <a:pt x="121" y="203"/>
+                    <a:pt x="95" y="249"/>
+                  </a:cubicBezTo>
+                  <a:cubicBezTo>
+                    <a:pt x="68" y="296"/>
+                    <a:pt x="46" y="345"/>
+                    <a:pt x="30" y="396"/>
+                  </a:cubicBezTo>
+                  <a:cubicBezTo>
+                    <a:pt x="13" y="445"/>
+                    <a:pt x="3" y="497"/>
+                    <a:pt x="0" y="549"/>
+                  </a:cubicBezTo>
+                  <a:cubicBezTo>
+                    <a:pt x="3" y="555"/>
+                    <a:pt x="5" y="561"/>
+                    <a:pt x="7" y="568"/>
+                  </a:cubicBezTo>
+                  <a:cubicBezTo>
+                    <a:pt x="7" y="563"/>
+                    <a:pt x="7" y="558"/>
+                    <a:pt x="8" y="553"/>
+                  </a:cubicBezTo>
+                  <a:close/>
+                </a:path>
+              </a:pathLst>
+            </a:custGeom>
+            <a:solidFill>
+              <a:schemeClr val="tx2"/>
+            </a:solidFill>
+            <a:ln>
+              <a:noFill/>
+            </a:ln>
+          </p:spPr>
+        </p:sp>
+        <p:sp>
+          <p:nvSpPr>
+            <p:cNvPr id="75" name="Freeform 35">
+              <a:extLst>
+                <a:ext uri="{FF2B5EF4-FFF2-40B4-BE49-F238E27FC236}">
+                  <a16:creationId xmlns:a16="http://schemas.microsoft.com/office/drawing/2014/main" id="{DABF753A-353D-49D9-8111-08D35B7A626A}"/>
+                </a:ext>
+                <a:ext uri="{C183D7F6-B498-43B3-948B-1728B52AA6E4}">
+                  <adec:decorative xmlns:adec="http://schemas.microsoft.com/office/drawing/2017/decorative" val="1"/>
+                </a:ext>
+              </a:extLst>
+            </p:cNvPr>
+            <p:cNvSpPr/>
+            <p:nvPr>
+              <p:extLst>
+                <p:ext uri="{386F3935-93C4-4BCD-93E2-E3B085C9AB24}">
+                  <p16:designElem xmlns:p16="http://schemas.microsoft.com/office/powerpoint/2015/main" val="1"/>
+                </p:ext>
+              </p:extLst>
+            </p:nvPr>
+          </p:nvSpPr>
+          <p:spPr bwMode="auto">
+            <a:xfrm>
+              <a:off x="7494588" y="5664200"/>
+              <a:ext cx="100013" cy="209550"/>
+            </a:xfrm>
+            <a:custGeom>
+              <a:avLst/>
+              <a:gdLst/>
+              <a:ahLst/>
+              <a:cxnLst/>
+              <a:rect l="0" t="0" r="r" b="b"/>
+              <a:pathLst>
+                <a:path w="25" h="53">
+                  <a:moveTo>
+                    <a:pt x="0" y="0"/>
+                  </a:moveTo>
+                  <a:cubicBezTo>
+                    <a:pt x="5" y="18"/>
+                    <a:pt x="12" y="36"/>
+                    <a:pt x="19" y="53"/>
+                  </a:cubicBezTo>
+                  <a:cubicBezTo>
+                    <a:pt x="25" y="53"/>
+                    <a:pt x="25" y="53"/>
+                    <a:pt x="25" y="53"/>
+                  </a:cubicBezTo>
+                  <a:cubicBezTo>
+                    <a:pt x="16" y="36"/>
+                    <a:pt x="8" y="18"/>
+                    <a:pt x="0" y="0"/>
+                  </a:cubicBezTo>
+                  <a:close/>
+                </a:path>
+              </a:pathLst>
+            </a:custGeom>
+            <a:solidFill>
+              <a:schemeClr val="tx2"/>
+            </a:solidFill>
+            <a:ln>
+              <a:noFill/>
+            </a:ln>
+          </p:spPr>
+        </p:sp>
+        <p:sp>
+          <p:nvSpPr>
+            <p:cNvPr id="76" name="Freeform 36">
+              <a:extLst>
+                <a:ext uri="{FF2B5EF4-FFF2-40B4-BE49-F238E27FC236}">
+                  <a16:creationId xmlns:a16="http://schemas.microsoft.com/office/drawing/2014/main" id="{52FED251-392F-4094-8F4A-371A795ED3E7}"/>
+                </a:ext>
+                <a:ext uri="{C183D7F6-B498-43B3-948B-1728B52AA6E4}">
+                  <adec:decorative xmlns:adec="http://schemas.microsoft.com/office/drawing/2017/decorative" val="1"/>
+                </a:ext>
+              </a:extLst>
+            </p:cNvPr>
+            <p:cNvSpPr/>
+            <p:nvPr>
+              <p:extLst>
+                <p:ext uri="{386F3935-93C4-4BCD-93E2-E3B085C9AB24}">
+                  <p16:designElem xmlns:p16="http://schemas.microsoft.com/office/powerpoint/2015/main" val="1"/>
+                </p:ext>
+              </p:extLst>
+            </p:nvPr>
+          </p:nvSpPr>
+          <p:spPr bwMode="auto">
+            <a:xfrm>
+              <a:off x="7412038" y="5081588"/>
+              <a:ext cx="114300" cy="558800"/>
+            </a:xfrm>
+            <a:custGeom>
+              <a:avLst/>
+              <a:gdLst/>
+              <a:ahLst/>
+              <a:cxnLst/>
+              <a:rect l="0" t="0" r="r" b="b"/>
+              <a:pathLst>
+                <a:path w="29" h="141">
+                  <a:moveTo>
+                    <a:pt x="0" y="0"/>
+                  </a:moveTo>
+                  <a:cubicBezTo>
+                    <a:pt x="0" y="30"/>
+                    <a:pt x="2" y="60"/>
+                    <a:pt x="7" y="89"/>
+                  </a:cubicBezTo>
+                  <a:cubicBezTo>
+                    <a:pt x="11" y="98"/>
+                    <a:pt x="14" y="108"/>
+                    <a:pt x="18" y="117"/>
+                  </a:cubicBezTo>
+                  <a:cubicBezTo>
+                    <a:pt x="22" y="125"/>
+                    <a:pt x="25" y="133"/>
+                    <a:pt x="29" y="141"/>
+                  </a:cubicBezTo>
+                  <a:cubicBezTo>
+                    <a:pt x="28" y="139"/>
+                    <a:pt x="28" y="137"/>
+                    <a:pt x="27" y="135"/>
+                  </a:cubicBezTo>
+                  <a:cubicBezTo>
+                    <a:pt x="16" y="98"/>
+                    <a:pt x="10" y="60"/>
+                    <a:pt x="8" y="22"/>
+                  </a:cubicBezTo>
+                  <a:cubicBezTo>
+                    <a:pt x="7" y="18"/>
+                    <a:pt x="5" y="15"/>
+                    <a:pt x="4" y="11"/>
+                  </a:cubicBezTo>
+                  <a:cubicBezTo>
+                    <a:pt x="2" y="7"/>
+                    <a:pt x="1" y="3"/>
+                    <a:pt x="0" y="0"/>
+                  </a:cubicBezTo>
+                  <a:close/>
+                </a:path>
+              </a:pathLst>
+            </a:custGeom>
+            <a:solidFill>
+              <a:schemeClr val="tx2"/>
+            </a:solidFill>
+            <a:ln>
+              <a:noFill/>
+            </a:ln>
+          </p:spPr>
+        </p:sp>
+        <p:sp>
+          <p:nvSpPr>
+            <p:cNvPr id="77" name="Freeform 37">
+              <a:extLst>
+                <a:ext uri="{FF2B5EF4-FFF2-40B4-BE49-F238E27FC236}">
+                  <a16:creationId xmlns:a16="http://schemas.microsoft.com/office/drawing/2014/main" id="{82082796-8C4C-405B-9F59-11B4223D6EE4}"/>
+                </a:ext>
+                <a:ext uri="{C183D7F6-B498-43B3-948B-1728B52AA6E4}">
+                  <adec:decorative xmlns:adec="http://schemas.microsoft.com/office/drawing/2017/decorative" val="1"/>
+                </a:ext>
+              </a:extLst>
+            </p:cNvPr>
+            <p:cNvSpPr/>
+            <p:nvPr>
+              <p:extLst>
+                <p:ext uri="{386F3935-93C4-4BCD-93E2-E3B085C9AB24}">
+                  <p16:designElem xmlns:p16="http://schemas.microsoft.com/office/powerpoint/2015/main" val="1"/>
+                </p:ext>
+              </p:extLst>
+            </p:nvPr>
+          </p:nvSpPr>
+          <p:spPr bwMode="auto">
+            <a:xfrm>
+              <a:off x="7412038" y="4978400"/>
+              <a:ext cx="31750" cy="188913"/>
+            </a:xfrm>
+            <a:custGeom>
+              <a:avLst/>
+              <a:gdLst/>
+              <a:ahLst/>
+              <a:cxnLst/>
+              <a:rect l="0" t="0" r="r" b="b"/>
+              <a:pathLst>
+                <a:path w="8" h="48">
+                  <a:moveTo>
+                    <a:pt x="0" y="26"/>
+                  </a:moveTo>
+                  <a:cubicBezTo>
+                    <a:pt x="1" y="29"/>
+                    <a:pt x="2" y="33"/>
+                    <a:pt x="4" y="37"/>
+                  </a:cubicBezTo>
+                  <a:cubicBezTo>
+                    <a:pt x="5" y="41"/>
+                    <a:pt x="7" y="44"/>
+                    <a:pt x="8" y="48"/>
+                  </a:cubicBezTo>
+                  <a:cubicBezTo>
+                    <a:pt x="7" y="38"/>
+                    <a:pt x="7" y="28"/>
+                    <a:pt x="7" y="19"/>
+                  </a:cubicBezTo>
+                  <a:cubicBezTo>
+                    <a:pt x="5" y="12"/>
+                    <a:pt x="3" y="6"/>
+                    <a:pt x="0" y="0"/>
+                  </a:cubicBezTo>
+                  <a:cubicBezTo>
+                    <a:pt x="0" y="1"/>
+                    <a:pt x="0" y="3"/>
+                    <a:pt x="0" y="4"/>
+                  </a:cubicBezTo>
+                  <a:cubicBezTo>
+                    <a:pt x="0" y="11"/>
+                    <a:pt x="0" y="19"/>
+                    <a:pt x="0" y="26"/>
+                  </a:cubicBezTo>
+                  <a:close/>
+                </a:path>
+              </a:pathLst>
+            </a:custGeom>
+            <a:solidFill>
+              <a:schemeClr val="tx2"/>
+            </a:solidFill>
+            <a:ln>
+              <a:noFill/>
+            </a:ln>
+          </p:spPr>
+        </p:sp>
+        <p:sp>
+          <p:nvSpPr>
+            <p:cNvPr id="78" name="Freeform 38">
+              <a:extLst>
+                <a:ext uri="{FF2B5EF4-FFF2-40B4-BE49-F238E27FC236}">
+                  <a16:creationId xmlns:a16="http://schemas.microsoft.com/office/drawing/2014/main" id="{8358644C-7384-41C4-978E-1125B9BF85C1}"/>
+                </a:ext>
+                <a:ext uri="{C183D7F6-B498-43B3-948B-1728B52AA6E4}">
+                  <adec:decorative xmlns:adec="http://schemas.microsoft.com/office/drawing/2017/decorative" val="1"/>
+                </a:ext>
+              </a:extLst>
+            </p:cNvPr>
+            <p:cNvSpPr/>
+            <p:nvPr>
+              <p:extLst>
+                <p:ext uri="{386F3935-93C4-4BCD-93E2-E3B085C9AB24}">
+                  <p16:designElem xmlns:p16="http://schemas.microsoft.com/office/powerpoint/2015/main" val="1"/>
+                </p:ext>
+              </p:extLst>
+            </p:nvPr>
+          </p:nvSpPr>
+          <p:spPr bwMode="auto">
+            <a:xfrm>
+              <a:off x="7439026" y="5434013"/>
+              <a:ext cx="174625" cy="439738"/>
+            </a:xfrm>
+            <a:custGeom>
+              <a:avLst/>
+              <a:gdLst/>
+              <a:ahLst/>
+              <a:cxnLst/>
+              <a:rect l="0" t="0" r="r" b="b"/>
+              <a:pathLst>
+                <a:path w="44" h="111">
+                  <a:moveTo>
+                    <a:pt x="11" y="28"/>
+                  </a:moveTo>
+                  <a:cubicBezTo>
+                    <a:pt x="7" y="19"/>
+                    <a:pt x="4" y="9"/>
+                    <a:pt x="0" y="0"/>
+                  </a:cubicBezTo>
+                  <a:cubicBezTo>
+                    <a:pt x="3" y="16"/>
+                    <a:pt x="7" y="33"/>
+                    <a:pt x="11" y="49"/>
+                  </a:cubicBezTo>
+                  <a:cubicBezTo>
+                    <a:pt x="12" y="52"/>
+                    <a:pt x="13" y="55"/>
+                    <a:pt x="14" y="58"/>
+                  </a:cubicBezTo>
+                  <a:cubicBezTo>
+                    <a:pt x="22" y="76"/>
+                    <a:pt x="30" y="94"/>
+                    <a:pt x="39" y="111"/>
+                  </a:cubicBezTo>
+                  <a:cubicBezTo>
+                    <a:pt x="44" y="111"/>
+                    <a:pt x="44" y="111"/>
+                    <a:pt x="44" y="111"/>
+                  </a:cubicBezTo>
+                  <a:cubicBezTo>
+                    <a:pt x="35" y="92"/>
+                    <a:pt x="28" y="72"/>
+                    <a:pt x="22" y="52"/>
+                  </a:cubicBezTo>
+                  <a:cubicBezTo>
+                    <a:pt x="18" y="44"/>
+                    <a:pt x="15" y="36"/>
+                    <a:pt x="11" y="28"/>
+                  </a:cubicBezTo>
+                  <a:close/>
+                </a:path>
+              </a:pathLst>
+            </a:custGeom>
+            <a:solidFill>
+              <a:schemeClr val="tx2"/>
+            </a:solidFill>
+            <a:ln>
+              <a:noFill/>
+            </a:ln>
+          </p:spPr>
+        </p:sp>
+      </p:grpSp>
       <p:sp>
         <p:nvSpPr>
           <p:cNvPr id="2" name="Title 1"/>
@@ -9912,18 +13518,260 @@
             <p:ph type="title"/>
           </p:nvPr>
         </p:nvSpPr>
-        <p:spPr/>
+        <p:spPr>
+          <a:xfrm>
+            <a:off x="6474902" y="583142"/>
+            <a:ext cx="5037903" cy="641794"/>
+          </a:xfrm>
+        </p:spPr>
         <p:txBody>
-          <a:bodyPr/>
+          <a:bodyPr>
+            <a:normAutofit/>
+          </a:bodyPr>
           <a:lstStyle/>
           <a:p>
             <a:r>
-              <a:rPr lang="en-US" dirty="0"/>
+              <a:rPr lang="en-US"/>
               <a:t>Prediction vs. Data</a:t>
             </a:r>
           </a:p>
         </p:txBody>
       </p:sp>
+      <p:sp>
+        <p:nvSpPr>
+          <p:cNvPr id="80" name="Rectangle 79">
+            <a:extLst>
+              <a:ext uri="{FF2B5EF4-FFF2-40B4-BE49-F238E27FC236}">
+                <a16:creationId xmlns:a16="http://schemas.microsoft.com/office/drawing/2014/main" id="{17E39382-3BDF-4F54-8585-82ACB0EE38DA}"/>
+              </a:ext>
+              <a:ext uri="{C183D7F6-B498-43B3-948B-1728B52AA6E4}">
+                <adec:decorative xmlns:adec="http://schemas.microsoft.com/office/drawing/2017/decorative" val="1"/>
+              </a:ext>
+            </a:extLst>
+          </p:cNvPr>
+          <p:cNvSpPr>
+            <a:spLocks noGrp="1" noRot="1" noChangeAspect="1" noMove="1" noResize="1" noEditPoints="1" noAdjustHandles="1" noChangeArrowheads="1" noChangeShapeType="1" noTextEdit="1"/>
+          </p:cNvSpPr>
+          <p:nvPr>
+            <p:extLst>
+              <p:ext uri="{386F3935-93C4-4BCD-93E2-E3B085C9AB24}">
+                <p16:designElem xmlns:p16="http://schemas.microsoft.com/office/powerpoint/2015/main" val="1"/>
+              </p:ext>
+            </p:extLst>
+          </p:nvPr>
+        </p:nvSpPr>
+        <p:spPr>
+          <a:xfrm>
+            <a:off x="4645704" y="0"/>
+            <a:ext cx="182880" cy="6858000"/>
+          </a:xfrm>
+          <a:prstGeom prst="rect">
+            <a:avLst/>
+          </a:prstGeom>
+          <a:solidFill>
+            <a:schemeClr val="tx2"/>
+          </a:solidFill>
+          <a:ln>
+            <a:noFill/>
+          </a:ln>
+          <a:effectLst/>
+        </p:spPr>
+        <p:style>
+          <a:lnRef idx="1">
+            <a:schemeClr val="accent1"/>
+          </a:lnRef>
+          <a:fillRef idx="3">
+            <a:schemeClr val="accent1"/>
+          </a:fillRef>
+          <a:effectRef idx="2">
+            <a:schemeClr val="accent1"/>
+          </a:effectRef>
+          <a:fontRef idx="minor">
+            <a:schemeClr val="lt1"/>
+          </a:fontRef>
+        </p:style>
+      </p:sp>
+      <p:sp>
+        <p:nvSpPr>
+          <p:cNvPr id="82" name="Freeform 11">
+            <a:extLst>
+              <a:ext uri="{FF2B5EF4-FFF2-40B4-BE49-F238E27FC236}">
+                <a16:creationId xmlns:a16="http://schemas.microsoft.com/office/drawing/2014/main" id="{06E7B50D-4267-4B64-A59B-48EA8221E348}"/>
+              </a:ext>
+              <a:ext uri="{C183D7F6-B498-43B3-948B-1728B52AA6E4}">
+                <adec:decorative xmlns:adec="http://schemas.microsoft.com/office/drawing/2017/decorative" val="1"/>
+              </a:ext>
+            </a:extLst>
+          </p:cNvPr>
+          <p:cNvSpPr>
+            <a:spLocks noGrp="1" noRot="1" noChangeAspect="1" noMove="1" noResize="1" noEditPoints="1" noAdjustHandles="1" noChangeArrowheads="1" noChangeShapeType="1" noTextEdit="1"/>
+          </p:cNvSpPr>
+          <p:nvPr>
+            <p:extLst>
+              <p:ext uri="{386F3935-93C4-4BCD-93E2-E3B085C9AB24}">
+                <p16:designElem xmlns:p16="http://schemas.microsoft.com/office/powerpoint/2015/main" val="1"/>
+              </p:ext>
+            </p:extLst>
+          </p:nvPr>
+        </p:nvSpPr>
+        <p:spPr bwMode="auto">
+          <a:xfrm flipV="1">
+            <a:off x="4645704" y="714375"/>
+            <a:ext cx="1588527" cy="507297"/>
+          </a:xfrm>
+          <a:custGeom>
+            <a:avLst/>
+            <a:gdLst/>
+            <a:ahLst/>
+            <a:cxnLst/>
+            <a:rect l="l" t="t" r="r" b="b"/>
+            <a:pathLst>
+              <a:path w="9248" h="10000">
+                <a:moveTo>
+                  <a:pt x="9248" y="4701"/>
+                </a:moveTo>
+                <a:lnTo>
+                  <a:pt x="7915" y="188"/>
+                </a:lnTo>
+                <a:cubicBezTo>
+                  <a:pt x="7906" y="156"/>
+                  <a:pt x="7895" y="126"/>
+                  <a:pt x="7886" y="94"/>
+                </a:cubicBezTo>
+                <a:cubicBezTo>
+                  <a:pt x="7859" y="0"/>
+                  <a:pt x="7831" y="0"/>
+                  <a:pt x="7803" y="0"/>
+                </a:cubicBezTo>
+                <a:lnTo>
+                  <a:pt x="7275" y="0"/>
+                </a:lnTo>
+                <a:lnTo>
+                  <a:pt x="0" y="70"/>
+                </a:lnTo>
+                <a:cubicBezTo>
+                  <a:pt x="8" y="3380"/>
+                  <a:pt x="17" y="6690"/>
+                  <a:pt x="25" y="10000"/>
+                </a:cubicBezTo>
+                <a:lnTo>
+                  <a:pt x="7275" y="9966"/>
+                </a:lnTo>
+                <a:lnTo>
+                  <a:pt x="7803" y="9966"/>
+                </a:lnTo>
+                <a:cubicBezTo>
+                  <a:pt x="7831" y="9966"/>
+                  <a:pt x="7859" y="9872"/>
+                  <a:pt x="7886" y="9872"/>
+                </a:cubicBezTo>
+                <a:cubicBezTo>
+                  <a:pt x="7886" y="9778"/>
+                  <a:pt x="7915" y="9778"/>
+                  <a:pt x="7915" y="9778"/>
+                </a:cubicBezTo>
+                <a:lnTo>
+                  <a:pt x="9248" y="5265"/>
+                </a:lnTo>
+                <a:cubicBezTo>
+                  <a:pt x="9303" y="5077"/>
+                  <a:pt x="9303" y="4889"/>
+                  <a:pt x="9248" y="4701"/>
+                </a:cubicBezTo>
+                <a:close/>
+              </a:path>
+            </a:pathLst>
+          </a:custGeom>
+          <a:solidFill>
+            <a:schemeClr val="accent1"/>
+          </a:solidFill>
+          <a:ln>
+            <a:noFill/>
+          </a:ln>
+        </p:spPr>
+      </p:sp>
+      <p:pic>
+        <p:nvPicPr>
+          <p:cNvPr id="10" name="Picture 11" descr="A close up of a map&#10;&#10;Description generated with very high confidence">
+            <a:extLst>
+              <a:ext uri="{FF2B5EF4-FFF2-40B4-BE49-F238E27FC236}">
+                <a16:creationId xmlns:a16="http://schemas.microsoft.com/office/drawing/2014/main" id="{A0A65F7D-37D3-4558-8354-DAED575B6605}"/>
+              </a:ext>
+            </a:extLst>
+          </p:cNvPr>
+          <p:cNvPicPr>
+            <a:picLocks noChangeAspect="1"/>
+          </p:cNvPicPr>
+          <p:nvPr/>
+        </p:nvPicPr>
+        <p:blipFill rotWithShape="1">
+          <a:blip r:embed="rId2"/>
+          <a:srcRect l="4797" r="1" b="1"/>
+          <a:stretch/>
+        </p:blipFill>
+        <p:spPr>
+          <a:xfrm>
+            <a:off x="-1552" y="3429000"/>
+            <a:ext cx="4646985" cy="3429000"/>
+          </a:xfrm>
+          <a:prstGeom prst="rect">
+            <a:avLst/>
+          </a:prstGeom>
+        </p:spPr>
+      </p:pic>
+      <p:cxnSp>
+        <p:nvCxnSpPr>
+          <p:cNvPr id="84" name="Straight Connector 83">
+            <a:extLst>
+              <a:ext uri="{FF2B5EF4-FFF2-40B4-BE49-F238E27FC236}">
+                <a16:creationId xmlns:a16="http://schemas.microsoft.com/office/drawing/2014/main" id="{B7A81025-7EA9-493C-A8AA-C2443AD28078}"/>
+              </a:ext>
+              <a:ext uri="{C183D7F6-B498-43B3-948B-1728B52AA6E4}">
+                <adec:decorative xmlns:adec="http://schemas.microsoft.com/office/drawing/2017/decorative" val="1"/>
+              </a:ext>
+            </a:extLst>
+          </p:cNvPr>
+          <p:cNvCxnSpPr>
+            <a:cxnSpLocks noGrp="1" noRot="1" noChangeAspect="1" noMove="1" noResize="1" noEditPoints="1" noAdjustHandles="1" noChangeArrowheads="1" noChangeShapeType="1"/>
+            <a:endCxn id="33" idx="1"/>
+          </p:cNvCxnSpPr>
+          <p:nvPr>
+            <p:extLst>
+              <p:ext uri="{386F3935-93C4-4BCD-93E2-E3B085C9AB24}">
+                <p16:designElem xmlns:p16="http://schemas.microsoft.com/office/powerpoint/2015/main" val="1"/>
+              </p:ext>
+            </p:extLst>
+          </p:nvPr>
+        </p:nvCxnSpPr>
+        <p:spPr>
+          <a:xfrm>
+            <a:off x="-16934" y="3429000"/>
+            <a:ext cx="4662638" cy="0"/>
+          </a:xfrm>
+          <a:prstGeom prst="line">
+            <a:avLst/>
+          </a:prstGeom>
+          <a:ln w="50800">
+            <a:solidFill>
+              <a:schemeClr val="tx2"/>
+            </a:solidFill>
+          </a:ln>
+        </p:spPr>
+        <p:style>
+          <a:lnRef idx="1">
+            <a:schemeClr val="accent1"/>
+          </a:lnRef>
+          <a:fillRef idx="0">
+            <a:schemeClr val="accent1"/>
+          </a:fillRef>
+          <a:effectRef idx="0">
+            <a:schemeClr val="accent1"/>
+          </a:effectRef>
+          <a:fontRef idx="minor">
+            <a:schemeClr val="tx1"/>
+          </a:fontRef>
+        </p:style>
+      </p:cxnSp>
       <p:sp>
         <p:nvSpPr>
           <p:cNvPr id="3" name="Content Placeholder 2"/>
@@ -9934,15 +13782,170 @@
             <p:ph idx="1"/>
           </p:nvPr>
         </p:nvSpPr>
-        <p:spPr/>
+        <p:spPr>
+          <a:xfrm>
+            <a:off x="6475061" y="1224117"/>
+            <a:ext cx="5033646" cy="5371265"/>
+          </a:xfrm>
+        </p:spPr>
         <p:txBody>
-          <a:bodyPr/>
+          <a:bodyPr vert="horz" lIns="91440" tIns="45720" rIns="91440" bIns="45720" rtlCol="0" anchor="t">
+            <a:noAutofit/>
+          </a:bodyPr>
           <a:lstStyle/>
           <a:p>
+            <a:pPr marL="0" indent="0">
+              <a:lnSpc>
+                <a:spcPct val="90000"/>
+              </a:lnSpc>
+              <a:buNone/>
+            </a:pPr>
+            <a:r>
+              <a:rPr lang="en-US" b="1"/>
+              <a:t>Voltage Data</a:t>
+            </a:r>
             <a:endParaRPr lang="en-US"/>
+          </a:p>
+          <a:p>
+            <a:pPr>
+              <a:lnSpc>
+                <a:spcPct val="90000"/>
+              </a:lnSpc>
+            </a:pPr>
+            <a:r>
+              <a:rPr lang="en-US" sz="1700"/>
+              <a:t>We see an almost perfect correlation here, especially in the center. </a:t>
+            </a:r>
+          </a:p>
+          <a:p>
+            <a:pPr>
+              <a:lnSpc>
+                <a:spcPct val="90000"/>
+              </a:lnSpc>
+            </a:pPr>
+            <a:r>
+              <a:rPr lang="en-US" sz="1700"/>
+              <a:t>Asymptotes match fairly well</a:t>
+            </a:r>
+          </a:p>
+          <a:p>
+            <a:pPr>
+              <a:lnSpc>
+                <a:spcPct val="90000"/>
+              </a:lnSpc>
+            </a:pPr>
+            <a:r>
+              <a:rPr lang="en-US" sz="1700"/>
+              <a:t>Standard deviation: 8*10</a:t>
+            </a:r>
+            <a:r>
+              <a:rPr lang="en-US" sz="1700" baseline="30000"/>
+              <a:t>-8</a:t>
+            </a:r>
+            <a:r>
+              <a:rPr lang="en-US" sz="1700"/>
+              <a:t>[V]</a:t>
+            </a:r>
+          </a:p>
+          <a:p>
+            <a:pPr marL="0" indent="0">
+              <a:lnSpc>
+                <a:spcPct val="90000"/>
+              </a:lnSpc>
+              <a:buNone/>
+            </a:pPr>
+            <a:r>
+              <a:rPr lang="en-US" b="1"/>
+              <a:t>Phase Data</a:t>
+            </a:r>
+          </a:p>
+          <a:p>
+            <a:pPr>
+              <a:lnSpc>
+                <a:spcPct val="90000"/>
+              </a:lnSpc>
+            </a:pPr>
+            <a:r>
+              <a:rPr lang="en-US" sz="1700"/>
+              <a:t>The left half of the plot appears to be roughly correct.</a:t>
+            </a:r>
+          </a:p>
+          <a:p>
+            <a:pPr>
+              <a:lnSpc>
+                <a:spcPct val="90000"/>
+              </a:lnSpc>
+            </a:pPr>
+            <a:r>
+              <a:rPr lang="en-US" sz="1700"/>
+              <a:t>The dip occurs at the right point.</a:t>
+            </a:r>
+          </a:p>
+          <a:p>
+            <a:pPr>
+              <a:lnSpc>
+                <a:spcPct val="90000"/>
+              </a:lnSpc>
+            </a:pPr>
+            <a:r>
+              <a:rPr lang="en-US" sz="1700"/>
+              <a:t>We have positive phase; this should be impossible with an ideal circuit of our type</a:t>
+            </a:r>
+          </a:p>
+          <a:p>
+            <a:pPr>
+              <a:lnSpc>
+                <a:spcPct val="90000"/>
+              </a:lnSpc>
+            </a:pPr>
+            <a:r>
+              <a:rPr lang="en-US" sz="1700"/>
+              <a:t>Possible explanation: Something within the circuit is behaving as an inductor, producing a field opposing the current, causing the positive phase.</a:t>
+            </a:r>
+          </a:p>
+          <a:p>
+            <a:pPr>
+              <a:lnSpc>
+                <a:spcPct val="90000"/>
+              </a:lnSpc>
+            </a:pPr>
+            <a:r>
+              <a:rPr lang="en-US" sz="1700"/>
+              <a:t>Standard deviation: 0.05 [radians]</a:t>
+            </a:r>
           </a:p>
         </p:txBody>
       </p:sp>
+      <p:pic>
+        <p:nvPicPr>
+          <p:cNvPr id="4" name="Picture 3">
+            <a:extLst>
+              <a:ext uri="{FF2B5EF4-FFF2-40B4-BE49-F238E27FC236}">
+                <a16:creationId xmlns:a16="http://schemas.microsoft.com/office/drawing/2014/main" id="{702696ED-8B82-4174-9BCC-7CB610457E20}"/>
+              </a:ext>
+            </a:extLst>
+          </p:cNvPr>
+          <p:cNvPicPr>
+            <a:picLocks noChangeAspect="1"/>
+          </p:cNvPicPr>
+          <p:nvPr/>
+        </p:nvPicPr>
+        <p:blipFill>
+          <a:blip r:embed="rId3"/>
+          <a:stretch>
+            <a:fillRect/>
+          </a:stretch>
+        </p:blipFill>
+        <p:spPr>
+          <a:xfrm>
+            <a:off x="-5989" y="-9225"/>
+            <a:ext cx="4651557" cy="3398703"/>
+          </a:xfrm>
+          <a:prstGeom prst="rect">
+            <a:avLst/>
+          </a:prstGeom>
+        </p:spPr>
+      </p:pic>
     </p:spTree>
     <p:extLst>
       <p:ext uri="{BB962C8B-B14F-4D97-AF65-F5344CB8AC3E}">
@@ -9989,7 +13992,7 @@
           <a:lstStyle/>
           <a:p>
             <a:r>
-              <a:rPr lang="en-US" dirty="0"/>
+              <a:rPr lang="en-US"/>
               <a:t>Curve Fitting</a:t>
             </a:r>
           </a:p>
@@ -10066,7 +14069,7 @@
           <a:lstStyle/>
           <a:p>
             <a:r>
-              <a:rPr lang="en-US" dirty="0"/>
+              <a:rPr lang="en-US"/>
               <a:t>References</a:t>
             </a:r>
           </a:p>
@@ -10088,15 +14091,191 @@
             <p:ph idx="1"/>
           </p:nvPr>
         </p:nvSpPr>
-        <p:spPr/>
+        <p:spPr>
+          <a:xfrm>
+            <a:off x="2589212" y="2133600"/>
+            <a:ext cx="8915400" cy="3777622"/>
+          </a:xfrm>
+        </p:spPr>
         <p:txBody>
           <a:bodyPr/>
           <a:lstStyle/>
           <a:p>
+            <a:pPr marL="0" lvl="0" indent="0" defTabSz="914400" eaLnBrk="0" fontAlgn="base" hangingPunct="0">
+              <a:spcBef>
+                <a:spcPct val="0"/>
+              </a:spcBef>
+              <a:spcAft>
+                <a:spcPct val="0"/>
+              </a:spcAft>
+              <a:buClrTx/>
+              <a:buNone/>
+            </a:pPr>
             <a:r>
-              <a:rPr lang="en-US" dirty="0"/>
+              <a:rPr lang="en-US" altLang="en-US" i="1">
+                <a:solidFill>
+                  <a:schemeClr val="tx1"/>
+                </a:solidFill>
+                <a:latin typeface="Calibri" panose="020F0502020204030204" pitchFamily="34" charset="0"/>
+                <a:ea typeface="DengXian" panose="02010600030101010101" pitchFamily="2" charset="-122"/>
+                <a:cs typeface="Times New Roman" panose="02020603050405020304" pitchFamily="18" charset="0"/>
+              </a:rPr>
+              <a:t>How Does a Frequency Counter Work</a:t>
+            </a:r>
+            <a:r>
+              <a:rPr lang="en-US" altLang="en-US">
+                <a:solidFill>
+                  <a:schemeClr val="tx1"/>
+                </a:solidFill>
+                <a:latin typeface="Calibri" panose="020F0502020204030204" pitchFamily="34" charset="0"/>
+                <a:ea typeface="DengXian" panose="02010600030101010101" pitchFamily="2" charset="-122"/>
+                <a:cs typeface="Times New Roman" panose="02020603050405020304" pitchFamily="18" charset="0"/>
+              </a:rPr>
+              <a:t>. (n.d.). Retrieved from Electronics Notes: </a:t>
+            </a:r>
+            <a:r>
+              <a:rPr lang="en-US" altLang="en-US">
+                <a:solidFill>
+                  <a:schemeClr val="tx1"/>
+                </a:solidFill>
+                <a:latin typeface="Calibri" panose="020F0502020204030204" pitchFamily="34" charset="0"/>
+                <a:ea typeface="DengXian" panose="02010600030101010101" pitchFamily="2" charset="-122"/>
+                <a:cs typeface="Times New Roman" panose="02020603050405020304" pitchFamily="18" charset="0"/>
+                <a:hlinkClick r:id="rId2"/>
+              </a:rPr>
+              <a:t>https://www.electronics-notes.com/articles/test-methods/frequency-counter-timer/how-does-a-frequency-counter-work-operation.php</a:t>
+            </a:r>
+            <a:endParaRPr lang="en-US" altLang="en-US">
+              <a:solidFill>
+                <a:schemeClr val="tx1"/>
+              </a:solidFill>
+              <a:latin typeface="Calibri" panose="020F0502020204030204" pitchFamily="34" charset="0"/>
+              <a:ea typeface="DengXian" panose="02010600030101010101" pitchFamily="2" charset="-122"/>
+              <a:cs typeface="Times New Roman" panose="02020603050405020304" pitchFamily="18" charset="0"/>
+            </a:endParaRPr>
+          </a:p>
+          <a:p>
+            <a:pPr marL="0" lvl="0" indent="0" defTabSz="914400" eaLnBrk="0" fontAlgn="base" hangingPunct="0">
+              <a:spcBef>
+                <a:spcPct val="0"/>
+              </a:spcBef>
+              <a:spcAft>
+                <a:spcPct val="0"/>
+              </a:spcAft>
+              <a:buClrTx/>
+              <a:buNone/>
+            </a:pPr>
+            <a:endParaRPr lang="en-US" altLang="en-US" sz="1100">
+              <a:solidFill>
+                <a:schemeClr val="tx1"/>
+              </a:solidFill>
+            </a:endParaRPr>
+          </a:p>
+          <a:p>
+            <a:pPr marL="0" lvl="0" indent="0" defTabSz="914400" eaLnBrk="0" fontAlgn="base" hangingPunct="0">
+              <a:spcBef>
+                <a:spcPct val="0"/>
+              </a:spcBef>
+              <a:spcAft>
+                <a:spcPct val="0"/>
+              </a:spcAft>
+              <a:buClrTx/>
+              <a:buNone/>
+            </a:pPr>
+            <a:r>
+              <a:rPr lang="en-US" altLang="en-US" err="1">
+                <a:solidFill>
+                  <a:schemeClr val="tx1"/>
+                </a:solidFill>
+                <a:latin typeface="Calibri" panose="020F0502020204030204" pitchFamily="34" charset="0"/>
+                <a:ea typeface="DengXian" panose="02010600030101010101" pitchFamily="2" charset="-122"/>
+                <a:cs typeface="Times New Roman" panose="02020603050405020304" pitchFamily="18" charset="0"/>
+              </a:rPr>
+              <a:t>laserjocky</a:t>
+            </a:r>
+            <a:r>
+              <a:rPr lang="en-US" altLang="en-US">
+                <a:solidFill>
+                  <a:schemeClr val="tx1"/>
+                </a:solidFill>
+                <a:latin typeface="Calibri" panose="020F0502020204030204" pitchFamily="34" charset="0"/>
+                <a:ea typeface="DengXian" panose="02010600030101010101" pitchFamily="2" charset="-122"/>
+                <a:cs typeface="Times New Roman" panose="02020603050405020304" pitchFamily="18" charset="0"/>
+              </a:rPr>
+              <a:t>. (2014). </a:t>
+            </a:r>
+            <a:r>
+              <a:rPr lang="en-US" altLang="en-US" i="1">
+                <a:solidFill>
+                  <a:schemeClr val="tx1"/>
+                </a:solidFill>
+                <a:latin typeface="Calibri" panose="020F0502020204030204" pitchFamily="34" charset="0"/>
+                <a:ea typeface="DengXian" panose="02010600030101010101" pitchFamily="2" charset="-122"/>
+                <a:cs typeface="Times New Roman" panose="02020603050405020304" pitchFamily="18" charset="0"/>
+              </a:rPr>
+              <a:t>Digital Frequency Counter</a:t>
+            </a:r>
+            <a:r>
+              <a:rPr lang="en-US" altLang="en-US">
+                <a:solidFill>
+                  <a:schemeClr val="tx1"/>
+                </a:solidFill>
+                <a:latin typeface="Calibri" panose="020F0502020204030204" pitchFamily="34" charset="0"/>
+                <a:ea typeface="DengXian" panose="02010600030101010101" pitchFamily="2" charset="-122"/>
+                <a:cs typeface="Times New Roman" panose="02020603050405020304" pitchFamily="18" charset="0"/>
+              </a:rPr>
+              <a:t>. Retrieved from </a:t>
+            </a:r>
+            <a:r>
+              <a:rPr lang="en-US" altLang="en-US" err="1">
+                <a:solidFill>
+                  <a:schemeClr val="tx1"/>
+                </a:solidFill>
+                <a:latin typeface="Calibri" panose="020F0502020204030204" pitchFamily="34" charset="0"/>
+                <a:ea typeface="DengXian" panose="02010600030101010101" pitchFamily="2" charset="-122"/>
+                <a:cs typeface="Times New Roman" panose="02020603050405020304" pitchFamily="18" charset="0"/>
+              </a:rPr>
+              <a:t>instructables</a:t>
+            </a:r>
+            <a:r>
+              <a:rPr lang="en-US" altLang="en-US">
+                <a:solidFill>
+                  <a:schemeClr val="tx1"/>
+                </a:solidFill>
+                <a:latin typeface="Calibri" panose="020F0502020204030204" pitchFamily="34" charset="0"/>
+                <a:ea typeface="DengXian" panose="02010600030101010101" pitchFamily="2" charset="-122"/>
+                <a:cs typeface="Times New Roman" panose="02020603050405020304" pitchFamily="18" charset="0"/>
+              </a:rPr>
+              <a:t>: </a:t>
+            </a:r>
+            <a:r>
+              <a:rPr lang="en-US" altLang="en-US">
+                <a:solidFill>
+                  <a:schemeClr val="tx1"/>
+                </a:solidFill>
+                <a:latin typeface="Calibri" panose="020F0502020204030204" pitchFamily="34" charset="0"/>
+                <a:ea typeface="DengXian" panose="02010600030101010101" pitchFamily="2" charset="-122"/>
+                <a:cs typeface="Times New Roman" panose="02020603050405020304" pitchFamily="18" charset="0"/>
+                <a:hlinkClick r:id="rId3"/>
+              </a:rPr>
               <a:t>https://www.instructables.com/id/Digital-Frequency-Counter/</a:t>
             </a:r>
+            <a:r>
+              <a:rPr lang="en-US" altLang="en-US">
+                <a:solidFill>
+                  <a:schemeClr val="tx1"/>
+                </a:solidFill>
+                <a:latin typeface="Calibri" panose="020F0502020204030204" pitchFamily="34" charset="0"/>
+                <a:ea typeface="DengXian" panose="02010600030101010101" pitchFamily="2" charset="-122"/>
+                <a:cs typeface="Times New Roman" panose="02020603050405020304" pitchFamily="18" charset="0"/>
+              </a:rPr>
+              <a:t> </a:t>
+            </a:r>
+            <a:endParaRPr lang="en-US" altLang="en-US" sz="1100">
+              <a:solidFill>
+                <a:schemeClr val="tx1"/>
+              </a:solidFill>
+            </a:endParaRPr>
           </a:p>
         </p:txBody>
       </p:sp>
